--- a/Documentacion/DocumentacionProyecto/Instructivos/MEC_Instructivo6 - Movimientos-Educacion.pptx
+++ b/Documentacion/DocumentacionProyecto/Instructivos/MEC_Instructivo6 - Movimientos-Educacion.pptx
@@ -3,10 +3,10 @@
 <p:presentation xmlns:a="http://schemas.openxmlformats.org/drawingml/2006/main" xmlns:r="http://schemas.openxmlformats.org/officeDocument/2006/relationships" xmlns:p="http://schemas.openxmlformats.org/presentationml/2006/main">
   <p:sldMasterIdLst>
     <p:sldMasterId id="2147483648" r:id="rId1"/>
-    <p:sldMasterId id="2147483661" r:id="rId2"/>
+    <p:sldMasterId id="2147483686" r:id="rId2"/>
   </p:sldMasterIdLst>
   <p:notesMasterIdLst>
-    <p:notesMasterId r:id="rId12"/>
+    <p:notesMasterId r:id="rId13"/>
   </p:notesMasterIdLst>
   <p:sldIdLst>
     <p:sldId id="256" r:id="rId3"/>
@@ -16,8 +16,9 @@
     <p:sldId id="257" r:id="rId7"/>
     <p:sldId id="291" r:id="rId8"/>
     <p:sldId id="307" r:id="rId9"/>
-    <p:sldId id="346" r:id="rId10"/>
-    <p:sldId id="347" r:id="rId11"/>
+    <p:sldId id="348" r:id="rId10"/>
+    <p:sldId id="346" r:id="rId11"/>
+    <p:sldId id="347" r:id="rId12"/>
   </p:sldIdLst>
   <p:sldSz cx="9144000" cy="6858000" type="screen4x3"/>
   <p:notesSz cx="6858000" cy="9144000"/>
@@ -1465,7 +1466,7 @@
     </p:spTree>
     <p:extLst>
       <p:ext uri="{BB962C8B-B14F-4D97-AF65-F5344CB8AC3E}">
-        <p14:creationId xmlns:p14="http://schemas.microsoft.com/office/powerpoint/2010/main" val="257628160"/>
+        <p14:creationId xmlns:p14="http://schemas.microsoft.com/office/powerpoint/2010/main" val="679423967"/>
       </p:ext>
     </p:extLst>
   </p:cSld>
@@ -1598,6 +1599,149 @@
                 </a:lnSpc>
               </a:pPr>
               <a:t>9</a:t>
+            </a:fld>
+            <a:endParaRPr lang="es-AR" sz="1200" b="0" strike="noStrike" spc="-1">
+              <a:latin typeface="Times New Roman"/>
+            </a:endParaRPr>
+          </a:p>
+        </p:txBody>
+      </p:sp>
+    </p:spTree>
+    <p:extLst>
+      <p:ext uri="{BB962C8B-B14F-4D97-AF65-F5344CB8AC3E}">
+        <p14:creationId xmlns:p14="http://schemas.microsoft.com/office/powerpoint/2010/main" val="257628160"/>
+      </p:ext>
+    </p:extLst>
+  </p:cSld>
+  <p:clrMapOvr>
+    <a:masterClrMapping/>
+  </p:clrMapOvr>
+</p:notes>
+</file>
+
+<file path=ppt/notesSlides/notesSlide9.xml><?xml version="1.0" encoding="utf-8"?>
+<p:notes xmlns:a="http://schemas.openxmlformats.org/drawingml/2006/main" xmlns:r="http://schemas.openxmlformats.org/officeDocument/2006/relationships" xmlns:p="http://schemas.openxmlformats.org/presentationml/2006/main">
+  <p:cSld>
+    <p:spTree>
+      <p:nvGrpSpPr>
+        <p:cNvPr id="1" name=""/>
+        <p:cNvGrpSpPr/>
+        <p:nvPr/>
+      </p:nvGrpSpPr>
+      <p:grpSpPr>
+        <a:xfrm>
+          <a:off x="0" y="0"/>
+          <a:ext cx="0" cy="0"/>
+          <a:chOff x="0" y="0"/>
+          <a:chExt cx="0" cy="0"/>
+        </a:xfrm>
+      </p:grpSpPr>
+      <p:sp>
+        <p:nvSpPr>
+          <p:cNvPr id="265" name="PlaceHolder 1"/>
+          <p:cNvSpPr>
+            <a:spLocks noGrp="1" noRot="1" noChangeAspect="1"/>
+          </p:cNvSpPr>
+          <p:nvPr>
+            <p:ph type="sldImg"/>
+          </p:nvPr>
+        </p:nvSpPr>
+        <p:spPr>
+          <a:xfrm>
+            <a:off x="1371600" y="1143000"/>
+            <a:ext cx="4111625" cy="3084513"/>
+          </a:xfrm>
+          <a:prstGeom prst="rect">
+            <a:avLst/>
+          </a:prstGeom>
+          <a:ln w="0">
+            <a:noFill/>
+          </a:ln>
+        </p:spPr>
+      </p:sp>
+      <p:sp>
+        <p:nvSpPr>
+          <p:cNvPr id="266" name="PlaceHolder 2"/>
+          <p:cNvSpPr>
+            <a:spLocks noGrp="1"/>
+          </p:cNvSpPr>
+          <p:nvPr>
+            <p:ph type="body"/>
+          </p:nvPr>
+        </p:nvSpPr>
+        <p:spPr>
+          <a:xfrm>
+            <a:off x="685800" y="4400640"/>
+            <a:ext cx="5483880" cy="3597840"/>
+          </a:xfrm>
+          <a:prstGeom prst="rect">
+            <a:avLst/>
+          </a:prstGeom>
+          <a:noFill/>
+          <a:ln w="0">
+            <a:noFill/>
+          </a:ln>
+        </p:spPr>
+        <p:txBody>
+          <a:bodyPr lIns="0" tIns="0" rIns="0" bIns="0" anchor="t">
+            <a:noAutofit/>
+          </a:bodyPr>
+          <a:lstStyle/>
+          <a:p>
+            <a:endParaRPr lang="es-AR" sz="2000" b="0" strike="noStrike" spc="-1">
+              <a:latin typeface="Arial"/>
+            </a:endParaRPr>
+          </a:p>
+        </p:txBody>
+      </p:sp>
+      <p:sp>
+        <p:nvSpPr>
+          <p:cNvPr id="267" name="PlaceHolder 3"/>
+          <p:cNvSpPr>
+            <a:spLocks noGrp="1"/>
+          </p:cNvSpPr>
+          <p:nvPr>
+            <p:ph type="sldNum"/>
+          </p:nvPr>
+        </p:nvSpPr>
+        <p:spPr>
+          <a:xfrm>
+            <a:off x="3884760" y="8685360"/>
+            <a:ext cx="2969280" cy="456120"/>
+          </a:xfrm>
+          <a:prstGeom prst="rect">
+            <a:avLst/>
+          </a:prstGeom>
+          <a:noFill/>
+          <a:ln w="0">
+            <a:noFill/>
+          </a:ln>
+        </p:spPr>
+        <p:txBody>
+          <a:bodyPr lIns="0" tIns="0" rIns="0" bIns="0" anchor="b">
+            <a:noAutofit/>
+          </a:bodyPr>
+          <a:lstStyle/>
+          <a:p>
+            <a:pPr algn="r">
+              <a:lnSpc>
+                <a:spcPct val="100000"/>
+              </a:lnSpc>
+            </a:pPr>
+            <a:fld id="{9669A908-0F06-4E47-960C-06257B12840D}" type="slidenum">
+              <a:rPr lang="es-AR" sz="1200" b="0" strike="noStrike" spc="-1">
+                <a:solidFill>
+                  <a:srgbClr val="000000"/>
+                </a:solidFill>
+                <a:latin typeface="+mn-lt"/>
+                <a:ea typeface="+mn-ea"/>
+              </a:rPr>
+              <a:pPr algn="r">
+                <a:lnSpc>
+                  <a:spcPct val="100000"/>
+                </a:lnSpc>
+              </a:pPr>
+              <a:t>10</a:t>
             </a:fld>
             <a:endParaRPr lang="es-AR" sz="1200" b="0" strike="noStrike" spc="-1">
               <a:latin typeface="Times New Roman"/>
@@ -2247,8 +2391,8 @@
 </file>
 
 <file path=ppt/slideLayouts/slideLayout13.xml><?xml version="1.0" encoding="utf-8"?>
-<p:sldLayout xmlns:a="http://schemas.openxmlformats.org/drawingml/2006/main" xmlns:r="http://schemas.openxmlformats.org/officeDocument/2006/relationships" xmlns:p="http://schemas.openxmlformats.org/presentationml/2006/main" type="blank" preserve="1">
-  <p:cSld name="Blank Slide">
+<p:sldLayout xmlns:a="http://schemas.openxmlformats.org/drawingml/2006/main" xmlns:r="http://schemas.openxmlformats.org/officeDocument/2006/relationships" xmlns:p="http://schemas.openxmlformats.org/presentationml/2006/main" type="title" preserve="1">
+  <p:cSld name="Diapositiva de título">
     <p:spTree>
       <p:nvGrpSpPr>
         <p:cNvPr id="1" name=""/>
@@ -2263,7 +2407,174 @@
           <a:chExt cx="0" cy="0"/>
         </a:xfrm>
       </p:grpSpPr>
+      <p:sp>
+        <p:nvSpPr>
+          <p:cNvPr id="2" name="Título 1"/>
+          <p:cNvSpPr>
+            <a:spLocks noGrp="1"/>
+          </p:cNvSpPr>
+          <p:nvPr>
+            <p:ph type="ctrTitle"/>
+          </p:nvPr>
+        </p:nvSpPr>
+        <p:spPr>
+          <a:xfrm>
+            <a:off x="1143000" y="1122363"/>
+            <a:ext cx="6858000" cy="2387600"/>
+          </a:xfrm>
+        </p:spPr>
+        <p:txBody>
+          <a:bodyPr anchor="b"/>
+          <a:lstStyle>
+            <a:lvl1pPr algn="ctr">
+              <a:defRPr sz="4500"/>
+            </a:lvl1pPr>
+          </a:lstStyle>
+          <a:p>
+            <a:r>
+              <a:rPr lang="es-ES" smtClean="0"/>
+              <a:t>Haga clic para modificar el estilo de título del patrón</a:t>
+            </a:r>
+            <a:endParaRPr lang="es-AR"/>
+          </a:p>
+        </p:txBody>
+      </p:sp>
+      <p:sp>
+        <p:nvSpPr>
+          <p:cNvPr id="3" name="Subtítulo 2"/>
+          <p:cNvSpPr>
+            <a:spLocks noGrp="1"/>
+          </p:cNvSpPr>
+          <p:nvPr>
+            <p:ph type="subTitle" idx="1"/>
+          </p:nvPr>
+        </p:nvSpPr>
+        <p:spPr>
+          <a:xfrm>
+            <a:off x="1143000" y="3602038"/>
+            <a:ext cx="6858000" cy="1655762"/>
+          </a:xfrm>
+        </p:spPr>
+        <p:txBody>
+          <a:bodyPr/>
+          <a:lstStyle>
+            <a:lvl1pPr marL="0" indent="0" algn="ctr">
+              <a:buNone/>
+              <a:defRPr sz="1800"/>
+            </a:lvl1pPr>
+            <a:lvl2pPr marL="342900" indent="0" algn="ctr">
+              <a:buNone/>
+              <a:defRPr sz="1500"/>
+            </a:lvl2pPr>
+            <a:lvl3pPr marL="685800" indent="0" algn="ctr">
+              <a:buNone/>
+              <a:defRPr sz="1350"/>
+            </a:lvl3pPr>
+            <a:lvl4pPr marL="1028700" indent="0" algn="ctr">
+              <a:buNone/>
+              <a:defRPr sz="1200"/>
+            </a:lvl4pPr>
+            <a:lvl5pPr marL="1371600" indent="0" algn="ctr">
+              <a:buNone/>
+              <a:defRPr sz="1200"/>
+            </a:lvl5pPr>
+            <a:lvl6pPr marL="1714500" indent="0" algn="ctr">
+              <a:buNone/>
+              <a:defRPr sz="1200"/>
+            </a:lvl6pPr>
+            <a:lvl7pPr marL="2057400" indent="0" algn="ctr">
+              <a:buNone/>
+              <a:defRPr sz="1200"/>
+            </a:lvl7pPr>
+            <a:lvl8pPr marL="2400300" indent="0" algn="ctr">
+              <a:buNone/>
+              <a:defRPr sz="1200"/>
+            </a:lvl8pPr>
+            <a:lvl9pPr marL="2743200" indent="0" algn="ctr">
+              <a:buNone/>
+              <a:defRPr sz="1200"/>
+            </a:lvl9pPr>
+          </a:lstStyle>
+          <a:p>
+            <a:r>
+              <a:rPr lang="es-ES" smtClean="0"/>
+              <a:t>Haga clic para modificar el estilo de subtítulo del patrón</a:t>
+            </a:r>
+            <a:endParaRPr lang="es-AR"/>
+          </a:p>
+        </p:txBody>
+      </p:sp>
+      <p:sp>
+        <p:nvSpPr>
+          <p:cNvPr id="4" name="Marcador de fecha 3"/>
+          <p:cNvSpPr>
+            <a:spLocks noGrp="1"/>
+          </p:cNvSpPr>
+          <p:nvPr>
+            <p:ph type="dt" sz="half" idx="10"/>
+          </p:nvPr>
+        </p:nvSpPr>
+        <p:spPr/>
+        <p:txBody>
+          <a:bodyPr/>
+          <a:lstStyle/>
+          <a:p>
+            <a:fld id="{41FD5431-53B5-4D35-9FE8-D68895F22516}" type="datetimeFigureOut">
+              <a:rPr lang="es-AR" smtClean="0"/>
+              <a:t>6/10/2025</a:t>
+            </a:fld>
+            <a:endParaRPr lang="es-AR"/>
+          </a:p>
+        </p:txBody>
+      </p:sp>
+      <p:sp>
+        <p:nvSpPr>
+          <p:cNvPr id="5" name="Marcador de pie de página 4"/>
+          <p:cNvSpPr>
+            <a:spLocks noGrp="1"/>
+          </p:cNvSpPr>
+          <p:nvPr>
+            <p:ph type="ftr" sz="quarter" idx="11"/>
+          </p:nvPr>
+        </p:nvSpPr>
+        <p:spPr/>
+        <p:txBody>
+          <a:bodyPr/>
+          <a:lstStyle/>
+          <a:p>
+            <a:endParaRPr lang="es-AR"/>
+          </a:p>
+        </p:txBody>
+      </p:sp>
+      <p:sp>
+        <p:nvSpPr>
+          <p:cNvPr id="6" name="Marcador de número de diapositiva 5"/>
+          <p:cNvSpPr>
+            <a:spLocks noGrp="1"/>
+          </p:cNvSpPr>
+          <p:nvPr>
+            <p:ph type="sldNum" sz="quarter" idx="12"/>
+          </p:nvPr>
+        </p:nvSpPr>
+        <p:spPr/>
+        <p:txBody>
+          <a:bodyPr/>
+          <a:lstStyle/>
+          <a:p>
+            <a:fld id="{8EBB5510-15E7-4E0C-9BAE-7CDF35ABC9B6}" type="slidenum">
+              <a:rPr lang="es-AR" smtClean="0"/>
+              <a:t>‹Nº›</a:t>
+            </a:fld>
+            <a:endParaRPr lang="es-AR"/>
+          </a:p>
+        </p:txBody>
+      </p:sp>
     </p:spTree>
+    <p:extLst>
+      <p:ext uri="{BB962C8B-B14F-4D97-AF65-F5344CB8AC3E}">
+        <p14:creationId xmlns:p14="http://schemas.microsoft.com/office/powerpoint/2010/main" val="2988632912"/>
+      </p:ext>
+    </p:extLst>
   </p:cSld>
   <p:clrMapOvr>
     <a:masterClrMapping/>
@@ -2272,8 +2583,8 @@
 </file>
 
 <file path=ppt/slideLayouts/slideLayout14.xml><?xml version="1.0" encoding="utf-8"?>
-<p:sldLayout xmlns:a="http://schemas.openxmlformats.org/drawingml/2006/main" xmlns:r="http://schemas.openxmlformats.org/officeDocument/2006/relationships" xmlns:p="http://schemas.openxmlformats.org/presentationml/2006/main" type="tx" preserve="1">
-  <p:cSld name="Title Slide">
+<p:sldLayout xmlns:a="http://schemas.openxmlformats.org/drawingml/2006/main" xmlns:r="http://schemas.openxmlformats.org/officeDocument/2006/relationships" xmlns:p="http://schemas.openxmlformats.org/presentationml/2006/main" type="obj" preserve="1">
+  <p:cSld name="Título y objetos">
     <p:spTree>
       <p:nvGrpSpPr>
         <p:cNvPr id="1" name=""/>
@@ -2290,7 +2601,7 @@
       </p:grpSpPr>
       <p:sp>
         <p:nvSpPr>
-          <p:cNvPr id="40" name="PlaceHolder 1"/>
+          <p:cNvPr id="2" name="Título 1"/>
           <p:cNvSpPr>
             <a:spLocks noGrp="1"/>
           </p:cNvSpPr>
@@ -2298,69 +2609,142 @@
             <p:ph type="title"/>
           </p:nvPr>
         </p:nvSpPr>
-        <p:spPr>
-          <a:xfrm>
-            <a:off x="457200" y="273600"/>
-            <a:ext cx="8229240" cy="1144800"/>
-          </a:xfrm>
-          <a:prstGeom prst="rect">
-            <a:avLst/>
-          </a:prstGeom>
-          <a:noFill/>
-          <a:ln w="0">
-            <a:noFill/>
-          </a:ln>
-        </p:spPr>
-        <p:txBody>
-          <a:bodyPr lIns="0" tIns="0" rIns="0" bIns="0" anchor="ctr">
-            <a:noAutofit/>
-          </a:bodyPr>
-          <a:lstStyle/>
-          <a:p>
-            <a:pPr algn="ctr"/>
-            <a:endParaRPr lang="es-AR" sz="4400" b="0" strike="noStrike" spc="-1">
-              <a:latin typeface="Arial"/>
-            </a:endParaRPr>
-          </a:p>
-        </p:txBody>
-      </p:sp>
-      <p:sp>
-        <p:nvSpPr>
-          <p:cNvPr id="41" name="PlaceHolder 2"/>
-          <p:cNvSpPr>
-            <a:spLocks noGrp="1"/>
-          </p:cNvSpPr>
-          <p:nvPr>
-            <p:ph type="subTitle"/>
-          </p:nvPr>
-        </p:nvSpPr>
-        <p:spPr>
-          <a:xfrm>
-            <a:off x="457200" y="1604520"/>
-            <a:ext cx="8229240" cy="3977280"/>
-          </a:xfrm>
-          <a:prstGeom prst="rect">
-            <a:avLst/>
-          </a:prstGeom>
-          <a:noFill/>
-          <a:ln w="0">
-            <a:noFill/>
-          </a:ln>
-        </p:spPr>
-        <p:txBody>
-          <a:bodyPr lIns="0" tIns="0" rIns="0" bIns="0" anchor="ctr">
-            <a:noAutofit/>
-          </a:bodyPr>
-          <a:lstStyle/>
-          <a:p>
-            <a:pPr algn="ctr"/>
-            <a:endParaRPr lang="es-AR" sz="3200" b="0" strike="noStrike" spc="-1">
-              <a:latin typeface="Arial"/>
-            </a:endParaRPr>
+        <p:spPr/>
+        <p:txBody>
+          <a:bodyPr/>
+          <a:lstStyle/>
+          <a:p>
+            <a:r>
+              <a:rPr lang="es-ES" smtClean="0"/>
+              <a:t>Haga clic para modificar el estilo de título del patrón</a:t>
+            </a:r>
+            <a:endParaRPr lang="es-AR"/>
+          </a:p>
+        </p:txBody>
+      </p:sp>
+      <p:sp>
+        <p:nvSpPr>
+          <p:cNvPr id="3" name="Marcador de contenido 2"/>
+          <p:cNvSpPr>
+            <a:spLocks noGrp="1"/>
+          </p:cNvSpPr>
+          <p:nvPr>
+            <p:ph idx="1"/>
+          </p:nvPr>
+        </p:nvSpPr>
+        <p:spPr/>
+        <p:txBody>
+          <a:bodyPr/>
+          <a:lstStyle/>
+          <a:p>
+            <a:pPr lvl="0"/>
+            <a:r>
+              <a:rPr lang="es-ES" smtClean="0"/>
+              <a:t>Haga clic para modificar el estilo de texto del patrón</a:t>
+            </a:r>
+          </a:p>
+          <a:p>
+            <a:pPr lvl="1"/>
+            <a:r>
+              <a:rPr lang="es-ES" smtClean="0"/>
+              <a:t>Segundo nivel</a:t>
+            </a:r>
+          </a:p>
+          <a:p>
+            <a:pPr lvl="2"/>
+            <a:r>
+              <a:rPr lang="es-ES" smtClean="0"/>
+              <a:t>Tercer nivel</a:t>
+            </a:r>
+          </a:p>
+          <a:p>
+            <a:pPr lvl="3"/>
+            <a:r>
+              <a:rPr lang="es-ES" smtClean="0"/>
+              <a:t>Cuarto nivel</a:t>
+            </a:r>
+          </a:p>
+          <a:p>
+            <a:pPr lvl="4"/>
+            <a:r>
+              <a:rPr lang="es-ES" smtClean="0"/>
+              <a:t>Quinto nivel</a:t>
+            </a:r>
+            <a:endParaRPr lang="es-AR"/>
+          </a:p>
+        </p:txBody>
+      </p:sp>
+      <p:sp>
+        <p:nvSpPr>
+          <p:cNvPr id="4" name="Marcador de fecha 3"/>
+          <p:cNvSpPr>
+            <a:spLocks noGrp="1"/>
+          </p:cNvSpPr>
+          <p:nvPr>
+            <p:ph type="dt" sz="half" idx="10"/>
+          </p:nvPr>
+        </p:nvSpPr>
+        <p:spPr/>
+        <p:txBody>
+          <a:bodyPr/>
+          <a:lstStyle/>
+          <a:p>
+            <a:fld id="{41FD5431-53B5-4D35-9FE8-D68895F22516}" type="datetimeFigureOut">
+              <a:rPr lang="es-AR" smtClean="0"/>
+              <a:t>6/10/2025</a:t>
+            </a:fld>
+            <a:endParaRPr lang="es-AR"/>
+          </a:p>
+        </p:txBody>
+      </p:sp>
+      <p:sp>
+        <p:nvSpPr>
+          <p:cNvPr id="5" name="Marcador de pie de página 4"/>
+          <p:cNvSpPr>
+            <a:spLocks noGrp="1"/>
+          </p:cNvSpPr>
+          <p:nvPr>
+            <p:ph type="ftr" sz="quarter" idx="11"/>
+          </p:nvPr>
+        </p:nvSpPr>
+        <p:spPr/>
+        <p:txBody>
+          <a:bodyPr/>
+          <a:lstStyle/>
+          <a:p>
+            <a:endParaRPr lang="es-AR"/>
+          </a:p>
+        </p:txBody>
+      </p:sp>
+      <p:sp>
+        <p:nvSpPr>
+          <p:cNvPr id="6" name="Marcador de número de diapositiva 5"/>
+          <p:cNvSpPr>
+            <a:spLocks noGrp="1"/>
+          </p:cNvSpPr>
+          <p:nvPr>
+            <p:ph type="sldNum" sz="quarter" idx="12"/>
+          </p:nvPr>
+        </p:nvSpPr>
+        <p:spPr/>
+        <p:txBody>
+          <a:bodyPr/>
+          <a:lstStyle/>
+          <a:p>
+            <a:fld id="{8EBB5510-15E7-4E0C-9BAE-7CDF35ABC9B6}" type="slidenum">
+              <a:rPr lang="es-AR" smtClean="0"/>
+              <a:t>‹Nº›</a:t>
+            </a:fld>
+            <a:endParaRPr lang="es-AR"/>
           </a:p>
         </p:txBody>
       </p:sp>
     </p:spTree>
+    <p:extLst>
+      <p:ext uri="{BB962C8B-B14F-4D97-AF65-F5344CB8AC3E}">
+        <p14:creationId xmlns:p14="http://schemas.microsoft.com/office/powerpoint/2010/main" val="244850874"/>
+      </p:ext>
+    </p:extLst>
   </p:cSld>
   <p:clrMapOvr>
     <a:masterClrMapping/>
@@ -2369,8 +2753,8 @@
 </file>
 
 <file path=ppt/slideLayouts/slideLayout15.xml><?xml version="1.0" encoding="utf-8"?>
-<p:sldLayout xmlns:a="http://schemas.openxmlformats.org/drawingml/2006/main" xmlns:r="http://schemas.openxmlformats.org/officeDocument/2006/relationships" xmlns:p="http://schemas.openxmlformats.org/presentationml/2006/main" type="obj" preserve="1">
-  <p:cSld name="Title, Content">
+<p:sldLayout xmlns:a="http://schemas.openxmlformats.org/drawingml/2006/main" xmlns:r="http://schemas.openxmlformats.org/officeDocument/2006/relationships" xmlns:p="http://schemas.openxmlformats.org/presentationml/2006/main" type="secHead" preserve="1">
+  <p:cSld name="Encabezado de sección">
     <p:spTree>
       <p:nvGrpSpPr>
         <p:cNvPr id="1" name=""/>
@@ -2387,7 +2771,7 @@
       </p:grpSpPr>
       <p:sp>
         <p:nvSpPr>
-          <p:cNvPr id="42" name="PlaceHolder 1"/>
+          <p:cNvPr id="2" name="Título 1"/>
           <p:cNvSpPr>
             <a:spLocks noGrp="1"/>
           </p:cNvSpPr>
@@ -2397,66 +2781,216 @@
         </p:nvSpPr>
         <p:spPr>
           <a:xfrm>
-            <a:off x="457200" y="273600"/>
-            <a:ext cx="8229240" cy="1144800"/>
-          </a:xfrm>
-          <a:prstGeom prst="rect">
-            <a:avLst/>
-          </a:prstGeom>
-          <a:noFill/>
-          <a:ln w="0">
-            <a:noFill/>
-          </a:ln>
-        </p:spPr>
-        <p:txBody>
-          <a:bodyPr lIns="0" tIns="0" rIns="0" bIns="0" anchor="ctr">
-            <a:noAutofit/>
-          </a:bodyPr>
-          <a:lstStyle/>
-          <a:p>
-            <a:pPr algn="ctr"/>
-            <a:endParaRPr lang="es-AR" sz="4400" b="0" strike="noStrike" spc="-1">
-              <a:latin typeface="Arial"/>
-            </a:endParaRPr>
-          </a:p>
-        </p:txBody>
-      </p:sp>
-      <p:sp>
-        <p:nvSpPr>
-          <p:cNvPr id="43" name="PlaceHolder 2"/>
-          <p:cNvSpPr>
-            <a:spLocks noGrp="1"/>
-          </p:cNvSpPr>
-          <p:nvPr>
-            <p:ph/>
-          </p:nvPr>
-        </p:nvSpPr>
-        <p:spPr>
-          <a:xfrm>
-            <a:off x="457200" y="1604520"/>
-            <a:ext cx="8229240" cy="3977280"/>
-          </a:xfrm>
-          <a:prstGeom prst="rect">
-            <a:avLst/>
-          </a:prstGeom>
-          <a:noFill/>
-          <a:ln w="0">
-            <a:noFill/>
-          </a:ln>
-        </p:spPr>
-        <p:txBody>
-          <a:bodyPr lIns="0" tIns="0" rIns="0" bIns="0" anchor="t">
-            <a:normAutofit/>
-          </a:bodyPr>
-          <a:lstStyle/>
-          <a:p>
-            <a:endParaRPr lang="es-AR" sz="3200" b="0" strike="noStrike" spc="-1">
-              <a:latin typeface="Arial"/>
-            </a:endParaRPr>
+            <a:off x="623888" y="1709739"/>
+            <a:ext cx="7886700" cy="2852737"/>
+          </a:xfrm>
+        </p:spPr>
+        <p:txBody>
+          <a:bodyPr anchor="b"/>
+          <a:lstStyle>
+            <a:lvl1pPr>
+              <a:defRPr sz="4500"/>
+            </a:lvl1pPr>
+          </a:lstStyle>
+          <a:p>
+            <a:r>
+              <a:rPr lang="es-ES" smtClean="0"/>
+              <a:t>Haga clic para modificar el estilo de título del patrón</a:t>
+            </a:r>
+            <a:endParaRPr lang="es-AR"/>
+          </a:p>
+        </p:txBody>
+      </p:sp>
+      <p:sp>
+        <p:nvSpPr>
+          <p:cNvPr id="3" name="Marcador de texto 2"/>
+          <p:cNvSpPr>
+            <a:spLocks noGrp="1"/>
+          </p:cNvSpPr>
+          <p:nvPr>
+            <p:ph type="body" idx="1"/>
+          </p:nvPr>
+        </p:nvSpPr>
+        <p:spPr>
+          <a:xfrm>
+            <a:off x="623888" y="4589464"/>
+            <a:ext cx="7886700" cy="1500187"/>
+          </a:xfrm>
+        </p:spPr>
+        <p:txBody>
+          <a:bodyPr/>
+          <a:lstStyle>
+            <a:lvl1pPr marL="0" indent="0">
+              <a:buNone/>
+              <a:defRPr sz="1800">
+                <a:solidFill>
+                  <a:schemeClr val="tx1">
+                    <a:tint val="75000"/>
+                  </a:schemeClr>
+                </a:solidFill>
+              </a:defRPr>
+            </a:lvl1pPr>
+            <a:lvl2pPr marL="342900" indent="0">
+              <a:buNone/>
+              <a:defRPr sz="1500">
+                <a:solidFill>
+                  <a:schemeClr val="tx1">
+                    <a:tint val="75000"/>
+                  </a:schemeClr>
+                </a:solidFill>
+              </a:defRPr>
+            </a:lvl2pPr>
+            <a:lvl3pPr marL="685800" indent="0">
+              <a:buNone/>
+              <a:defRPr sz="1350">
+                <a:solidFill>
+                  <a:schemeClr val="tx1">
+                    <a:tint val="75000"/>
+                  </a:schemeClr>
+                </a:solidFill>
+              </a:defRPr>
+            </a:lvl3pPr>
+            <a:lvl4pPr marL="1028700" indent="0">
+              <a:buNone/>
+              <a:defRPr sz="1200">
+                <a:solidFill>
+                  <a:schemeClr val="tx1">
+                    <a:tint val="75000"/>
+                  </a:schemeClr>
+                </a:solidFill>
+              </a:defRPr>
+            </a:lvl4pPr>
+            <a:lvl5pPr marL="1371600" indent="0">
+              <a:buNone/>
+              <a:defRPr sz="1200">
+                <a:solidFill>
+                  <a:schemeClr val="tx1">
+                    <a:tint val="75000"/>
+                  </a:schemeClr>
+                </a:solidFill>
+              </a:defRPr>
+            </a:lvl5pPr>
+            <a:lvl6pPr marL="1714500" indent="0">
+              <a:buNone/>
+              <a:defRPr sz="1200">
+                <a:solidFill>
+                  <a:schemeClr val="tx1">
+                    <a:tint val="75000"/>
+                  </a:schemeClr>
+                </a:solidFill>
+              </a:defRPr>
+            </a:lvl6pPr>
+            <a:lvl7pPr marL="2057400" indent="0">
+              <a:buNone/>
+              <a:defRPr sz="1200">
+                <a:solidFill>
+                  <a:schemeClr val="tx1">
+                    <a:tint val="75000"/>
+                  </a:schemeClr>
+                </a:solidFill>
+              </a:defRPr>
+            </a:lvl7pPr>
+            <a:lvl8pPr marL="2400300" indent="0">
+              <a:buNone/>
+              <a:defRPr sz="1200">
+                <a:solidFill>
+                  <a:schemeClr val="tx1">
+                    <a:tint val="75000"/>
+                  </a:schemeClr>
+                </a:solidFill>
+              </a:defRPr>
+            </a:lvl8pPr>
+            <a:lvl9pPr marL="2743200" indent="0">
+              <a:buNone/>
+              <a:defRPr sz="1200">
+                <a:solidFill>
+                  <a:schemeClr val="tx1">
+                    <a:tint val="75000"/>
+                  </a:schemeClr>
+                </a:solidFill>
+              </a:defRPr>
+            </a:lvl9pPr>
+          </a:lstStyle>
+          <a:p>
+            <a:pPr lvl="0"/>
+            <a:r>
+              <a:rPr lang="es-ES" smtClean="0"/>
+              <a:t>Haga clic para modificar el estilo de texto del patrón</a:t>
+            </a:r>
+          </a:p>
+        </p:txBody>
+      </p:sp>
+      <p:sp>
+        <p:nvSpPr>
+          <p:cNvPr id="4" name="Marcador de fecha 3"/>
+          <p:cNvSpPr>
+            <a:spLocks noGrp="1"/>
+          </p:cNvSpPr>
+          <p:nvPr>
+            <p:ph type="dt" sz="half" idx="10"/>
+          </p:nvPr>
+        </p:nvSpPr>
+        <p:spPr/>
+        <p:txBody>
+          <a:bodyPr/>
+          <a:lstStyle/>
+          <a:p>
+            <a:fld id="{41FD5431-53B5-4D35-9FE8-D68895F22516}" type="datetimeFigureOut">
+              <a:rPr lang="es-AR" smtClean="0"/>
+              <a:t>6/10/2025</a:t>
+            </a:fld>
+            <a:endParaRPr lang="es-AR"/>
+          </a:p>
+        </p:txBody>
+      </p:sp>
+      <p:sp>
+        <p:nvSpPr>
+          <p:cNvPr id="5" name="Marcador de pie de página 4"/>
+          <p:cNvSpPr>
+            <a:spLocks noGrp="1"/>
+          </p:cNvSpPr>
+          <p:nvPr>
+            <p:ph type="ftr" sz="quarter" idx="11"/>
+          </p:nvPr>
+        </p:nvSpPr>
+        <p:spPr/>
+        <p:txBody>
+          <a:bodyPr/>
+          <a:lstStyle/>
+          <a:p>
+            <a:endParaRPr lang="es-AR"/>
+          </a:p>
+        </p:txBody>
+      </p:sp>
+      <p:sp>
+        <p:nvSpPr>
+          <p:cNvPr id="6" name="Marcador de número de diapositiva 5"/>
+          <p:cNvSpPr>
+            <a:spLocks noGrp="1"/>
+          </p:cNvSpPr>
+          <p:nvPr>
+            <p:ph type="sldNum" sz="quarter" idx="12"/>
+          </p:nvPr>
+        </p:nvSpPr>
+        <p:spPr/>
+        <p:txBody>
+          <a:bodyPr/>
+          <a:lstStyle/>
+          <a:p>
+            <a:fld id="{8EBB5510-15E7-4E0C-9BAE-7CDF35ABC9B6}" type="slidenum">
+              <a:rPr lang="es-AR" smtClean="0"/>
+              <a:t>‹Nº›</a:t>
+            </a:fld>
+            <a:endParaRPr lang="es-AR"/>
           </a:p>
         </p:txBody>
       </p:sp>
     </p:spTree>
+    <p:extLst>
+      <p:ext uri="{BB962C8B-B14F-4D97-AF65-F5344CB8AC3E}">
+        <p14:creationId xmlns:p14="http://schemas.microsoft.com/office/powerpoint/2010/main" val="4067365246"/>
+      </p:ext>
+    </p:extLst>
   </p:cSld>
   <p:clrMapOvr>
     <a:masterClrMapping/>
@@ -2466,7 +3000,7 @@
 
 <file path=ppt/slideLayouts/slideLayout16.xml><?xml version="1.0" encoding="utf-8"?>
 <p:sldLayout xmlns:a="http://schemas.openxmlformats.org/drawingml/2006/main" xmlns:r="http://schemas.openxmlformats.org/officeDocument/2006/relationships" xmlns:p="http://schemas.openxmlformats.org/presentationml/2006/main" type="twoObj" preserve="1">
-  <p:cSld name="Title, 2 Content">
+  <p:cSld name="Dos objetos">
     <p:spTree>
       <p:nvGrpSpPr>
         <p:cNvPr id="1" name=""/>
@@ -2483,7 +3017,7 @@
       </p:grpSpPr>
       <p:sp>
         <p:nvSpPr>
-          <p:cNvPr id="44" name="PlaceHolder 1"/>
+          <p:cNvPr id="2" name="Título 1"/>
           <p:cNvSpPr>
             <a:spLocks noGrp="1"/>
           </p:cNvSpPr>
@@ -2491,103 +3025,204 @@
             <p:ph type="title"/>
           </p:nvPr>
         </p:nvSpPr>
-        <p:spPr>
-          <a:xfrm>
-            <a:off x="457200" y="273600"/>
-            <a:ext cx="8229240" cy="1144800"/>
-          </a:xfrm>
-          <a:prstGeom prst="rect">
-            <a:avLst/>
-          </a:prstGeom>
-          <a:noFill/>
-          <a:ln w="0">
-            <a:noFill/>
-          </a:ln>
-        </p:spPr>
-        <p:txBody>
-          <a:bodyPr lIns="0" tIns="0" rIns="0" bIns="0" anchor="ctr">
-            <a:noAutofit/>
-          </a:bodyPr>
-          <a:lstStyle/>
-          <a:p>
-            <a:pPr algn="ctr"/>
-            <a:endParaRPr lang="es-AR" sz="4400" b="0" strike="noStrike" spc="-1">
-              <a:latin typeface="Arial"/>
-            </a:endParaRPr>
-          </a:p>
-        </p:txBody>
-      </p:sp>
-      <p:sp>
-        <p:nvSpPr>
-          <p:cNvPr id="45" name="PlaceHolder 2"/>
-          <p:cNvSpPr>
-            <a:spLocks noGrp="1"/>
-          </p:cNvSpPr>
-          <p:nvPr>
-            <p:ph/>
-          </p:nvPr>
-        </p:nvSpPr>
-        <p:spPr>
-          <a:xfrm>
-            <a:off x="457200" y="1604520"/>
-            <a:ext cx="4015800" cy="3977280"/>
-          </a:xfrm>
-          <a:prstGeom prst="rect">
-            <a:avLst/>
-          </a:prstGeom>
-          <a:noFill/>
-          <a:ln w="0">
-            <a:noFill/>
-          </a:ln>
-        </p:spPr>
-        <p:txBody>
-          <a:bodyPr lIns="0" tIns="0" rIns="0" bIns="0" anchor="t">
-            <a:normAutofit/>
-          </a:bodyPr>
-          <a:lstStyle/>
-          <a:p>
-            <a:endParaRPr lang="es-AR" sz="3200" b="0" strike="noStrike" spc="-1">
-              <a:latin typeface="Arial"/>
-            </a:endParaRPr>
-          </a:p>
-        </p:txBody>
-      </p:sp>
-      <p:sp>
-        <p:nvSpPr>
-          <p:cNvPr id="46" name="PlaceHolder 3"/>
-          <p:cNvSpPr>
-            <a:spLocks noGrp="1"/>
-          </p:cNvSpPr>
-          <p:nvPr>
-            <p:ph/>
-          </p:nvPr>
-        </p:nvSpPr>
-        <p:spPr>
-          <a:xfrm>
-            <a:off x="4674240" y="1604520"/>
-            <a:ext cx="4015800" cy="3977280"/>
-          </a:xfrm>
-          <a:prstGeom prst="rect">
-            <a:avLst/>
-          </a:prstGeom>
-          <a:noFill/>
-          <a:ln w="0">
-            <a:noFill/>
-          </a:ln>
-        </p:spPr>
-        <p:txBody>
-          <a:bodyPr lIns="0" tIns="0" rIns="0" bIns="0" anchor="t">
-            <a:normAutofit/>
-          </a:bodyPr>
-          <a:lstStyle/>
-          <a:p>
-            <a:endParaRPr lang="es-AR" sz="3200" b="0" strike="noStrike" spc="-1">
-              <a:latin typeface="Arial"/>
-            </a:endParaRPr>
+        <p:spPr/>
+        <p:txBody>
+          <a:bodyPr/>
+          <a:lstStyle/>
+          <a:p>
+            <a:r>
+              <a:rPr lang="es-ES" smtClean="0"/>
+              <a:t>Haga clic para modificar el estilo de título del patrón</a:t>
+            </a:r>
+            <a:endParaRPr lang="es-AR"/>
+          </a:p>
+        </p:txBody>
+      </p:sp>
+      <p:sp>
+        <p:nvSpPr>
+          <p:cNvPr id="3" name="Marcador de contenido 2"/>
+          <p:cNvSpPr>
+            <a:spLocks noGrp="1"/>
+          </p:cNvSpPr>
+          <p:nvPr>
+            <p:ph sz="half" idx="1"/>
+          </p:nvPr>
+        </p:nvSpPr>
+        <p:spPr>
+          <a:xfrm>
+            <a:off x="628650" y="1825625"/>
+            <a:ext cx="3886200" cy="4351338"/>
+          </a:xfrm>
+        </p:spPr>
+        <p:txBody>
+          <a:bodyPr/>
+          <a:lstStyle/>
+          <a:p>
+            <a:pPr lvl="0"/>
+            <a:r>
+              <a:rPr lang="es-ES" smtClean="0"/>
+              <a:t>Haga clic para modificar el estilo de texto del patrón</a:t>
+            </a:r>
+          </a:p>
+          <a:p>
+            <a:pPr lvl="1"/>
+            <a:r>
+              <a:rPr lang="es-ES" smtClean="0"/>
+              <a:t>Segundo nivel</a:t>
+            </a:r>
+          </a:p>
+          <a:p>
+            <a:pPr lvl="2"/>
+            <a:r>
+              <a:rPr lang="es-ES" smtClean="0"/>
+              <a:t>Tercer nivel</a:t>
+            </a:r>
+          </a:p>
+          <a:p>
+            <a:pPr lvl="3"/>
+            <a:r>
+              <a:rPr lang="es-ES" smtClean="0"/>
+              <a:t>Cuarto nivel</a:t>
+            </a:r>
+          </a:p>
+          <a:p>
+            <a:pPr lvl="4"/>
+            <a:r>
+              <a:rPr lang="es-ES" smtClean="0"/>
+              <a:t>Quinto nivel</a:t>
+            </a:r>
+            <a:endParaRPr lang="es-AR"/>
+          </a:p>
+        </p:txBody>
+      </p:sp>
+      <p:sp>
+        <p:nvSpPr>
+          <p:cNvPr id="4" name="Marcador de contenido 3"/>
+          <p:cNvSpPr>
+            <a:spLocks noGrp="1"/>
+          </p:cNvSpPr>
+          <p:nvPr>
+            <p:ph sz="half" idx="2"/>
+          </p:nvPr>
+        </p:nvSpPr>
+        <p:spPr>
+          <a:xfrm>
+            <a:off x="4629150" y="1825625"/>
+            <a:ext cx="3886200" cy="4351338"/>
+          </a:xfrm>
+        </p:spPr>
+        <p:txBody>
+          <a:bodyPr/>
+          <a:lstStyle/>
+          <a:p>
+            <a:pPr lvl="0"/>
+            <a:r>
+              <a:rPr lang="es-ES" smtClean="0"/>
+              <a:t>Haga clic para modificar el estilo de texto del patrón</a:t>
+            </a:r>
+          </a:p>
+          <a:p>
+            <a:pPr lvl="1"/>
+            <a:r>
+              <a:rPr lang="es-ES" smtClean="0"/>
+              <a:t>Segundo nivel</a:t>
+            </a:r>
+          </a:p>
+          <a:p>
+            <a:pPr lvl="2"/>
+            <a:r>
+              <a:rPr lang="es-ES" smtClean="0"/>
+              <a:t>Tercer nivel</a:t>
+            </a:r>
+          </a:p>
+          <a:p>
+            <a:pPr lvl="3"/>
+            <a:r>
+              <a:rPr lang="es-ES" smtClean="0"/>
+              <a:t>Cuarto nivel</a:t>
+            </a:r>
+          </a:p>
+          <a:p>
+            <a:pPr lvl="4"/>
+            <a:r>
+              <a:rPr lang="es-ES" smtClean="0"/>
+              <a:t>Quinto nivel</a:t>
+            </a:r>
+            <a:endParaRPr lang="es-AR"/>
+          </a:p>
+        </p:txBody>
+      </p:sp>
+      <p:sp>
+        <p:nvSpPr>
+          <p:cNvPr id="5" name="Marcador de fecha 4"/>
+          <p:cNvSpPr>
+            <a:spLocks noGrp="1"/>
+          </p:cNvSpPr>
+          <p:nvPr>
+            <p:ph type="dt" sz="half" idx="10"/>
+          </p:nvPr>
+        </p:nvSpPr>
+        <p:spPr/>
+        <p:txBody>
+          <a:bodyPr/>
+          <a:lstStyle/>
+          <a:p>
+            <a:fld id="{41FD5431-53B5-4D35-9FE8-D68895F22516}" type="datetimeFigureOut">
+              <a:rPr lang="es-AR" smtClean="0"/>
+              <a:t>6/10/2025</a:t>
+            </a:fld>
+            <a:endParaRPr lang="es-AR"/>
+          </a:p>
+        </p:txBody>
+      </p:sp>
+      <p:sp>
+        <p:nvSpPr>
+          <p:cNvPr id="6" name="Marcador de pie de página 5"/>
+          <p:cNvSpPr>
+            <a:spLocks noGrp="1"/>
+          </p:cNvSpPr>
+          <p:nvPr>
+            <p:ph type="ftr" sz="quarter" idx="11"/>
+          </p:nvPr>
+        </p:nvSpPr>
+        <p:spPr/>
+        <p:txBody>
+          <a:bodyPr/>
+          <a:lstStyle/>
+          <a:p>
+            <a:endParaRPr lang="es-AR"/>
+          </a:p>
+        </p:txBody>
+      </p:sp>
+      <p:sp>
+        <p:nvSpPr>
+          <p:cNvPr id="7" name="Marcador de número de diapositiva 6"/>
+          <p:cNvSpPr>
+            <a:spLocks noGrp="1"/>
+          </p:cNvSpPr>
+          <p:nvPr>
+            <p:ph type="sldNum" sz="quarter" idx="12"/>
+          </p:nvPr>
+        </p:nvSpPr>
+        <p:spPr/>
+        <p:txBody>
+          <a:bodyPr/>
+          <a:lstStyle/>
+          <a:p>
+            <a:fld id="{8EBB5510-15E7-4E0C-9BAE-7CDF35ABC9B6}" type="slidenum">
+              <a:rPr lang="es-AR" smtClean="0"/>
+              <a:t>‹Nº›</a:t>
+            </a:fld>
+            <a:endParaRPr lang="es-AR"/>
           </a:p>
         </p:txBody>
       </p:sp>
     </p:spTree>
+    <p:extLst>
+      <p:ext uri="{BB962C8B-B14F-4D97-AF65-F5344CB8AC3E}">
+        <p14:creationId xmlns:p14="http://schemas.microsoft.com/office/powerpoint/2010/main" val="3854438587"/>
+      </p:ext>
+    </p:extLst>
   </p:cSld>
   <p:clrMapOvr>
     <a:masterClrMapping/>
@@ -2596,8 +3231,8 @@
 </file>
 
 <file path=ppt/slideLayouts/slideLayout17.xml><?xml version="1.0" encoding="utf-8"?>
-<p:sldLayout xmlns:a="http://schemas.openxmlformats.org/drawingml/2006/main" xmlns:r="http://schemas.openxmlformats.org/officeDocument/2006/relationships" xmlns:p="http://schemas.openxmlformats.org/presentationml/2006/main" type="titleOnly" preserve="1">
-  <p:cSld name="Title Only">
+<p:sldLayout xmlns:a="http://schemas.openxmlformats.org/drawingml/2006/main" xmlns:r="http://schemas.openxmlformats.org/officeDocument/2006/relationships" xmlns:p="http://schemas.openxmlformats.org/presentationml/2006/main" type="twoTxTwoObj" preserve="1">
+  <p:cSld name="Comparación">
     <p:spTree>
       <p:nvGrpSpPr>
         <p:cNvPr id="1" name=""/>
@@ -2614,7 +3249,7 @@
       </p:grpSpPr>
       <p:sp>
         <p:nvSpPr>
-          <p:cNvPr id="47" name="PlaceHolder 1"/>
+          <p:cNvPr id="2" name="Título 1"/>
           <p:cNvSpPr>
             <a:spLocks noGrp="1"/>
           </p:cNvSpPr>
@@ -2624,31 +3259,337 @@
         </p:nvSpPr>
         <p:spPr>
           <a:xfrm>
-            <a:off x="457200" y="273600"/>
-            <a:ext cx="8229240" cy="1144800"/>
-          </a:xfrm>
-          <a:prstGeom prst="rect">
-            <a:avLst/>
-          </a:prstGeom>
-          <a:noFill/>
-          <a:ln w="0">
-            <a:noFill/>
-          </a:ln>
-        </p:spPr>
-        <p:txBody>
-          <a:bodyPr lIns="0" tIns="0" rIns="0" bIns="0" anchor="ctr">
-            <a:noAutofit/>
-          </a:bodyPr>
-          <a:lstStyle/>
-          <a:p>
-            <a:pPr algn="ctr"/>
-            <a:endParaRPr lang="es-AR" sz="4400" b="0" strike="noStrike" spc="-1">
-              <a:latin typeface="Arial"/>
-            </a:endParaRPr>
+            <a:off x="629841" y="365126"/>
+            <a:ext cx="7886700" cy="1325563"/>
+          </a:xfrm>
+        </p:spPr>
+        <p:txBody>
+          <a:bodyPr/>
+          <a:lstStyle/>
+          <a:p>
+            <a:r>
+              <a:rPr lang="es-ES" smtClean="0"/>
+              <a:t>Haga clic para modificar el estilo de título del patrón</a:t>
+            </a:r>
+            <a:endParaRPr lang="es-AR"/>
+          </a:p>
+        </p:txBody>
+      </p:sp>
+      <p:sp>
+        <p:nvSpPr>
+          <p:cNvPr id="3" name="Marcador de texto 2"/>
+          <p:cNvSpPr>
+            <a:spLocks noGrp="1"/>
+          </p:cNvSpPr>
+          <p:nvPr>
+            <p:ph type="body" idx="1"/>
+          </p:nvPr>
+        </p:nvSpPr>
+        <p:spPr>
+          <a:xfrm>
+            <a:off x="629842" y="1681163"/>
+            <a:ext cx="3868340" cy="823912"/>
+          </a:xfrm>
+        </p:spPr>
+        <p:txBody>
+          <a:bodyPr anchor="b"/>
+          <a:lstStyle>
+            <a:lvl1pPr marL="0" indent="0">
+              <a:buNone/>
+              <a:defRPr sz="1800" b="1"/>
+            </a:lvl1pPr>
+            <a:lvl2pPr marL="342900" indent="0">
+              <a:buNone/>
+              <a:defRPr sz="1500" b="1"/>
+            </a:lvl2pPr>
+            <a:lvl3pPr marL="685800" indent="0">
+              <a:buNone/>
+              <a:defRPr sz="1350" b="1"/>
+            </a:lvl3pPr>
+            <a:lvl4pPr marL="1028700" indent="0">
+              <a:buNone/>
+              <a:defRPr sz="1200" b="1"/>
+            </a:lvl4pPr>
+            <a:lvl5pPr marL="1371600" indent="0">
+              <a:buNone/>
+              <a:defRPr sz="1200" b="1"/>
+            </a:lvl5pPr>
+            <a:lvl6pPr marL="1714500" indent="0">
+              <a:buNone/>
+              <a:defRPr sz="1200" b="1"/>
+            </a:lvl6pPr>
+            <a:lvl7pPr marL="2057400" indent="0">
+              <a:buNone/>
+              <a:defRPr sz="1200" b="1"/>
+            </a:lvl7pPr>
+            <a:lvl8pPr marL="2400300" indent="0">
+              <a:buNone/>
+              <a:defRPr sz="1200" b="1"/>
+            </a:lvl8pPr>
+            <a:lvl9pPr marL="2743200" indent="0">
+              <a:buNone/>
+              <a:defRPr sz="1200" b="1"/>
+            </a:lvl9pPr>
+          </a:lstStyle>
+          <a:p>
+            <a:pPr lvl="0"/>
+            <a:r>
+              <a:rPr lang="es-ES" smtClean="0"/>
+              <a:t>Haga clic para modificar el estilo de texto del patrón</a:t>
+            </a:r>
+          </a:p>
+        </p:txBody>
+      </p:sp>
+      <p:sp>
+        <p:nvSpPr>
+          <p:cNvPr id="4" name="Marcador de contenido 3"/>
+          <p:cNvSpPr>
+            <a:spLocks noGrp="1"/>
+          </p:cNvSpPr>
+          <p:nvPr>
+            <p:ph sz="half" idx="2"/>
+          </p:nvPr>
+        </p:nvSpPr>
+        <p:spPr>
+          <a:xfrm>
+            <a:off x="629842" y="2505075"/>
+            <a:ext cx="3868340" cy="3684588"/>
+          </a:xfrm>
+        </p:spPr>
+        <p:txBody>
+          <a:bodyPr/>
+          <a:lstStyle/>
+          <a:p>
+            <a:pPr lvl="0"/>
+            <a:r>
+              <a:rPr lang="es-ES" smtClean="0"/>
+              <a:t>Haga clic para modificar el estilo de texto del patrón</a:t>
+            </a:r>
+          </a:p>
+          <a:p>
+            <a:pPr lvl="1"/>
+            <a:r>
+              <a:rPr lang="es-ES" smtClean="0"/>
+              <a:t>Segundo nivel</a:t>
+            </a:r>
+          </a:p>
+          <a:p>
+            <a:pPr lvl="2"/>
+            <a:r>
+              <a:rPr lang="es-ES" smtClean="0"/>
+              <a:t>Tercer nivel</a:t>
+            </a:r>
+          </a:p>
+          <a:p>
+            <a:pPr lvl="3"/>
+            <a:r>
+              <a:rPr lang="es-ES" smtClean="0"/>
+              <a:t>Cuarto nivel</a:t>
+            </a:r>
+          </a:p>
+          <a:p>
+            <a:pPr lvl="4"/>
+            <a:r>
+              <a:rPr lang="es-ES" smtClean="0"/>
+              <a:t>Quinto nivel</a:t>
+            </a:r>
+            <a:endParaRPr lang="es-AR"/>
+          </a:p>
+        </p:txBody>
+      </p:sp>
+      <p:sp>
+        <p:nvSpPr>
+          <p:cNvPr id="5" name="Marcador de texto 4"/>
+          <p:cNvSpPr>
+            <a:spLocks noGrp="1"/>
+          </p:cNvSpPr>
+          <p:nvPr>
+            <p:ph type="body" sz="quarter" idx="3"/>
+          </p:nvPr>
+        </p:nvSpPr>
+        <p:spPr>
+          <a:xfrm>
+            <a:off x="4629150" y="1681163"/>
+            <a:ext cx="3887391" cy="823912"/>
+          </a:xfrm>
+        </p:spPr>
+        <p:txBody>
+          <a:bodyPr anchor="b"/>
+          <a:lstStyle>
+            <a:lvl1pPr marL="0" indent="0">
+              <a:buNone/>
+              <a:defRPr sz="1800" b="1"/>
+            </a:lvl1pPr>
+            <a:lvl2pPr marL="342900" indent="0">
+              <a:buNone/>
+              <a:defRPr sz="1500" b="1"/>
+            </a:lvl2pPr>
+            <a:lvl3pPr marL="685800" indent="0">
+              <a:buNone/>
+              <a:defRPr sz="1350" b="1"/>
+            </a:lvl3pPr>
+            <a:lvl4pPr marL="1028700" indent="0">
+              <a:buNone/>
+              <a:defRPr sz="1200" b="1"/>
+            </a:lvl4pPr>
+            <a:lvl5pPr marL="1371600" indent="0">
+              <a:buNone/>
+              <a:defRPr sz="1200" b="1"/>
+            </a:lvl5pPr>
+            <a:lvl6pPr marL="1714500" indent="0">
+              <a:buNone/>
+              <a:defRPr sz="1200" b="1"/>
+            </a:lvl6pPr>
+            <a:lvl7pPr marL="2057400" indent="0">
+              <a:buNone/>
+              <a:defRPr sz="1200" b="1"/>
+            </a:lvl7pPr>
+            <a:lvl8pPr marL="2400300" indent="0">
+              <a:buNone/>
+              <a:defRPr sz="1200" b="1"/>
+            </a:lvl8pPr>
+            <a:lvl9pPr marL="2743200" indent="0">
+              <a:buNone/>
+              <a:defRPr sz="1200" b="1"/>
+            </a:lvl9pPr>
+          </a:lstStyle>
+          <a:p>
+            <a:pPr lvl="0"/>
+            <a:r>
+              <a:rPr lang="es-ES" smtClean="0"/>
+              <a:t>Haga clic para modificar el estilo de texto del patrón</a:t>
+            </a:r>
+          </a:p>
+        </p:txBody>
+      </p:sp>
+      <p:sp>
+        <p:nvSpPr>
+          <p:cNvPr id="6" name="Marcador de contenido 5"/>
+          <p:cNvSpPr>
+            <a:spLocks noGrp="1"/>
+          </p:cNvSpPr>
+          <p:nvPr>
+            <p:ph sz="quarter" idx="4"/>
+          </p:nvPr>
+        </p:nvSpPr>
+        <p:spPr>
+          <a:xfrm>
+            <a:off x="4629150" y="2505075"/>
+            <a:ext cx="3887391" cy="3684588"/>
+          </a:xfrm>
+        </p:spPr>
+        <p:txBody>
+          <a:bodyPr/>
+          <a:lstStyle/>
+          <a:p>
+            <a:pPr lvl="0"/>
+            <a:r>
+              <a:rPr lang="es-ES" smtClean="0"/>
+              <a:t>Haga clic para modificar el estilo de texto del patrón</a:t>
+            </a:r>
+          </a:p>
+          <a:p>
+            <a:pPr lvl="1"/>
+            <a:r>
+              <a:rPr lang="es-ES" smtClean="0"/>
+              <a:t>Segundo nivel</a:t>
+            </a:r>
+          </a:p>
+          <a:p>
+            <a:pPr lvl="2"/>
+            <a:r>
+              <a:rPr lang="es-ES" smtClean="0"/>
+              <a:t>Tercer nivel</a:t>
+            </a:r>
+          </a:p>
+          <a:p>
+            <a:pPr lvl="3"/>
+            <a:r>
+              <a:rPr lang="es-ES" smtClean="0"/>
+              <a:t>Cuarto nivel</a:t>
+            </a:r>
+          </a:p>
+          <a:p>
+            <a:pPr lvl="4"/>
+            <a:r>
+              <a:rPr lang="es-ES" smtClean="0"/>
+              <a:t>Quinto nivel</a:t>
+            </a:r>
+            <a:endParaRPr lang="es-AR"/>
+          </a:p>
+        </p:txBody>
+      </p:sp>
+      <p:sp>
+        <p:nvSpPr>
+          <p:cNvPr id="7" name="Marcador de fecha 6"/>
+          <p:cNvSpPr>
+            <a:spLocks noGrp="1"/>
+          </p:cNvSpPr>
+          <p:nvPr>
+            <p:ph type="dt" sz="half" idx="10"/>
+          </p:nvPr>
+        </p:nvSpPr>
+        <p:spPr/>
+        <p:txBody>
+          <a:bodyPr/>
+          <a:lstStyle/>
+          <a:p>
+            <a:fld id="{41FD5431-53B5-4D35-9FE8-D68895F22516}" type="datetimeFigureOut">
+              <a:rPr lang="es-AR" smtClean="0"/>
+              <a:t>6/10/2025</a:t>
+            </a:fld>
+            <a:endParaRPr lang="es-AR"/>
+          </a:p>
+        </p:txBody>
+      </p:sp>
+      <p:sp>
+        <p:nvSpPr>
+          <p:cNvPr id="8" name="Marcador de pie de página 7"/>
+          <p:cNvSpPr>
+            <a:spLocks noGrp="1"/>
+          </p:cNvSpPr>
+          <p:nvPr>
+            <p:ph type="ftr" sz="quarter" idx="11"/>
+          </p:nvPr>
+        </p:nvSpPr>
+        <p:spPr/>
+        <p:txBody>
+          <a:bodyPr/>
+          <a:lstStyle/>
+          <a:p>
+            <a:endParaRPr lang="es-AR"/>
+          </a:p>
+        </p:txBody>
+      </p:sp>
+      <p:sp>
+        <p:nvSpPr>
+          <p:cNvPr id="9" name="Marcador de número de diapositiva 8"/>
+          <p:cNvSpPr>
+            <a:spLocks noGrp="1"/>
+          </p:cNvSpPr>
+          <p:nvPr>
+            <p:ph type="sldNum" sz="quarter" idx="12"/>
+          </p:nvPr>
+        </p:nvSpPr>
+        <p:spPr/>
+        <p:txBody>
+          <a:bodyPr/>
+          <a:lstStyle/>
+          <a:p>
+            <a:fld id="{8EBB5510-15E7-4E0C-9BAE-7CDF35ABC9B6}" type="slidenum">
+              <a:rPr lang="es-AR" smtClean="0"/>
+              <a:t>‹Nº›</a:t>
+            </a:fld>
+            <a:endParaRPr lang="es-AR"/>
           </a:p>
         </p:txBody>
       </p:sp>
     </p:spTree>
+    <p:extLst>
+      <p:ext uri="{BB962C8B-B14F-4D97-AF65-F5344CB8AC3E}">
+        <p14:creationId xmlns:p14="http://schemas.microsoft.com/office/powerpoint/2010/main" val="3487614869"/>
+      </p:ext>
+    </p:extLst>
   </p:cSld>
   <p:clrMapOvr>
     <a:masterClrMapping/>
@@ -2657,8 +3598,8 @@
 </file>
 
 <file path=ppt/slideLayouts/slideLayout18.xml><?xml version="1.0" encoding="utf-8"?>
-<p:sldLayout xmlns:a="http://schemas.openxmlformats.org/drawingml/2006/main" xmlns:r="http://schemas.openxmlformats.org/officeDocument/2006/relationships" xmlns:p="http://schemas.openxmlformats.org/presentationml/2006/main" type="objOnly" preserve="1">
-  <p:cSld name="Centered Text">
+<p:sldLayout xmlns:a="http://schemas.openxmlformats.org/drawingml/2006/main" xmlns:r="http://schemas.openxmlformats.org/officeDocument/2006/relationships" xmlns:p="http://schemas.openxmlformats.org/presentationml/2006/main" type="titleOnly" preserve="1">
+  <p:cSld name="Solo el título">
     <p:spTree>
       <p:nvGrpSpPr>
         <p:cNvPr id="1" name=""/>
@@ -2675,41 +3616,98 @@
       </p:grpSpPr>
       <p:sp>
         <p:nvSpPr>
-          <p:cNvPr id="48" name="PlaceHolder 1"/>
-          <p:cNvSpPr>
-            <a:spLocks noGrp="1"/>
-          </p:cNvSpPr>
-          <p:nvPr>
-            <p:ph type="subTitle"/>
-          </p:nvPr>
-        </p:nvSpPr>
-        <p:spPr>
-          <a:xfrm>
-            <a:off x="457200" y="273600"/>
-            <a:ext cx="8229240" cy="5307840"/>
-          </a:xfrm>
-          <a:prstGeom prst="rect">
-            <a:avLst/>
-          </a:prstGeom>
-          <a:noFill/>
-          <a:ln w="0">
-            <a:noFill/>
-          </a:ln>
-        </p:spPr>
-        <p:txBody>
-          <a:bodyPr lIns="0" tIns="0" rIns="0" bIns="0" anchor="ctr">
-            <a:noAutofit/>
-          </a:bodyPr>
-          <a:lstStyle/>
-          <a:p>
-            <a:pPr algn="ctr"/>
-            <a:endParaRPr lang="es-AR" sz="3200" b="0" strike="noStrike" spc="-1">
-              <a:latin typeface="Arial"/>
-            </a:endParaRPr>
+          <p:cNvPr id="2" name="Título 1"/>
+          <p:cNvSpPr>
+            <a:spLocks noGrp="1"/>
+          </p:cNvSpPr>
+          <p:nvPr>
+            <p:ph type="title"/>
+          </p:nvPr>
+        </p:nvSpPr>
+        <p:spPr/>
+        <p:txBody>
+          <a:bodyPr/>
+          <a:lstStyle/>
+          <a:p>
+            <a:r>
+              <a:rPr lang="es-ES" smtClean="0"/>
+              <a:t>Haga clic para modificar el estilo de título del patrón</a:t>
+            </a:r>
+            <a:endParaRPr lang="es-AR"/>
+          </a:p>
+        </p:txBody>
+      </p:sp>
+      <p:sp>
+        <p:nvSpPr>
+          <p:cNvPr id="3" name="Marcador de fecha 2"/>
+          <p:cNvSpPr>
+            <a:spLocks noGrp="1"/>
+          </p:cNvSpPr>
+          <p:nvPr>
+            <p:ph type="dt" sz="half" idx="10"/>
+          </p:nvPr>
+        </p:nvSpPr>
+        <p:spPr/>
+        <p:txBody>
+          <a:bodyPr/>
+          <a:lstStyle/>
+          <a:p>
+            <a:fld id="{41FD5431-53B5-4D35-9FE8-D68895F22516}" type="datetimeFigureOut">
+              <a:rPr lang="es-AR" smtClean="0"/>
+              <a:t>6/10/2025</a:t>
+            </a:fld>
+            <a:endParaRPr lang="es-AR"/>
+          </a:p>
+        </p:txBody>
+      </p:sp>
+      <p:sp>
+        <p:nvSpPr>
+          <p:cNvPr id="4" name="Marcador de pie de página 3"/>
+          <p:cNvSpPr>
+            <a:spLocks noGrp="1"/>
+          </p:cNvSpPr>
+          <p:nvPr>
+            <p:ph type="ftr" sz="quarter" idx="11"/>
+          </p:nvPr>
+        </p:nvSpPr>
+        <p:spPr/>
+        <p:txBody>
+          <a:bodyPr/>
+          <a:lstStyle/>
+          <a:p>
+            <a:endParaRPr lang="es-AR"/>
+          </a:p>
+        </p:txBody>
+      </p:sp>
+      <p:sp>
+        <p:nvSpPr>
+          <p:cNvPr id="5" name="Marcador de número de diapositiva 4"/>
+          <p:cNvSpPr>
+            <a:spLocks noGrp="1"/>
+          </p:cNvSpPr>
+          <p:nvPr>
+            <p:ph type="sldNum" sz="quarter" idx="12"/>
+          </p:nvPr>
+        </p:nvSpPr>
+        <p:spPr/>
+        <p:txBody>
+          <a:bodyPr/>
+          <a:lstStyle/>
+          <a:p>
+            <a:fld id="{8EBB5510-15E7-4E0C-9BAE-7CDF35ABC9B6}" type="slidenum">
+              <a:rPr lang="es-AR" smtClean="0"/>
+              <a:t>‹Nº›</a:t>
+            </a:fld>
+            <a:endParaRPr lang="es-AR"/>
           </a:p>
         </p:txBody>
       </p:sp>
     </p:spTree>
+    <p:extLst>
+      <p:ext uri="{BB962C8B-B14F-4D97-AF65-F5344CB8AC3E}">
+        <p14:creationId xmlns:p14="http://schemas.microsoft.com/office/powerpoint/2010/main" val="4236891903"/>
+      </p:ext>
+    </p:extLst>
   </p:cSld>
   <p:clrMapOvr>
     <a:masterClrMapping/>
@@ -2718,8 +3716,8 @@
 </file>
 
 <file path=ppt/slideLayouts/slideLayout19.xml><?xml version="1.0" encoding="utf-8"?>
-<p:sldLayout xmlns:a="http://schemas.openxmlformats.org/drawingml/2006/main" xmlns:r="http://schemas.openxmlformats.org/officeDocument/2006/relationships" xmlns:p="http://schemas.openxmlformats.org/presentationml/2006/main" type="twoObjAndObj" preserve="1">
-  <p:cSld name="Title, 2 Content and Content">
+<p:sldLayout xmlns:a="http://schemas.openxmlformats.org/drawingml/2006/main" xmlns:r="http://schemas.openxmlformats.org/officeDocument/2006/relationships" xmlns:p="http://schemas.openxmlformats.org/presentationml/2006/main" type="blank" preserve="1">
+  <p:cSld name="En blanco">
     <p:spTree>
       <p:nvGrpSpPr>
         <p:cNvPr id="1" name=""/>
@@ -2736,146 +3734,75 @@
       </p:grpSpPr>
       <p:sp>
         <p:nvSpPr>
-          <p:cNvPr id="49" name="PlaceHolder 1"/>
-          <p:cNvSpPr>
-            <a:spLocks noGrp="1"/>
-          </p:cNvSpPr>
-          <p:nvPr>
-            <p:ph type="title"/>
-          </p:nvPr>
-        </p:nvSpPr>
-        <p:spPr>
-          <a:xfrm>
-            <a:off x="457200" y="273600"/>
-            <a:ext cx="8229240" cy="1144800"/>
-          </a:xfrm>
-          <a:prstGeom prst="rect">
-            <a:avLst/>
-          </a:prstGeom>
-          <a:noFill/>
-          <a:ln w="0">
-            <a:noFill/>
-          </a:ln>
-        </p:spPr>
-        <p:txBody>
-          <a:bodyPr lIns="0" tIns="0" rIns="0" bIns="0" anchor="ctr">
-            <a:noAutofit/>
-          </a:bodyPr>
-          <a:lstStyle/>
-          <a:p>
-            <a:pPr algn="ctr"/>
-            <a:endParaRPr lang="es-AR" sz="4400" b="0" strike="noStrike" spc="-1">
-              <a:latin typeface="Arial"/>
-            </a:endParaRPr>
-          </a:p>
-        </p:txBody>
-      </p:sp>
-      <p:sp>
-        <p:nvSpPr>
-          <p:cNvPr id="50" name="PlaceHolder 2"/>
-          <p:cNvSpPr>
-            <a:spLocks noGrp="1"/>
-          </p:cNvSpPr>
-          <p:nvPr>
-            <p:ph/>
-          </p:nvPr>
-        </p:nvSpPr>
-        <p:spPr>
-          <a:xfrm>
-            <a:off x="457200" y="1604520"/>
-            <a:ext cx="4015800" cy="1896840"/>
-          </a:xfrm>
-          <a:prstGeom prst="rect">
-            <a:avLst/>
-          </a:prstGeom>
-          <a:noFill/>
-          <a:ln w="0">
-            <a:noFill/>
-          </a:ln>
-        </p:spPr>
-        <p:txBody>
-          <a:bodyPr lIns="0" tIns="0" rIns="0" bIns="0" anchor="t">
-            <a:normAutofit/>
-          </a:bodyPr>
-          <a:lstStyle/>
-          <a:p>
-            <a:endParaRPr lang="es-AR" sz="3200" b="0" strike="noStrike" spc="-1">
-              <a:latin typeface="Arial"/>
-            </a:endParaRPr>
-          </a:p>
-        </p:txBody>
-      </p:sp>
-      <p:sp>
-        <p:nvSpPr>
-          <p:cNvPr id="51" name="PlaceHolder 3"/>
-          <p:cNvSpPr>
-            <a:spLocks noGrp="1"/>
-          </p:cNvSpPr>
-          <p:nvPr>
-            <p:ph/>
-          </p:nvPr>
-        </p:nvSpPr>
-        <p:spPr>
-          <a:xfrm>
-            <a:off x="4674240" y="1604520"/>
-            <a:ext cx="4015800" cy="3977280"/>
-          </a:xfrm>
-          <a:prstGeom prst="rect">
-            <a:avLst/>
-          </a:prstGeom>
-          <a:noFill/>
-          <a:ln w="0">
-            <a:noFill/>
-          </a:ln>
-        </p:spPr>
-        <p:txBody>
-          <a:bodyPr lIns="0" tIns="0" rIns="0" bIns="0" anchor="t">
-            <a:normAutofit/>
-          </a:bodyPr>
-          <a:lstStyle/>
-          <a:p>
-            <a:endParaRPr lang="es-AR" sz="3200" b="0" strike="noStrike" spc="-1">
-              <a:latin typeface="Arial"/>
-            </a:endParaRPr>
-          </a:p>
-        </p:txBody>
-      </p:sp>
-      <p:sp>
-        <p:nvSpPr>
-          <p:cNvPr id="52" name="PlaceHolder 4"/>
-          <p:cNvSpPr>
-            <a:spLocks noGrp="1"/>
-          </p:cNvSpPr>
-          <p:nvPr>
-            <p:ph/>
-          </p:nvPr>
-        </p:nvSpPr>
-        <p:spPr>
-          <a:xfrm>
-            <a:off x="457200" y="3682080"/>
-            <a:ext cx="4015800" cy="1896840"/>
-          </a:xfrm>
-          <a:prstGeom prst="rect">
-            <a:avLst/>
-          </a:prstGeom>
-          <a:noFill/>
-          <a:ln w="0">
-            <a:noFill/>
-          </a:ln>
-        </p:spPr>
-        <p:txBody>
-          <a:bodyPr lIns="0" tIns="0" rIns="0" bIns="0" anchor="t">
-            <a:normAutofit/>
-          </a:bodyPr>
-          <a:lstStyle/>
-          <a:p>
-            <a:endParaRPr lang="es-AR" sz="3200" b="0" strike="noStrike" spc="-1">
-              <a:latin typeface="Arial"/>
-            </a:endParaRPr>
+          <p:cNvPr id="2" name="Marcador de fecha 1"/>
+          <p:cNvSpPr>
+            <a:spLocks noGrp="1"/>
+          </p:cNvSpPr>
+          <p:nvPr>
+            <p:ph type="dt" sz="half" idx="10"/>
+          </p:nvPr>
+        </p:nvSpPr>
+        <p:spPr/>
+        <p:txBody>
+          <a:bodyPr/>
+          <a:lstStyle/>
+          <a:p>
+            <a:fld id="{41FD5431-53B5-4D35-9FE8-D68895F22516}" type="datetimeFigureOut">
+              <a:rPr lang="es-AR" smtClean="0"/>
+              <a:t>6/10/2025</a:t>
+            </a:fld>
+            <a:endParaRPr lang="es-AR"/>
+          </a:p>
+        </p:txBody>
+      </p:sp>
+      <p:sp>
+        <p:nvSpPr>
+          <p:cNvPr id="3" name="Marcador de pie de página 2"/>
+          <p:cNvSpPr>
+            <a:spLocks noGrp="1"/>
+          </p:cNvSpPr>
+          <p:nvPr>
+            <p:ph type="ftr" sz="quarter" idx="11"/>
+          </p:nvPr>
+        </p:nvSpPr>
+        <p:spPr/>
+        <p:txBody>
+          <a:bodyPr/>
+          <a:lstStyle/>
+          <a:p>
+            <a:endParaRPr lang="es-AR"/>
+          </a:p>
+        </p:txBody>
+      </p:sp>
+      <p:sp>
+        <p:nvSpPr>
+          <p:cNvPr id="4" name="Marcador de número de diapositiva 3"/>
+          <p:cNvSpPr>
+            <a:spLocks noGrp="1"/>
+          </p:cNvSpPr>
+          <p:nvPr>
+            <p:ph type="sldNum" sz="quarter" idx="12"/>
+          </p:nvPr>
+        </p:nvSpPr>
+        <p:spPr/>
+        <p:txBody>
+          <a:bodyPr/>
+          <a:lstStyle/>
+          <a:p>
+            <a:fld id="{8EBB5510-15E7-4E0C-9BAE-7CDF35ABC9B6}" type="slidenum">
+              <a:rPr lang="es-AR" smtClean="0"/>
+              <a:t>‹Nº›</a:t>
+            </a:fld>
+            <a:endParaRPr lang="es-AR"/>
           </a:p>
         </p:txBody>
       </p:sp>
     </p:spTree>
+    <p:extLst>
+      <p:ext uri="{BB962C8B-B14F-4D97-AF65-F5344CB8AC3E}">
+        <p14:creationId xmlns:p14="http://schemas.microsoft.com/office/powerpoint/2010/main" val="2081918488"/>
+      </p:ext>
+    </p:extLst>
   </p:cSld>
   <p:clrMapOvr>
     <a:masterClrMapping/>
@@ -2981,8 +3908,8 @@
 </file>
 
 <file path=ppt/slideLayouts/slideLayout20.xml><?xml version="1.0" encoding="utf-8"?>
-<p:sldLayout xmlns:a="http://schemas.openxmlformats.org/drawingml/2006/main" xmlns:r="http://schemas.openxmlformats.org/officeDocument/2006/relationships" xmlns:p="http://schemas.openxmlformats.org/presentationml/2006/main" type="objAndTwoObj" preserve="1">
-  <p:cSld name="Title Content and 2 Content">
+<p:sldLayout xmlns:a="http://schemas.openxmlformats.org/drawingml/2006/main" xmlns:r="http://schemas.openxmlformats.org/officeDocument/2006/relationships" xmlns:p="http://schemas.openxmlformats.org/presentationml/2006/main" type="objTx" preserve="1">
+  <p:cSld name="Contenido con título">
     <p:spTree>
       <p:nvGrpSpPr>
         <p:cNvPr id="1" name=""/>
@@ -2999,7 +3926,7 @@
       </p:grpSpPr>
       <p:sp>
         <p:nvSpPr>
-          <p:cNvPr id="53" name="PlaceHolder 1"/>
+          <p:cNvPr id="2" name="Título 1"/>
           <p:cNvSpPr>
             <a:spLocks noGrp="1"/>
           </p:cNvSpPr>
@@ -3009,136 +3936,247 @@
         </p:nvSpPr>
         <p:spPr>
           <a:xfrm>
-            <a:off x="457200" y="273600"/>
-            <a:ext cx="8229240" cy="1144800"/>
-          </a:xfrm>
-          <a:prstGeom prst="rect">
-            <a:avLst/>
-          </a:prstGeom>
-          <a:noFill/>
-          <a:ln w="0">
-            <a:noFill/>
-          </a:ln>
-        </p:spPr>
-        <p:txBody>
-          <a:bodyPr lIns="0" tIns="0" rIns="0" bIns="0" anchor="ctr">
-            <a:noAutofit/>
-          </a:bodyPr>
-          <a:lstStyle/>
-          <a:p>
-            <a:pPr algn="ctr"/>
-            <a:endParaRPr lang="es-AR" sz="4400" b="0" strike="noStrike" spc="-1">
-              <a:latin typeface="Arial"/>
-            </a:endParaRPr>
-          </a:p>
-        </p:txBody>
-      </p:sp>
-      <p:sp>
-        <p:nvSpPr>
-          <p:cNvPr id="54" name="PlaceHolder 2"/>
-          <p:cNvSpPr>
-            <a:spLocks noGrp="1"/>
-          </p:cNvSpPr>
-          <p:nvPr>
-            <p:ph/>
-          </p:nvPr>
-        </p:nvSpPr>
-        <p:spPr>
-          <a:xfrm>
-            <a:off x="457200" y="1604520"/>
-            <a:ext cx="4015800" cy="3977280"/>
-          </a:xfrm>
-          <a:prstGeom prst="rect">
-            <a:avLst/>
-          </a:prstGeom>
-          <a:noFill/>
-          <a:ln w="0">
-            <a:noFill/>
-          </a:ln>
-        </p:spPr>
-        <p:txBody>
-          <a:bodyPr lIns="0" tIns="0" rIns="0" bIns="0" anchor="t">
-            <a:normAutofit/>
-          </a:bodyPr>
-          <a:lstStyle/>
-          <a:p>
-            <a:endParaRPr lang="es-AR" sz="3200" b="0" strike="noStrike" spc="-1">
-              <a:latin typeface="Arial"/>
-            </a:endParaRPr>
-          </a:p>
-        </p:txBody>
-      </p:sp>
-      <p:sp>
-        <p:nvSpPr>
-          <p:cNvPr id="55" name="PlaceHolder 3"/>
-          <p:cNvSpPr>
-            <a:spLocks noGrp="1"/>
-          </p:cNvSpPr>
-          <p:nvPr>
-            <p:ph/>
-          </p:nvPr>
-        </p:nvSpPr>
-        <p:spPr>
-          <a:xfrm>
-            <a:off x="4674240" y="1604520"/>
-            <a:ext cx="4015800" cy="1896840"/>
-          </a:xfrm>
-          <a:prstGeom prst="rect">
-            <a:avLst/>
-          </a:prstGeom>
-          <a:noFill/>
-          <a:ln w="0">
-            <a:noFill/>
-          </a:ln>
-        </p:spPr>
-        <p:txBody>
-          <a:bodyPr lIns="0" tIns="0" rIns="0" bIns="0" anchor="t">
-            <a:normAutofit/>
-          </a:bodyPr>
-          <a:lstStyle/>
-          <a:p>
-            <a:endParaRPr lang="es-AR" sz="3200" b="0" strike="noStrike" spc="-1">
-              <a:latin typeface="Arial"/>
-            </a:endParaRPr>
-          </a:p>
-        </p:txBody>
-      </p:sp>
-      <p:sp>
-        <p:nvSpPr>
-          <p:cNvPr id="56" name="PlaceHolder 4"/>
-          <p:cNvSpPr>
-            <a:spLocks noGrp="1"/>
-          </p:cNvSpPr>
-          <p:nvPr>
-            <p:ph/>
-          </p:nvPr>
-        </p:nvSpPr>
-        <p:spPr>
-          <a:xfrm>
-            <a:off x="4674240" y="3682080"/>
-            <a:ext cx="4015800" cy="1896840"/>
-          </a:xfrm>
-          <a:prstGeom prst="rect">
-            <a:avLst/>
-          </a:prstGeom>
-          <a:noFill/>
-          <a:ln w="0">
-            <a:noFill/>
-          </a:ln>
-        </p:spPr>
-        <p:txBody>
-          <a:bodyPr lIns="0" tIns="0" rIns="0" bIns="0" anchor="t">
-            <a:normAutofit/>
-          </a:bodyPr>
-          <a:lstStyle/>
-          <a:p>
-            <a:endParaRPr lang="es-AR" sz="3200" b="0" strike="noStrike" spc="-1">
-              <a:latin typeface="Arial"/>
-            </a:endParaRPr>
+            <a:off x="629841" y="457200"/>
+            <a:ext cx="2949178" cy="1600200"/>
+          </a:xfrm>
+        </p:spPr>
+        <p:txBody>
+          <a:bodyPr anchor="b"/>
+          <a:lstStyle>
+            <a:lvl1pPr>
+              <a:defRPr sz="2400"/>
+            </a:lvl1pPr>
+          </a:lstStyle>
+          <a:p>
+            <a:r>
+              <a:rPr lang="es-ES" smtClean="0"/>
+              <a:t>Haga clic para modificar el estilo de título del patrón</a:t>
+            </a:r>
+            <a:endParaRPr lang="es-AR"/>
+          </a:p>
+        </p:txBody>
+      </p:sp>
+      <p:sp>
+        <p:nvSpPr>
+          <p:cNvPr id="3" name="Marcador de contenido 2"/>
+          <p:cNvSpPr>
+            <a:spLocks noGrp="1"/>
+          </p:cNvSpPr>
+          <p:nvPr>
+            <p:ph idx="1"/>
+          </p:nvPr>
+        </p:nvSpPr>
+        <p:spPr>
+          <a:xfrm>
+            <a:off x="3887391" y="987426"/>
+            <a:ext cx="4629150" cy="4873625"/>
+          </a:xfrm>
+        </p:spPr>
+        <p:txBody>
+          <a:bodyPr/>
+          <a:lstStyle>
+            <a:lvl1pPr>
+              <a:defRPr sz="2400"/>
+            </a:lvl1pPr>
+            <a:lvl2pPr>
+              <a:defRPr sz="2100"/>
+            </a:lvl2pPr>
+            <a:lvl3pPr>
+              <a:defRPr sz="1800"/>
+            </a:lvl3pPr>
+            <a:lvl4pPr>
+              <a:defRPr sz="1500"/>
+            </a:lvl4pPr>
+            <a:lvl5pPr>
+              <a:defRPr sz="1500"/>
+            </a:lvl5pPr>
+            <a:lvl6pPr>
+              <a:defRPr sz="1500"/>
+            </a:lvl6pPr>
+            <a:lvl7pPr>
+              <a:defRPr sz="1500"/>
+            </a:lvl7pPr>
+            <a:lvl8pPr>
+              <a:defRPr sz="1500"/>
+            </a:lvl8pPr>
+            <a:lvl9pPr>
+              <a:defRPr sz="1500"/>
+            </a:lvl9pPr>
+          </a:lstStyle>
+          <a:p>
+            <a:pPr lvl="0"/>
+            <a:r>
+              <a:rPr lang="es-ES" smtClean="0"/>
+              <a:t>Haga clic para modificar el estilo de texto del patrón</a:t>
+            </a:r>
+          </a:p>
+          <a:p>
+            <a:pPr lvl="1"/>
+            <a:r>
+              <a:rPr lang="es-ES" smtClean="0"/>
+              <a:t>Segundo nivel</a:t>
+            </a:r>
+          </a:p>
+          <a:p>
+            <a:pPr lvl="2"/>
+            <a:r>
+              <a:rPr lang="es-ES" smtClean="0"/>
+              <a:t>Tercer nivel</a:t>
+            </a:r>
+          </a:p>
+          <a:p>
+            <a:pPr lvl="3"/>
+            <a:r>
+              <a:rPr lang="es-ES" smtClean="0"/>
+              <a:t>Cuarto nivel</a:t>
+            </a:r>
+          </a:p>
+          <a:p>
+            <a:pPr lvl="4"/>
+            <a:r>
+              <a:rPr lang="es-ES" smtClean="0"/>
+              <a:t>Quinto nivel</a:t>
+            </a:r>
+            <a:endParaRPr lang="es-AR"/>
+          </a:p>
+        </p:txBody>
+      </p:sp>
+      <p:sp>
+        <p:nvSpPr>
+          <p:cNvPr id="4" name="Marcador de texto 3"/>
+          <p:cNvSpPr>
+            <a:spLocks noGrp="1"/>
+          </p:cNvSpPr>
+          <p:nvPr>
+            <p:ph type="body" sz="half" idx="2"/>
+          </p:nvPr>
+        </p:nvSpPr>
+        <p:spPr>
+          <a:xfrm>
+            <a:off x="629841" y="2057400"/>
+            <a:ext cx="2949178" cy="3811588"/>
+          </a:xfrm>
+        </p:spPr>
+        <p:txBody>
+          <a:bodyPr/>
+          <a:lstStyle>
+            <a:lvl1pPr marL="0" indent="0">
+              <a:buNone/>
+              <a:defRPr sz="1200"/>
+            </a:lvl1pPr>
+            <a:lvl2pPr marL="342900" indent="0">
+              <a:buNone/>
+              <a:defRPr sz="1050"/>
+            </a:lvl2pPr>
+            <a:lvl3pPr marL="685800" indent="0">
+              <a:buNone/>
+              <a:defRPr sz="900"/>
+            </a:lvl3pPr>
+            <a:lvl4pPr marL="1028700" indent="0">
+              <a:buNone/>
+              <a:defRPr sz="750"/>
+            </a:lvl4pPr>
+            <a:lvl5pPr marL="1371600" indent="0">
+              <a:buNone/>
+              <a:defRPr sz="750"/>
+            </a:lvl5pPr>
+            <a:lvl6pPr marL="1714500" indent="0">
+              <a:buNone/>
+              <a:defRPr sz="750"/>
+            </a:lvl6pPr>
+            <a:lvl7pPr marL="2057400" indent="0">
+              <a:buNone/>
+              <a:defRPr sz="750"/>
+            </a:lvl7pPr>
+            <a:lvl8pPr marL="2400300" indent="0">
+              <a:buNone/>
+              <a:defRPr sz="750"/>
+            </a:lvl8pPr>
+            <a:lvl9pPr marL="2743200" indent="0">
+              <a:buNone/>
+              <a:defRPr sz="750"/>
+            </a:lvl9pPr>
+          </a:lstStyle>
+          <a:p>
+            <a:pPr lvl="0"/>
+            <a:r>
+              <a:rPr lang="es-ES" smtClean="0"/>
+              <a:t>Haga clic para modificar el estilo de texto del patrón</a:t>
+            </a:r>
+          </a:p>
+        </p:txBody>
+      </p:sp>
+      <p:sp>
+        <p:nvSpPr>
+          <p:cNvPr id="5" name="Marcador de fecha 4"/>
+          <p:cNvSpPr>
+            <a:spLocks noGrp="1"/>
+          </p:cNvSpPr>
+          <p:nvPr>
+            <p:ph type="dt" sz="half" idx="10"/>
+          </p:nvPr>
+        </p:nvSpPr>
+        <p:spPr/>
+        <p:txBody>
+          <a:bodyPr/>
+          <a:lstStyle/>
+          <a:p>
+            <a:fld id="{41FD5431-53B5-4D35-9FE8-D68895F22516}" type="datetimeFigureOut">
+              <a:rPr lang="es-AR" smtClean="0"/>
+              <a:t>6/10/2025</a:t>
+            </a:fld>
+            <a:endParaRPr lang="es-AR"/>
+          </a:p>
+        </p:txBody>
+      </p:sp>
+      <p:sp>
+        <p:nvSpPr>
+          <p:cNvPr id="6" name="Marcador de pie de página 5"/>
+          <p:cNvSpPr>
+            <a:spLocks noGrp="1"/>
+          </p:cNvSpPr>
+          <p:nvPr>
+            <p:ph type="ftr" sz="quarter" idx="11"/>
+          </p:nvPr>
+        </p:nvSpPr>
+        <p:spPr/>
+        <p:txBody>
+          <a:bodyPr/>
+          <a:lstStyle/>
+          <a:p>
+            <a:endParaRPr lang="es-AR"/>
+          </a:p>
+        </p:txBody>
+      </p:sp>
+      <p:sp>
+        <p:nvSpPr>
+          <p:cNvPr id="7" name="Marcador de número de diapositiva 6"/>
+          <p:cNvSpPr>
+            <a:spLocks noGrp="1"/>
+          </p:cNvSpPr>
+          <p:nvPr>
+            <p:ph type="sldNum" sz="quarter" idx="12"/>
+          </p:nvPr>
+        </p:nvSpPr>
+        <p:spPr/>
+        <p:txBody>
+          <a:bodyPr/>
+          <a:lstStyle/>
+          <a:p>
+            <a:fld id="{8EBB5510-15E7-4E0C-9BAE-7CDF35ABC9B6}" type="slidenum">
+              <a:rPr lang="es-AR" smtClean="0"/>
+              <a:t>‹Nº›</a:t>
+            </a:fld>
+            <a:endParaRPr lang="es-AR"/>
           </a:p>
         </p:txBody>
       </p:sp>
     </p:spTree>
+    <p:extLst>
+      <p:ext uri="{BB962C8B-B14F-4D97-AF65-F5344CB8AC3E}">
+        <p14:creationId xmlns:p14="http://schemas.microsoft.com/office/powerpoint/2010/main" val="3761959602"/>
+      </p:ext>
+    </p:extLst>
   </p:cSld>
   <p:clrMapOvr>
     <a:masterClrMapping/>
@@ -3147,8 +4185,8 @@
 </file>
 
 <file path=ppt/slideLayouts/slideLayout21.xml><?xml version="1.0" encoding="utf-8"?>
-<p:sldLayout xmlns:a="http://schemas.openxmlformats.org/drawingml/2006/main" xmlns:r="http://schemas.openxmlformats.org/officeDocument/2006/relationships" xmlns:p="http://schemas.openxmlformats.org/presentationml/2006/main" type="twoObjOverTx" preserve="1">
-  <p:cSld name="Title, 2 Content over Content">
+<p:sldLayout xmlns:a="http://schemas.openxmlformats.org/drawingml/2006/main" xmlns:r="http://schemas.openxmlformats.org/officeDocument/2006/relationships" xmlns:p="http://schemas.openxmlformats.org/presentationml/2006/main" type="picTx" preserve="1">
+  <p:cSld name="Imagen con título">
     <p:spTree>
       <p:nvGrpSpPr>
         <p:cNvPr id="1" name=""/>
@@ -3165,7 +4203,7 @@
       </p:grpSpPr>
       <p:sp>
         <p:nvSpPr>
-          <p:cNvPr id="57" name="PlaceHolder 1"/>
+          <p:cNvPr id="2" name="Título 1"/>
           <p:cNvSpPr>
             <a:spLocks noGrp="1"/>
           </p:cNvSpPr>
@@ -3175,136 +4213,223 @@
         </p:nvSpPr>
         <p:spPr>
           <a:xfrm>
-            <a:off x="457200" y="273600"/>
-            <a:ext cx="8229240" cy="1144800"/>
-          </a:xfrm>
-          <a:prstGeom prst="rect">
-            <a:avLst/>
-          </a:prstGeom>
-          <a:noFill/>
-          <a:ln w="0">
-            <a:noFill/>
-          </a:ln>
-        </p:spPr>
-        <p:txBody>
-          <a:bodyPr lIns="0" tIns="0" rIns="0" bIns="0" anchor="ctr">
-            <a:noAutofit/>
-          </a:bodyPr>
-          <a:lstStyle/>
-          <a:p>
-            <a:pPr algn="ctr"/>
-            <a:endParaRPr lang="es-AR" sz="4400" b="0" strike="noStrike" spc="-1">
-              <a:latin typeface="Arial"/>
-            </a:endParaRPr>
-          </a:p>
-        </p:txBody>
-      </p:sp>
-      <p:sp>
-        <p:nvSpPr>
-          <p:cNvPr id="58" name="PlaceHolder 2"/>
-          <p:cNvSpPr>
-            <a:spLocks noGrp="1"/>
-          </p:cNvSpPr>
-          <p:nvPr>
-            <p:ph/>
-          </p:nvPr>
-        </p:nvSpPr>
-        <p:spPr>
-          <a:xfrm>
-            <a:off x="457200" y="1604520"/>
-            <a:ext cx="4015800" cy="1896840"/>
-          </a:xfrm>
-          <a:prstGeom prst="rect">
-            <a:avLst/>
-          </a:prstGeom>
-          <a:noFill/>
-          <a:ln w="0">
-            <a:noFill/>
-          </a:ln>
-        </p:spPr>
-        <p:txBody>
-          <a:bodyPr lIns="0" tIns="0" rIns="0" bIns="0" anchor="t">
-            <a:normAutofit/>
-          </a:bodyPr>
-          <a:lstStyle/>
-          <a:p>
-            <a:endParaRPr lang="es-AR" sz="3200" b="0" strike="noStrike" spc="-1">
-              <a:latin typeface="Arial"/>
-            </a:endParaRPr>
-          </a:p>
-        </p:txBody>
-      </p:sp>
-      <p:sp>
-        <p:nvSpPr>
-          <p:cNvPr id="59" name="PlaceHolder 3"/>
-          <p:cNvSpPr>
-            <a:spLocks noGrp="1"/>
-          </p:cNvSpPr>
-          <p:nvPr>
-            <p:ph/>
-          </p:nvPr>
-        </p:nvSpPr>
-        <p:spPr>
-          <a:xfrm>
-            <a:off x="4674240" y="1604520"/>
-            <a:ext cx="4015800" cy="1896840"/>
-          </a:xfrm>
-          <a:prstGeom prst="rect">
-            <a:avLst/>
-          </a:prstGeom>
-          <a:noFill/>
-          <a:ln w="0">
-            <a:noFill/>
-          </a:ln>
-        </p:spPr>
-        <p:txBody>
-          <a:bodyPr lIns="0" tIns="0" rIns="0" bIns="0" anchor="t">
-            <a:normAutofit/>
-          </a:bodyPr>
-          <a:lstStyle/>
-          <a:p>
-            <a:endParaRPr lang="es-AR" sz="3200" b="0" strike="noStrike" spc="-1">
-              <a:latin typeface="Arial"/>
-            </a:endParaRPr>
-          </a:p>
-        </p:txBody>
-      </p:sp>
-      <p:sp>
-        <p:nvSpPr>
-          <p:cNvPr id="60" name="PlaceHolder 4"/>
-          <p:cNvSpPr>
-            <a:spLocks noGrp="1"/>
-          </p:cNvSpPr>
-          <p:nvPr>
-            <p:ph/>
-          </p:nvPr>
-        </p:nvSpPr>
-        <p:spPr>
-          <a:xfrm>
-            <a:off x="457200" y="3682080"/>
-            <a:ext cx="8229240" cy="1896840"/>
-          </a:xfrm>
-          <a:prstGeom prst="rect">
-            <a:avLst/>
-          </a:prstGeom>
-          <a:noFill/>
-          <a:ln w="0">
-            <a:noFill/>
-          </a:ln>
-        </p:spPr>
-        <p:txBody>
-          <a:bodyPr lIns="0" tIns="0" rIns="0" bIns="0" anchor="t">
-            <a:normAutofit/>
-          </a:bodyPr>
-          <a:lstStyle/>
-          <a:p>
-            <a:endParaRPr lang="es-AR" sz="3200" b="0" strike="noStrike" spc="-1">
-              <a:latin typeface="Arial"/>
-            </a:endParaRPr>
+            <a:off x="629841" y="457200"/>
+            <a:ext cx="2949178" cy="1600200"/>
+          </a:xfrm>
+        </p:spPr>
+        <p:txBody>
+          <a:bodyPr anchor="b"/>
+          <a:lstStyle>
+            <a:lvl1pPr>
+              <a:defRPr sz="2400"/>
+            </a:lvl1pPr>
+          </a:lstStyle>
+          <a:p>
+            <a:r>
+              <a:rPr lang="es-ES" smtClean="0"/>
+              <a:t>Haga clic para modificar el estilo de título del patrón</a:t>
+            </a:r>
+            <a:endParaRPr lang="es-AR"/>
+          </a:p>
+        </p:txBody>
+      </p:sp>
+      <p:sp>
+        <p:nvSpPr>
+          <p:cNvPr id="3" name="Marcador de posición de imagen 2"/>
+          <p:cNvSpPr>
+            <a:spLocks noGrp="1"/>
+          </p:cNvSpPr>
+          <p:nvPr>
+            <p:ph type="pic" idx="1"/>
+          </p:nvPr>
+        </p:nvSpPr>
+        <p:spPr>
+          <a:xfrm>
+            <a:off x="3887391" y="987426"/>
+            <a:ext cx="4629150" cy="4873625"/>
+          </a:xfrm>
+        </p:spPr>
+        <p:txBody>
+          <a:bodyPr/>
+          <a:lstStyle>
+            <a:lvl1pPr marL="0" indent="0">
+              <a:buNone/>
+              <a:defRPr sz="2400"/>
+            </a:lvl1pPr>
+            <a:lvl2pPr marL="342900" indent="0">
+              <a:buNone/>
+              <a:defRPr sz="2100"/>
+            </a:lvl2pPr>
+            <a:lvl3pPr marL="685800" indent="0">
+              <a:buNone/>
+              <a:defRPr sz="1800"/>
+            </a:lvl3pPr>
+            <a:lvl4pPr marL="1028700" indent="0">
+              <a:buNone/>
+              <a:defRPr sz="1500"/>
+            </a:lvl4pPr>
+            <a:lvl5pPr marL="1371600" indent="0">
+              <a:buNone/>
+              <a:defRPr sz="1500"/>
+            </a:lvl5pPr>
+            <a:lvl6pPr marL="1714500" indent="0">
+              <a:buNone/>
+              <a:defRPr sz="1500"/>
+            </a:lvl6pPr>
+            <a:lvl7pPr marL="2057400" indent="0">
+              <a:buNone/>
+              <a:defRPr sz="1500"/>
+            </a:lvl7pPr>
+            <a:lvl8pPr marL="2400300" indent="0">
+              <a:buNone/>
+              <a:defRPr sz="1500"/>
+            </a:lvl8pPr>
+            <a:lvl9pPr marL="2743200" indent="0">
+              <a:buNone/>
+              <a:defRPr sz="1500"/>
+            </a:lvl9pPr>
+          </a:lstStyle>
+          <a:p>
+            <a:endParaRPr lang="es-AR"/>
+          </a:p>
+        </p:txBody>
+      </p:sp>
+      <p:sp>
+        <p:nvSpPr>
+          <p:cNvPr id="4" name="Marcador de texto 3"/>
+          <p:cNvSpPr>
+            <a:spLocks noGrp="1"/>
+          </p:cNvSpPr>
+          <p:nvPr>
+            <p:ph type="body" sz="half" idx="2"/>
+          </p:nvPr>
+        </p:nvSpPr>
+        <p:spPr>
+          <a:xfrm>
+            <a:off x="629841" y="2057400"/>
+            <a:ext cx="2949178" cy="3811588"/>
+          </a:xfrm>
+        </p:spPr>
+        <p:txBody>
+          <a:bodyPr/>
+          <a:lstStyle>
+            <a:lvl1pPr marL="0" indent="0">
+              <a:buNone/>
+              <a:defRPr sz="1200"/>
+            </a:lvl1pPr>
+            <a:lvl2pPr marL="342900" indent="0">
+              <a:buNone/>
+              <a:defRPr sz="1050"/>
+            </a:lvl2pPr>
+            <a:lvl3pPr marL="685800" indent="0">
+              <a:buNone/>
+              <a:defRPr sz="900"/>
+            </a:lvl3pPr>
+            <a:lvl4pPr marL="1028700" indent="0">
+              <a:buNone/>
+              <a:defRPr sz="750"/>
+            </a:lvl4pPr>
+            <a:lvl5pPr marL="1371600" indent="0">
+              <a:buNone/>
+              <a:defRPr sz="750"/>
+            </a:lvl5pPr>
+            <a:lvl6pPr marL="1714500" indent="0">
+              <a:buNone/>
+              <a:defRPr sz="750"/>
+            </a:lvl6pPr>
+            <a:lvl7pPr marL="2057400" indent="0">
+              <a:buNone/>
+              <a:defRPr sz="750"/>
+            </a:lvl7pPr>
+            <a:lvl8pPr marL="2400300" indent="0">
+              <a:buNone/>
+              <a:defRPr sz="750"/>
+            </a:lvl8pPr>
+            <a:lvl9pPr marL="2743200" indent="0">
+              <a:buNone/>
+              <a:defRPr sz="750"/>
+            </a:lvl9pPr>
+          </a:lstStyle>
+          <a:p>
+            <a:pPr lvl="0"/>
+            <a:r>
+              <a:rPr lang="es-ES" smtClean="0"/>
+              <a:t>Haga clic para modificar el estilo de texto del patrón</a:t>
+            </a:r>
+          </a:p>
+        </p:txBody>
+      </p:sp>
+      <p:sp>
+        <p:nvSpPr>
+          <p:cNvPr id="5" name="Marcador de fecha 4"/>
+          <p:cNvSpPr>
+            <a:spLocks noGrp="1"/>
+          </p:cNvSpPr>
+          <p:nvPr>
+            <p:ph type="dt" sz="half" idx="10"/>
+          </p:nvPr>
+        </p:nvSpPr>
+        <p:spPr/>
+        <p:txBody>
+          <a:bodyPr/>
+          <a:lstStyle/>
+          <a:p>
+            <a:fld id="{41FD5431-53B5-4D35-9FE8-D68895F22516}" type="datetimeFigureOut">
+              <a:rPr lang="es-AR" smtClean="0"/>
+              <a:t>6/10/2025</a:t>
+            </a:fld>
+            <a:endParaRPr lang="es-AR"/>
+          </a:p>
+        </p:txBody>
+      </p:sp>
+      <p:sp>
+        <p:nvSpPr>
+          <p:cNvPr id="6" name="Marcador de pie de página 5"/>
+          <p:cNvSpPr>
+            <a:spLocks noGrp="1"/>
+          </p:cNvSpPr>
+          <p:nvPr>
+            <p:ph type="ftr" sz="quarter" idx="11"/>
+          </p:nvPr>
+        </p:nvSpPr>
+        <p:spPr/>
+        <p:txBody>
+          <a:bodyPr/>
+          <a:lstStyle/>
+          <a:p>
+            <a:endParaRPr lang="es-AR"/>
+          </a:p>
+        </p:txBody>
+      </p:sp>
+      <p:sp>
+        <p:nvSpPr>
+          <p:cNvPr id="7" name="Marcador de número de diapositiva 6"/>
+          <p:cNvSpPr>
+            <a:spLocks noGrp="1"/>
+          </p:cNvSpPr>
+          <p:nvPr>
+            <p:ph type="sldNum" sz="quarter" idx="12"/>
+          </p:nvPr>
+        </p:nvSpPr>
+        <p:spPr/>
+        <p:txBody>
+          <a:bodyPr/>
+          <a:lstStyle/>
+          <a:p>
+            <a:fld id="{8EBB5510-15E7-4E0C-9BAE-7CDF35ABC9B6}" type="slidenum">
+              <a:rPr lang="es-AR" smtClean="0"/>
+              <a:t>‹Nº›</a:t>
+            </a:fld>
+            <a:endParaRPr lang="es-AR"/>
           </a:p>
         </p:txBody>
       </p:sp>
     </p:spTree>
+    <p:extLst>
+      <p:ext uri="{BB962C8B-B14F-4D97-AF65-F5344CB8AC3E}">
+        <p14:creationId xmlns:p14="http://schemas.microsoft.com/office/powerpoint/2010/main" val="1684597490"/>
+      </p:ext>
+    </p:extLst>
   </p:cSld>
   <p:clrMapOvr>
     <a:masterClrMapping/>
@@ -3313,8 +4438,8 @@
 </file>
 
 <file path=ppt/slideLayouts/slideLayout22.xml><?xml version="1.0" encoding="utf-8"?>
-<p:sldLayout xmlns:a="http://schemas.openxmlformats.org/drawingml/2006/main" xmlns:r="http://schemas.openxmlformats.org/officeDocument/2006/relationships" xmlns:p="http://schemas.openxmlformats.org/presentationml/2006/main" type="objOverTx" preserve="1">
-  <p:cSld name="Title, Content over Content">
+<p:sldLayout xmlns:a="http://schemas.openxmlformats.org/drawingml/2006/main" xmlns:r="http://schemas.openxmlformats.org/officeDocument/2006/relationships" xmlns:p="http://schemas.openxmlformats.org/presentationml/2006/main" type="vertTx" preserve="1">
+  <p:cSld name="Título y texto vertical">
     <p:spTree>
       <p:nvGrpSpPr>
         <p:cNvPr id="1" name=""/>
@@ -3331,7 +4456,7 @@
       </p:grpSpPr>
       <p:sp>
         <p:nvSpPr>
-          <p:cNvPr id="61" name="PlaceHolder 1"/>
+          <p:cNvPr id="2" name="Título 1"/>
           <p:cNvSpPr>
             <a:spLocks noGrp="1"/>
           </p:cNvSpPr>
@@ -3339,103 +4464,142 @@
             <p:ph type="title"/>
           </p:nvPr>
         </p:nvSpPr>
-        <p:spPr>
-          <a:xfrm>
-            <a:off x="457200" y="273600"/>
-            <a:ext cx="8229240" cy="1144800"/>
-          </a:xfrm>
-          <a:prstGeom prst="rect">
-            <a:avLst/>
-          </a:prstGeom>
-          <a:noFill/>
-          <a:ln w="0">
-            <a:noFill/>
-          </a:ln>
-        </p:spPr>
-        <p:txBody>
-          <a:bodyPr lIns="0" tIns="0" rIns="0" bIns="0" anchor="ctr">
-            <a:noAutofit/>
-          </a:bodyPr>
-          <a:lstStyle/>
-          <a:p>
-            <a:pPr algn="ctr"/>
-            <a:endParaRPr lang="es-AR" sz="4400" b="0" strike="noStrike" spc="-1">
-              <a:latin typeface="Arial"/>
-            </a:endParaRPr>
-          </a:p>
-        </p:txBody>
-      </p:sp>
-      <p:sp>
-        <p:nvSpPr>
-          <p:cNvPr id="62" name="PlaceHolder 2"/>
-          <p:cNvSpPr>
-            <a:spLocks noGrp="1"/>
-          </p:cNvSpPr>
-          <p:nvPr>
-            <p:ph/>
-          </p:nvPr>
-        </p:nvSpPr>
-        <p:spPr>
-          <a:xfrm>
-            <a:off x="457200" y="1604520"/>
-            <a:ext cx="8229240" cy="1896840"/>
-          </a:xfrm>
-          <a:prstGeom prst="rect">
-            <a:avLst/>
-          </a:prstGeom>
-          <a:noFill/>
-          <a:ln w="0">
-            <a:noFill/>
-          </a:ln>
-        </p:spPr>
-        <p:txBody>
-          <a:bodyPr lIns="0" tIns="0" rIns="0" bIns="0" anchor="t">
-            <a:normAutofit/>
-          </a:bodyPr>
-          <a:lstStyle/>
-          <a:p>
-            <a:endParaRPr lang="es-AR" sz="3200" b="0" strike="noStrike" spc="-1">
-              <a:latin typeface="Arial"/>
-            </a:endParaRPr>
-          </a:p>
-        </p:txBody>
-      </p:sp>
-      <p:sp>
-        <p:nvSpPr>
-          <p:cNvPr id="63" name="PlaceHolder 3"/>
-          <p:cNvSpPr>
-            <a:spLocks noGrp="1"/>
-          </p:cNvSpPr>
-          <p:nvPr>
-            <p:ph/>
-          </p:nvPr>
-        </p:nvSpPr>
-        <p:spPr>
-          <a:xfrm>
-            <a:off x="457200" y="3682080"/>
-            <a:ext cx="8229240" cy="1896840"/>
-          </a:xfrm>
-          <a:prstGeom prst="rect">
-            <a:avLst/>
-          </a:prstGeom>
-          <a:noFill/>
-          <a:ln w="0">
-            <a:noFill/>
-          </a:ln>
-        </p:spPr>
-        <p:txBody>
-          <a:bodyPr lIns="0" tIns="0" rIns="0" bIns="0" anchor="t">
-            <a:normAutofit/>
-          </a:bodyPr>
-          <a:lstStyle/>
-          <a:p>
-            <a:endParaRPr lang="es-AR" sz="3200" b="0" strike="noStrike" spc="-1">
-              <a:latin typeface="Arial"/>
-            </a:endParaRPr>
+        <p:spPr/>
+        <p:txBody>
+          <a:bodyPr/>
+          <a:lstStyle/>
+          <a:p>
+            <a:r>
+              <a:rPr lang="es-ES" smtClean="0"/>
+              <a:t>Haga clic para modificar el estilo de título del patrón</a:t>
+            </a:r>
+            <a:endParaRPr lang="es-AR"/>
+          </a:p>
+        </p:txBody>
+      </p:sp>
+      <p:sp>
+        <p:nvSpPr>
+          <p:cNvPr id="3" name="Marcador de texto vertical 2"/>
+          <p:cNvSpPr>
+            <a:spLocks noGrp="1"/>
+          </p:cNvSpPr>
+          <p:nvPr>
+            <p:ph type="body" orient="vert" idx="1"/>
+          </p:nvPr>
+        </p:nvSpPr>
+        <p:spPr/>
+        <p:txBody>
+          <a:bodyPr vert="eaVert"/>
+          <a:lstStyle/>
+          <a:p>
+            <a:pPr lvl="0"/>
+            <a:r>
+              <a:rPr lang="es-ES" smtClean="0"/>
+              <a:t>Haga clic para modificar el estilo de texto del patrón</a:t>
+            </a:r>
+          </a:p>
+          <a:p>
+            <a:pPr lvl="1"/>
+            <a:r>
+              <a:rPr lang="es-ES" smtClean="0"/>
+              <a:t>Segundo nivel</a:t>
+            </a:r>
+          </a:p>
+          <a:p>
+            <a:pPr lvl="2"/>
+            <a:r>
+              <a:rPr lang="es-ES" smtClean="0"/>
+              <a:t>Tercer nivel</a:t>
+            </a:r>
+          </a:p>
+          <a:p>
+            <a:pPr lvl="3"/>
+            <a:r>
+              <a:rPr lang="es-ES" smtClean="0"/>
+              <a:t>Cuarto nivel</a:t>
+            </a:r>
+          </a:p>
+          <a:p>
+            <a:pPr lvl="4"/>
+            <a:r>
+              <a:rPr lang="es-ES" smtClean="0"/>
+              <a:t>Quinto nivel</a:t>
+            </a:r>
+            <a:endParaRPr lang="es-AR"/>
+          </a:p>
+        </p:txBody>
+      </p:sp>
+      <p:sp>
+        <p:nvSpPr>
+          <p:cNvPr id="4" name="Marcador de fecha 3"/>
+          <p:cNvSpPr>
+            <a:spLocks noGrp="1"/>
+          </p:cNvSpPr>
+          <p:nvPr>
+            <p:ph type="dt" sz="half" idx="10"/>
+          </p:nvPr>
+        </p:nvSpPr>
+        <p:spPr/>
+        <p:txBody>
+          <a:bodyPr/>
+          <a:lstStyle/>
+          <a:p>
+            <a:fld id="{41FD5431-53B5-4D35-9FE8-D68895F22516}" type="datetimeFigureOut">
+              <a:rPr lang="es-AR" smtClean="0"/>
+              <a:t>6/10/2025</a:t>
+            </a:fld>
+            <a:endParaRPr lang="es-AR"/>
+          </a:p>
+        </p:txBody>
+      </p:sp>
+      <p:sp>
+        <p:nvSpPr>
+          <p:cNvPr id="5" name="Marcador de pie de página 4"/>
+          <p:cNvSpPr>
+            <a:spLocks noGrp="1"/>
+          </p:cNvSpPr>
+          <p:nvPr>
+            <p:ph type="ftr" sz="quarter" idx="11"/>
+          </p:nvPr>
+        </p:nvSpPr>
+        <p:spPr/>
+        <p:txBody>
+          <a:bodyPr/>
+          <a:lstStyle/>
+          <a:p>
+            <a:endParaRPr lang="es-AR"/>
+          </a:p>
+        </p:txBody>
+      </p:sp>
+      <p:sp>
+        <p:nvSpPr>
+          <p:cNvPr id="6" name="Marcador de número de diapositiva 5"/>
+          <p:cNvSpPr>
+            <a:spLocks noGrp="1"/>
+          </p:cNvSpPr>
+          <p:nvPr>
+            <p:ph type="sldNum" sz="quarter" idx="12"/>
+          </p:nvPr>
+        </p:nvSpPr>
+        <p:spPr/>
+        <p:txBody>
+          <a:bodyPr/>
+          <a:lstStyle/>
+          <a:p>
+            <a:fld id="{8EBB5510-15E7-4E0C-9BAE-7CDF35ABC9B6}" type="slidenum">
+              <a:rPr lang="es-AR" smtClean="0"/>
+              <a:t>‹Nº›</a:t>
+            </a:fld>
+            <a:endParaRPr lang="es-AR"/>
           </a:p>
         </p:txBody>
       </p:sp>
     </p:spTree>
+    <p:extLst>
+      <p:ext uri="{BB962C8B-B14F-4D97-AF65-F5344CB8AC3E}">
+        <p14:creationId xmlns:p14="http://schemas.microsoft.com/office/powerpoint/2010/main" val="2740796299"/>
+      </p:ext>
+    </p:extLst>
   </p:cSld>
   <p:clrMapOvr>
     <a:masterClrMapping/>
@@ -3444,8 +4608,8 @@
 </file>
 
 <file path=ppt/slideLayouts/slideLayout23.xml><?xml version="1.0" encoding="utf-8"?>
-<p:sldLayout xmlns:a="http://schemas.openxmlformats.org/drawingml/2006/main" xmlns:r="http://schemas.openxmlformats.org/officeDocument/2006/relationships" xmlns:p="http://schemas.openxmlformats.org/presentationml/2006/main" type="fourObj" preserve="1">
-  <p:cSld name="Title, 4 Content">
+<p:sldLayout xmlns:a="http://schemas.openxmlformats.org/drawingml/2006/main" xmlns:r="http://schemas.openxmlformats.org/officeDocument/2006/relationships" xmlns:p="http://schemas.openxmlformats.org/presentationml/2006/main" type="vertTitleAndTx" preserve="1">
+  <p:cSld name="Título vertical y texto">
     <p:spTree>
       <p:nvGrpSpPr>
         <p:cNvPr id="1" name=""/>
@@ -3462,452 +4626,160 @@
       </p:grpSpPr>
       <p:sp>
         <p:nvSpPr>
-          <p:cNvPr id="64" name="PlaceHolder 1"/>
-          <p:cNvSpPr>
-            <a:spLocks noGrp="1"/>
-          </p:cNvSpPr>
-          <p:nvPr>
-            <p:ph type="title"/>
-          </p:nvPr>
-        </p:nvSpPr>
-        <p:spPr>
-          <a:xfrm>
-            <a:off x="457200" y="273600"/>
-            <a:ext cx="8229240" cy="1144800"/>
-          </a:xfrm>
-          <a:prstGeom prst="rect">
-            <a:avLst/>
-          </a:prstGeom>
-          <a:noFill/>
-          <a:ln w="0">
-            <a:noFill/>
-          </a:ln>
-        </p:spPr>
-        <p:txBody>
-          <a:bodyPr lIns="0" tIns="0" rIns="0" bIns="0" anchor="ctr">
-            <a:noAutofit/>
-          </a:bodyPr>
-          <a:lstStyle/>
-          <a:p>
-            <a:pPr algn="ctr"/>
-            <a:endParaRPr lang="es-AR" sz="4400" b="0" strike="noStrike" spc="-1">
-              <a:latin typeface="Arial"/>
-            </a:endParaRPr>
-          </a:p>
-        </p:txBody>
-      </p:sp>
-      <p:sp>
-        <p:nvSpPr>
-          <p:cNvPr id="65" name="PlaceHolder 2"/>
-          <p:cNvSpPr>
-            <a:spLocks noGrp="1"/>
-          </p:cNvSpPr>
-          <p:nvPr>
-            <p:ph/>
-          </p:nvPr>
-        </p:nvSpPr>
-        <p:spPr>
-          <a:xfrm>
-            <a:off x="457200" y="1604520"/>
-            <a:ext cx="4015800" cy="1896840"/>
-          </a:xfrm>
-          <a:prstGeom prst="rect">
-            <a:avLst/>
-          </a:prstGeom>
-          <a:noFill/>
-          <a:ln w="0">
-            <a:noFill/>
-          </a:ln>
-        </p:spPr>
-        <p:txBody>
-          <a:bodyPr lIns="0" tIns="0" rIns="0" bIns="0" anchor="t">
-            <a:normAutofit/>
-          </a:bodyPr>
-          <a:lstStyle/>
-          <a:p>
-            <a:endParaRPr lang="es-AR" sz="3200" b="0" strike="noStrike" spc="-1">
-              <a:latin typeface="Arial"/>
-            </a:endParaRPr>
-          </a:p>
-        </p:txBody>
-      </p:sp>
-      <p:sp>
-        <p:nvSpPr>
-          <p:cNvPr id="66" name="PlaceHolder 3"/>
-          <p:cNvSpPr>
-            <a:spLocks noGrp="1"/>
-          </p:cNvSpPr>
-          <p:nvPr>
-            <p:ph/>
-          </p:nvPr>
-        </p:nvSpPr>
-        <p:spPr>
-          <a:xfrm>
-            <a:off x="4674240" y="1604520"/>
-            <a:ext cx="4015800" cy="1896840"/>
-          </a:xfrm>
-          <a:prstGeom prst="rect">
-            <a:avLst/>
-          </a:prstGeom>
-          <a:noFill/>
-          <a:ln w="0">
-            <a:noFill/>
-          </a:ln>
-        </p:spPr>
-        <p:txBody>
-          <a:bodyPr lIns="0" tIns="0" rIns="0" bIns="0" anchor="t">
-            <a:normAutofit/>
-          </a:bodyPr>
-          <a:lstStyle/>
-          <a:p>
-            <a:endParaRPr lang="es-AR" sz="3200" b="0" strike="noStrike" spc="-1">
-              <a:latin typeface="Arial"/>
-            </a:endParaRPr>
-          </a:p>
-        </p:txBody>
-      </p:sp>
-      <p:sp>
-        <p:nvSpPr>
-          <p:cNvPr id="67" name="PlaceHolder 4"/>
-          <p:cNvSpPr>
-            <a:spLocks noGrp="1"/>
-          </p:cNvSpPr>
-          <p:nvPr>
-            <p:ph/>
-          </p:nvPr>
-        </p:nvSpPr>
-        <p:spPr>
-          <a:xfrm>
-            <a:off x="457200" y="3682080"/>
-            <a:ext cx="4015800" cy="1896840"/>
-          </a:xfrm>
-          <a:prstGeom prst="rect">
-            <a:avLst/>
-          </a:prstGeom>
-          <a:noFill/>
-          <a:ln w="0">
-            <a:noFill/>
-          </a:ln>
-        </p:spPr>
-        <p:txBody>
-          <a:bodyPr lIns="0" tIns="0" rIns="0" bIns="0" anchor="t">
-            <a:normAutofit/>
-          </a:bodyPr>
-          <a:lstStyle/>
-          <a:p>
-            <a:endParaRPr lang="es-AR" sz="3200" b="0" strike="noStrike" spc="-1">
-              <a:latin typeface="Arial"/>
-            </a:endParaRPr>
-          </a:p>
-        </p:txBody>
-      </p:sp>
-      <p:sp>
-        <p:nvSpPr>
-          <p:cNvPr id="68" name="PlaceHolder 5"/>
-          <p:cNvSpPr>
-            <a:spLocks noGrp="1"/>
-          </p:cNvSpPr>
-          <p:nvPr>
-            <p:ph/>
-          </p:nvPr>
-        </p:nvSpPr>
-        <p:spPr>
-          <a:xfrm>
-            <a:off x="4674240" y="3682080"/>
-            <a:ext cx="4015800" cy="1896840"/>
-          </a:xfrm>
-          <a:prstGeom prst="rect">
-            <a:avLst/>
-          </a:prstGeom>
-          <a:noFill/>
-          <a:ln w="0">
-            <a:noFill/>
-          </a:ln>
-        </p:spPr>
-        <p:txBody>
-          <a:bodyPr lIns="0" tIns="0" rIns="0" bIns="0" anchor="t">
-            <a:normAutofit/>
-          </a:bodyPr>
-          <a:lstStyle/>
-          <a:p>
-            <a:endParaRPr lang="es-AR" sz="3200" b="0" strike="noStrike" spc="-1">
-              <a:latin typeface="Arial"/>
-            </a:endParaRPr>
+          <p:cNvPr id="2" name="Título vertical 1"/>
+          <p:cNvSpPr>
+            <a:spLocks noGrp="1"/>
+          </p:cNvSpPr>
+          <p:nvPr>
+            <p:ph type="title" orient="vert"/>
+          </p:nvPr>
+        </p:nvSpPr>
+        <p:spPr>
+          <a:xfrm>
+            <a:off x="6543675" y="365125"/>
+            <a:ext cx="1971675" cy="5811838"/>
+          </a:xfrm>
+        </p:spPr>
+        <p:txBody>
+          <a:bodyPr vert="eaVert"/>
+          <a:lstStyle/>
+          <a:p>
+            <a:r>
+              <a:rPr lang="es-ES" smtClean="0"/>
+              <a:t>Haga clic para modificar el estilo de título del patrón</a:t>
+            </a:r>
+            <a:endParaRPr lang="es-AR"/>
+          </a:p>
+        </p:txBody>
+      </p:sp>
+      <p:sp>
+        <p:nvSpPr>
+          <p:cNvPr id="3" name="Marcador de texto vertical 2"/>
+          <p:cNvSpPr>
+            <a:spLocks noGrp="1"/>
+          </p:cNvSpPr>
+          <p:nvPr>
+            <p:ph type="body" orient="vert" idx="1"/>
+          </p:nvPr>
+        </p:nvSpPr>
+        <p:spPr>
+          <a:xfrm>
+            <a:off x="628650" y="365125"/>
+            <a:ext cx="5800725" cy="5811838"/>
+          </a:xfrm>
+        </p:spPr>
+        <p:txBody>
+          <a:bodyPr vert="eaVert"/>
+          <a:lstStyle/>
+          <a:p>
+            <a:pPr lvl="0"/>
+            <a:r>
+              <a:rPr lang="es-ES" smtClean="0"/>
+              <a:t>Haga clic para modificar el estilo de texto del patrón</a:t>
+            </a:r>
+          </a:p>
+          <a:p>
+            <a:pPr lvl="1"/>
+            <a:r>
+              <a:rPr lang="es-ES" smtClean="0"/>
+              <a:t>Segundo nivel</a:t>
+            </a:r>
+          </a:p>
+          <a:p>
+            <a:pPr lvl="2"/>
+            <a:r>
+              <a:rPr lang="es-ES" smtClean="0"/>
+              <a:t>Tercer nivel</a:t>
+            </a:r>
+          </a:p>
+          <a:p>
+            <a:pPr lvl="3"/>
+            <a:r>
+              <a:rPr lang="es-ES" smtClean="0"/>
+              <a:t>Cuarto nivel</a:t>
+            </a:r>
+          </a:p>
+          <a:p>
+            <a:pPr lvl="4"/>
+            <a:r>
+              <a:rPr lang="es-ES" smtClean="0"/>
+              <a:t>Quinto nivel</a:t>
+            </a:r>
+            <a:endParaRPr lang="es-AR"/>
+          </a:p>
+        </p:txBody>
+      </p:sp>
+      <p:sp>
+        <p:nvSpPr>
+          <p:cNvPr id="4" name="Marcador de fecha 3"/>
+          <p:cNvSpPr>
+            <a:spLocks noGrp="1"/>
+          </p:cNvSpPr>
+          <p:nvPr>
+            <p:ph type="dt" sz="half" idx="10"/>
+          </p:nvPr>
+        </p:nvSpPr>
+        <p:spPr/>
+        <p:txBody>
+          <a:bodyPr/>
+          <a:lstStyle/>
+          <a:p>
+            <a:fld id="{41FD5431-53B5-4D35-9FE8-D68895F22516}" type="datetimeFigureOut">
+              <a:rPr lang="es-AR" smtClean="0"/>
+              <a:t>6/10/2025</a:t>
+            </a:fld>
+            <a:endParaRPr lang="es-AR"/>
+          </a:p>
+        </p:txBody>
+      </p:sp>
+      <p:sp>
+        <p:nvSpPr>
+          <p:cNvPr id="5" name="Marcador de pie de página 4"/>
+          <p:cNvSpPr>
+            <a:spLocks noGrp="1"/>
+          </p:cNvSpPr>
+          <p:nvPr>
+            <p:ph type="ftr" sz="quarter" idx="11"/>
+          </p:nvPr>
+        </p:nvSpPr>
+        <p:spPr/>
+        <p:txBody>
+          <a:bodyPr/>
+          <a:lstStyle/>
+          <a:p>
+            <a:endParaRPr lang="es-AR"/>
+          </a:p>
+        </p:txBody>
+      </p:sp>
+      <p:sp>
+        <p:nvSpPr>
+          <p:cNvPr id="6" name="Marcador de número de diapositiva 5"/>
+          <p:cNvSpPr>
+            <a:spLocks noGrp="1"/>
+          </p:cNvSpPr>
+          <p:nvPr>
+            <p:ph type="sldNum" sz="quarter" idx="12"/>
+          </p:nvPr>
+        </p:nvSpPr>
+        <p:spPr/>
+        <p:txBody>
+          <a:bodyPr/>
+          <a:lstStyle/>
+          <a:p>
+            <a:fld id="{8EBB5510-15E7-4E0C-9BAE-7CDF35ABC9B6}" type="slidenum">
+              <a:rPr lang="es-AR" smtClean="0"/>
+              <a:t>‹Nº›</a:t>
+            </a:fld>
+            <a:endParaRPr lang="es-AR"/>
           </a:p>
         </p:txBody>
       </p:sp>
     </p:spTree>
-  </p:cSld>
-  <p:clrMapOvr>
-    <a:masterClrMapping/>
-  </p:clrMapOvr>
-</p:sldLayout>
-</file>
-
-<file path=ppt/slideLayouts/slideLayout24.xml><?xml version="1.0" encoding="utf-8"?>
-<p:sldLayout xmlns:a="http://schemas.openxmlformats.org/drawingml/2006/main" xmlns:r="http://schemas.openxmlformats.org/officeDocument/2006/relationships" xmlns:p="http://schemas.openxmlformats.org/presentationml/2006/main" type="blank" preserve="1">
-  <p:cSld name="Title, 6 Content">
-    <p:spTree>
-      <p:nvGrpSpPr>
-        <p:cNvPr id="1" name=""/>
-        <p:cNvGrpSpPr/>
-        <p:nvPr/>
-      </p:nvGrpSpPr>
-      <p:grpSpPr>
-        <a:xfrm>
-          <a:off x="0" y="0"/>
-          <a:ext cx="0" cy="0"/>
-          <a:chOff x="0" y="0"/>
-          <a:chExt cx="0" cy="0"/>
-        </a:xfrm>
-      </p:grpSpPr>
-      <p:sp>
-        <p:nvSpPr>
-          <p:cNvPr id="69" name="PlaceHolder 1"/>
-          <p:cNvSpPr>
-            <a:spLocks noGrp="1"/>
-          </p:cNvSpPr>
-          <p:nvPr>
-            <p:ph type="title"/>
-          </p:nvPr>
-        </p:nvSpPr>
-        <p:spPr>
-          <a:xfrm>
-            <a:off x="457200" y="273600"/>
-            <a:ext cx="8229240" cy="1144800"/>
-          </a:xfrm>
-          <a:prstGeom prst="rect">
-            <a:avLst/>
-          </a:prstGeom>
-          <a:noFill/>
-          <a:ln w="0">
-            <a:noFill/>
-          </a:ln>
-        </p:spPr>
-        <p:txBody>
-          <a:bodyPr lIns="0" tIns="0" rIns="0" bIns="0" anchor="ctr">
-            <a:noAutofit/>
-          </a:bodyPr>
-          <a:lstStyle/>
-          <a:p>
-            <a:pPr algn="ctr"/>
-            <a:endParaRPr lang="es-AR" sz="4400" b="0" strike="noStrike" spc="-1">
-              <a:latin typeface="Arial"/>
-            </a:endParaRPr>
-          </a:p>
-        </p:txBody>
-      </p:sp>
-      <p:sp>
-        <p:nvSpPr>
-          <p:cNvPr id="70" name="PlaceHolder 2"/>
-          <p:cNvSpPr>
-            <a:spLocks noGrp="1"/>
-          </p:cNvSpPr>
-          <p:nvPr>
-            <p:ph/>
-          </p:nvPr>
-        </p:nvSpPr>
-        <p:spPr>
-          <a:xfrm>
-            <a:off x="457200" y="1604520"/>
-            <a:ext cx="2649600" cy="1896840"/>
-          </a:xfrm>
-          <a:prstGeom prst="rect">
-            <a:avLst/>
-          </a:prstGeom>
-          <a:noFill/>
-          <a:ln w="0">
-            <a:noFill/>
-          </a:ln>
-        </p:spPr>
-        <p:txBody>
-          <a:bodyPr lIns="0" tIns="0" rIns="0" bIns="0" anchor="t">
-            <a:normAutofit/>
-          </a:bodyPr>
-          <a:lstStyle/>
-          <a:p>
-            <a:endParaRPr lang="es-AR" sz="3200" b="0" strike="noStrike" spc="-1">
-              <a:latin typeface="Arial"/>
-            </a:endParaRPr>
-          </a:p>
-        </p:txBody>
-      </p:sp>
-      <p:sp>
-        <p:nvSpPr>
-          <p:cNvPr id="71" name="PlaceHolder 3"/>
-          <p:cNvSpPr>
-            <a:spLocks noGrp="1"/>
-          </p:cNvSpPr>
-          <p:nvPr>
-            <p:ph/>
-          </p:nvPr>
-        </p:nvSpPr>
-        <p:spPr>
-          <a:xfrm>
-            <a:off x="3239640" y="1604520"/>
-            <a:ext cx="2649600" cy="1896840"/>
-          </a:xfrm>
-          <a:prstGeom prst="rect">
-            <a:avLst/>
-          </a:prstGeom>
-          <a:noFill/>
-          <a:ln w="0">
-            <a:noFill/>
-          </a:ln>
-        </p:spPr>
-        <p:txBody>
-          <a:bodyPr lIns="0" tIns="0" rIns="0" bIns="0" anchor="t">
-            <a:normAutofit/>
-          </a:bodyPr>
-          <a:lstStyle/>
-          <a:p>
-            <a:endParaRPr lang="es-AR" sz="3200" b="0" strike="noStrike" spc="-1">
-              <a:latin typeface="Arial"/>
-            </a:endParaRPr>
-          </a:p>
-        </p:txBody>
-      </p:sp>
-      <p:sp>
-        <p:nvSpPr>
-          <p:cNvPr id="72" name="PlaceHolder 4"/>
-          <p:cNvSpPr>
-            <a:spLocks noGrp="1"/>
-          </p:cNvSpPr>
-          <p:nvPr>
-            <p:ph/>
-          </p:nvPr>
-        </p:nvSpPr>
-        <p:spPr>
-          <a:xfrm>
-            <a:off x="6022080" y="1604520"/>
-            <a:ext cx="2649600" cy="1896840"/>
-          </a:xfrm>
-          <a:prstGeom prst="rect">
-            <a:avLst/>
-          </a:prstGeom>
-          <a:noFill/>
-          <a:ln w="0">
-            <a:noFill/>
-          </a:ln>
-        </p:spPr>
-        <p:txBody>
-          <a:bodyPr lIns="0" tIns="0" rIns="0" bIns="0" anchor="t">
-            <a:normAutofit/>
-          </a:bodyPr>
-          <a:lstStyle/>
-          <a:p>
-            <a:endParaRPr lang="es-AR" sz="3200" b="0" strike="noStrike" spc="-1">
-              <a:latin typeface="Arial"/>
-            </a:endParaRPr>
-          </a:p>
-        </p:txBody>
-      </p:sp>
-      <p:sp>
-        <p:nvSpPr>
-          <p:cNvPr id="73" name="PlaceHolder 5"/>
-          <p:cNvSpPr>
-            <a:spLocks noGrp="1"/>
-          </p:cNvSpPr>
-          <p:nvPr>
-            <p:ph/>
-          </p:nvPr>
-        </p:nvSpPr>
-        <p:spPr>
-          <a:xfrm>
-            <a:off x="457200" y="3682080"/>
-            <a:ext cx="2649600" cy="1896840"/>
-          </a:xfrm>
-          <a:prstGeom prst="rect">
-            <a:avLst/>
-          </a:prstGeom>
-          <a:noFill/>
-          <a:ln w="0">
-            <a:noFill/>
-          </a:ln>
-        </p:spPr>
-        <p:txBody>
-          <a:bodyPr lIns="0" tIns="0" rIns="0" bIns="0" anchor="t">
-            <a:normAutofit/>
-          </a:bodyPr>
-          <a:lstStyle/>
-          <a:p>
-            <a:endParaRPr lang="es-AR" sz="3200" b="0" strike="noStrike" spc="-1">
-              <a:latin typeface="Arial"/>
-            </a:endParaRPr>
-          </a:p>
-        </p:txBody>
-      </p:sp>
-      <p:sp>
-        <p:nvSpPr>
-          <p:cNvPr id="74" name="PlaceHolder 6"/>
-          <p:cNvSpPr>
-            <a:spLocks noGrp="1"/>
-          </p:cNvSpPr>
-          <p:nvPr>
-            <p:ph/>
-          </p:nvPr>
-        </p:nvSpPr>
-        <p:spPr>
-          <a:xfrm>
-            <a:off x="3239640" y="3682080"/>
-            <a:ext cx="2649600" cy="1896840"/>
-          </a:xfrm>
-          <a:prstGeom prst="rect">
-            <a:avLst/>
-          </a:prstGeom>
-          <a:noFill/>
-          <a:ln w="0">
-            <a:noFill/>
-          </a:ln>
-        </p:spPr>
-        <p:txBody>
-          <a:bodyPr lIns="0" tIns="0" rIns="0" bIns="0" anchor="t">
-            <a:normAutofit/>
-          </a:bodyPr>
-          <a:lstStyle/>
-          <a:p>
-            <a:endParaRPr lang="es-AR" sz="3200" b="0" strike="noStrike" spc="-1">
-              <a:latin typeface="Arial"/>
-            </a:endParaRPr>
-          </a:p>
-        </p:txBody>
-      </p:sp>
-      <p:sp>
-        <p:nvSpPr>
-          <p:cNvPr id="75" name="PlaceHolder 7"/>
-          <p:cNvSpPr>
-            <a:spLocks noGrp="1"/>
-          </p:cNvSpPr>
-          <p:nvPr>
-            <p:ph/>
-          </p:nvPr>
-        </p:nvSpPr>
-        <p:spPr>
-          <a:xfrm>
-            <a:off x="6022080" y="3682080"/>
-            <a:ext cx="2649600" cy="1896840"/>
-          </a:xfrm>
-          <a:prstGeom prst="rect">
-            <a:avLst/>
-          </a:prstGeom>
-          <a:noFill/>
-          <a:ln w="0">
-            <a:noFill/>
-          </a:ln>
-        </p:spPr>
-        <p:txBody>
-          <a:bodyPr lIns="0" tIns="0" rIns="0" bIns="0" anchor="t">
-            <a:normAutofit/>
-          </a:bodyPr>
-          <a:lstStyle/>
-          <a:p>
-            <a:endParaRPr lang="es-AR" sz="3200" b="0" strike="noStrike" spc="-1">
-              <a:latin typeface="Arial"/>
-            </a:endParaRPr>
-          </a:p>
-        </p:txBody>
-      </p:sp>
-    </p:spTree>
+    <p:extLst>
+      <p:ext uri="{BB962C8B-B14F-4D97-AF65-F5344CB8AC3E}">
+        <p14:creationId xmlns:p14="http://schemas.microsoft.com/office/powerpoint/2010/main" val="22526701"/>
+      </p:ext>
+    </p:extLst>
   </p:cSld>
   <p:clrMapOvr>
     <a:masterClrMapping/>
@@ -5018,12 +5890,9 @@
 <p:sldMaster xmlns:a="http://schemas.openxmlformats.org/drawingml/2006/main" xmlns:r="http://schemas.openxmlformats.org/officeDocument/2006/relationships" xmlns:p="http://schemas.openxmlformats.org/presentationml/2006/main">
   <p:cSld>
     <p:bg>
-      <p:bgPr>
-        <a:solidFill>
-          <a:srgbClr val="FFFFFF"/>
-        </a:solidFill>
-        <a:effectLst/>
-      </p:bgPr>
+      <p:bgRef idx="1001">
+        <a:schemeClr val="bg1"/>
+      </p:bgRef>
     </p:bg>
     <p:spTree>
       <p:nvGrpSpPr>
@@ -5041,7 +5910,7 @@
       </p:grpSpPr>
       <p:sp>
         <p:nvSpPr>
-          <p:cNvPr id="38" name="PlaceHolder 1"/>
+          <p:cNvPr id="2" name="Marcador de título 1"/>
           <p:cNvSpPr>
             <a:spLocks noGrp="1"/>
           </p:cNvSpPr>
@@ -5051,217 +5920,508 @@
         </p:nvSpPr>
         <p:spPr>
           <a:xfrm>
-            <a:off x="457200" y="273600"/>
-            <a:ext cx="8229240" cy="1144800"/>
-          </a:xfrm>
-          <a:prstGeom prst="rect">
-            <a:avLst/>
-          </a:prstGeom>
-          <a:noFill/>
-          <a:ln w="0">
-            <a:noFill/>
-          </a:ln>
-        </p:spPr>
-        <p:txBody>
-          <a:bodyPr lIns="0" tIns="0" rIns="0" bIns="0" anchor="ctr">
-            <a:noAutofit/>
-          </a:bodyPr>
-          <a:lstStyle/>
-          <a:p>
-            <a:pPr algn="ctr"/>
-            <a:r>
-              <a:rPr lang="es-AR" sz="4400" b="0" strike="noStrike" spc="-1">
-                <a:latin typeface="Arial"/>
-              </a:rPr>
-              <a:t>Pulse para editar el formato del texto de título</a:t>
-            </a:r>
-          </a:p>
-        </p:txBody>
-      </p:sp>
-      <p:sp>
-        <p:nvSpPr>
-          <p:cNvPr id="39" name="PlaceHolder 2"/>
-          <p:cNvSpPr>
-            <a:spLocks noGrp="1"/>
-          </p:cNvSpPr>
-          <p:nvPr>
-            <p:ph type="body"/>
-          </p:nvPr>
-        </p:nvSpPr>
-        <p:spPr>
-          <a:xfrm>
-            <a:off x="457200" y="1604520"/>
-            <a:ext cx="8229240" cy="3977280"/>
-          </a:xfrm>
-          <a:prstGeom prst="rect">
-            <a:avLst/>
-          </a:prstGeom>
-          <a:noFill/>
-          <a:ln w="0">
-            <a:noFill/>
-          </a:ln>
-        </p:spPr>
-        <p:txBody>
-          <a:bodyPr lIns="0" tIns="0" rIns="0" bIns="0" anchor="t">
+            <a:off x="628650" y="365126"/>
+            <a:ext cx="7886700" cy="1325563"/>
+          </a:xfrm>
+          <a:prstGeom prst="rect">
+            <a:avLst/>
+          </a:prstGeom>
+        </p:spPr>
+        <p:txBody>
+          <a:bodyPr vert="horz" lIns="91440" tIns="45720" rIns="91440" bIns="45720" rtlCol="0" anchor="ctr">
             <a:normAutofit/>
           </a:bodyPr>
           <a:lstStyle/>
           <a:p>
-            <a:pPr marL="432000" indent="-324000">
-              <a:spcBef>
-                <a:spcPts val="1417"/>
-              </a:spcBef>
-              <a:buClr>
-                <a:srgbClr val="000000"/>
-              </a:buClr>
-              <a:buSzPct val="45000"/>
-              <a:buFont typeface="Wingdings" charset="2"/>
-              <a:buChar char=""/>
-            </a:pPr>
-            <a:r>
-              <a:rPr lang="es-AR" sz="3200" b="0" strike="noStrike" spc="-1">
-                <a:latin typeface="Arial"/>
-              </a:rPr>
-              <a:t>Pulse para editar el formato de texto del esquema</a:t>
-            </a:r>
-          </a:p>
-          <a:p>
-            <a:pPr marL="864000" lvl="1" indent="-324000">
-              <a:spcBef>
-                <a:spcPts val="1134"/>
-              </a:spcBef>
-              <a:buClr>
-                <a:srgbClr val="000000"/>
-              </a:buClr>
-              <a:buSzPct val="75000"/>
-              <a:buFont typeface="Symbol" charset="2"/>
-              <a:buChar char=""/>
-            </a:pPr>
-            <a:r>
-              <a:rPr lang="es-AR" sz="2800" b="0" strike="noStrike" spc="-1">
-                <a:latin typeface="Arial"/>
-              </a:rPr>
-              <a:t>Segundo nivel del esquema</a:t>
-            </a:r>
-          </a:p>
-          <a:p>
-            <a:pPr marL="1296000" lvl="2" indent="-288000">
-              <a:spcBef>
-                <a:spcPts val="850"/>
-              </a:spcBef>
-              <a:buClr>
-                <a:srgbClr val="000000"/>
-              </a:buClr>
-              <a:buSzPct val="45000"/>
-              <a:buFont typeface="Wingdings" charset="2"/>
-              <a:buChar char=""/>
-            </a:pPr>
-            <a:r>
-              <a:rPr lang="es-AR" sz="2400" b="0" strike="noStrike" spc="-1">
-                <a:latin typeface="Arial"/>
-              </a:rPr>
-              <a:t>Tercer nivel del esquema</a:t>
-            </a:r>
-          </a:p>
-          <a:p>
-            <a:pPr marL="1728000" lvl="3" indent="-216000">
-              <a:spcBef>
-                <a:spcPts val="567"/>
-              </a:spcBef>
-              <a:buClr>
-                <a:srgbClr val="000000"/>
-              </a:buClr>
-              <a:buSzPct val="75000"/>
-              <a:buFont typeface="Symbol" charset="2"/>
-              <a:buChar char=""/>
-            </a:pPr>
-            <a:r>
-              <a:rPr lang="es-AR" sz="2000" b="0" strike="noStrike" spc="-1">
-                <a:latin typeface="Arial"/>
-              </a:rPr>
-              <a:t>Cuarto nivel del esquema</a:t>
-            </a:r>
-          </a:p>
-          <a:p>
-            <a:pPr marL="2160000" lvl="4" indent="-216000">
-              <a:spcBef>
-                <a:spcPts val="283"/>
-              </a:spcBef>
-              <a:buClr>
-                <a:srgbClr val="000000"/>
-              </a:buClr>
-              <a:buSzPct val="45000"/>
-              <a:buFont typeface="Wingdings" charset="2"/>
-              <a:buChar char=""/>
-            </a:pPr>
-            <a:r>
-              <a:rPr lang="es-AR" sz="2000" b="0" strike="noStrike" spc="-1">
-                <a:latin typeface="Arial"/>
-              </a:rPr>
-              <a:t>Quinto nivel del esquema</a:t>
-            </a:r>
-          </a:p>
-          <a:p>
-            <a:pPr marL="2592000" lvl="5" indent="-216000">
-              <a:spcBef>
-                <a:spcPts val="283"/>
-              </a:spcBef>
-              <a:buClr>
-                <a:srgbClr val="000000"/>
-              </a:buClr>
-              <a:buSzPct val="45000"/>
-              <a:buFont typeface="Wingdings" charset="2"/>
-              <a:buChar char=""/>
-            </a:pPr>
-            <a:r>
-              <a:rPr lang="es-AR" sz="2000" b="0" strike="noStrike" spc="-1">
-                <a:latin typeface="Arial"/>
-              </a:rPr>
-              <a:t>Sexto nivel del esquema</a:t>
-            </a:r>
-          </a:p>
-          <a:p>
-            <a:pPr marL="3024000" lvl="6" indent="-216000">
-              <a:spcBef>
-                <a:spcPts val="283"/>
-              </a:spcBef>
-              <a:buClr>
-                <a:srgbClr val="000000"/>
-              </a:buClr>
-              <a:buSzPct val="45000"/>
-              <a:buFont typeface="Wingdings" charset="2"/>
-              <a:buChar char=""/>
-            </a:pPr>
-            <a:r>
-              <a:rPr lang="es-AR" sz="2000" b="0" strike="noStrike" spc="-1">
-                <a:latin typeface="Arial"/>
-              </a:rPr>
-              <a:t>Séptimo nivel del esquema</a:t>
-            </a:r>
+            <a:r>
+              <a:rPr lang="es-ES" smtClean="0"/>
+              <a:t>Haga clic para modificar el estilo de título del patrón</a:t>
+            </a:r>
+            <a:endParaRPr lang="es-AR"/>
+          </a:p>
+        </p:txBody>
+      </p:sp>
+      <p:sp>
+        <p:nvSpPr>
+          <p:cNvPr id="3" name="Marcador de texto 2"/>
+          <p:cNvSpPr>
+            <a:spLocks noGrp="1"/>
+          </p:cNvSpPr>
+          <p:nvPr>
+            <p:ph type="body" idx="1"/>
+          </p:nvPr>
+        </p:nvSpPr>
+        <p:spPr>
+          <a:xfrm>
+            <a:off x="628650" y="1825625"/>
+            <a:ext cx="7886700" cy="4351338"/>
+          </a:xfrm>
+          <a:prstGeom prst="rect">
+            <a:avLst/>
+          </a:prstGeom>
+        </p:spPr>
+        <p:txBody>
+          <a:bodyPr vert="horz" lIns="91440" tIns="45720" rIns="91440" bIns="45720" rtlCol="0">
+            <a:normAutofit/>
+          </a:bodyPr>
+          <a:lstStyle/>
+          <a:p>
+            <a:pPr lvl="0"/>
+            <a:r>
+              <a:rPr lang="es-ES" smtClean="0"/>
+              <a:t>Haga clic para modificar el estilo de texto del patrón</a:t>
+            </a:r>
+          </a:p>
+          <a:p>
+            <a:pPr lvl="1"/>
+            <a:r>
+              <a:rPr lang="es-ES" smtClean="0"/>
+              <a:t>Segundo nivel</a:t>
+            </a:r>
+          </a:p>
+          <a:p>
+            <a:pPr lvl="2"/>
+            <a:r>
+              <a:rPr lang="es-ES" smtClean="0"/>
+              <a:t>Tercer nivel</a:t>
+            </a:r>
+          </a:p>
+          <a:p>
+            <a:pPr lvl="3"/>
+            <a:r>
+              <a:rPr lang="es-ES" smtClean="0"/>
+              <a:t>Cuarto nivel</a:t>
+            </a:r>
+          </a:p>
+          <a:p>
+            <a:pPr lvl="4"/>
+            <a:r>
+              <a:rPr lang="es-ES" smtClean="0"/>
+              <a:t>Quinto nivel</a:t>
+            </a:r>
+            <a:endParaRPr lang="es-AR"/>
+          </a:p>
+        </p:txBody>
+      </p:sp>
+      <p:sp>
+        <p:nvSpPr>
+          <p:cNvPr id="4" name="Marcador de fecha 3"/>
+          <p:cNvSpPr>
+            <a:spLocks noGrp="1"/>
+          </p:cNvSpPr>
+          <p:nvPr>
+            <p:ph type="dt" sz="half" idx="2"/>
+          </p:nvPr>
+        </p:nvSpPr>
+        <p:spPr>
+          <a:xfrm>
+            <a:off x="628650" y="6356351"/>
+            <a:ext cx="2057400" cy="365125"/>
+          </a:xfrm>
+          <a:prstGeom prst="rect">
+            <a:avLst/>
+          </a:prstGeom>
+        </p:spPr>
+        <p:txBody>
+          <a:bodyPr vert="horz" lIns="91440" tIns="45720" rIns="91440" bIns="45720" rtlCol="0" anchor="ctr"/>
+          <a:lstStyle>
+            <a:lvl1pPr algn="l">
+              <a:defRPr sz="900">
+                <a:solidFill>
+                  <a:schemeClr val="tx1">
+                    <a:tint val="75000"/>
+                  </a:schemeClr>
+                </a:solidFill>
+              </a:defRPr>
+            </a:lvl1pPr>
+          </a:lstStyle>
+          <a:p>
+            <a:fld id="{41FD5431-53B5-4D35-9FE8-D68895F22516}" type="datetimeFigureOut">
+              <a:rPr lang="es-AR" smtClean="0"/>
+              <a:t>6/10/2025</a:t>
+            </a:fld>
+            <a:endParaRPr lang="es-AR"/>
+          </a:p>
+        </p:txBody>
+      </p:sp>
+      <p:sp>
+        <p:nvSpPr>
+          <p:cNvPr id="5" name="Marcador de pie de página 4"/>
+          <p:cNvSpPr>
+            <a:spLocks noGrp="1"/>
+          </p:cNvSpPr>
+          <p:nvPr>
+            <p:ph type="ftr" sz="quarter" idx="3"/>
+          </p:nvPr>
+        </p:nvSpPr>
+        <p:spPr>
+          <a:xfrm>
+            <a:off x="3028950" y="6356351"/>
+            <a:ext cx="3086100" cy="365125"/>
+          </a:xfrm>
+          <a:prstGeom prst="rect">
+            <a:avLst/>
+          </a:prstGeom>
+        </p:spPr>
+        <p:txBody>
+          <a:bodyPr vert="horz" lIns="91440" tIns="45720" rIns="91440" bIns="45720" rtlCol="0" anchor="ctr"/>
+          <a:lstStyle>
+            <a:lvl1pPr algn="ctr">
+              <a:defRPr sz="900">
+                <a:solidFill>
+                  <a:schemeClr val="tx1">
+                    <a:tint val="75000"/>
+                  </a:schemeClr>
+                </a:solidFill>
+              </a:defRPr>
+            </a:lvl1pPr>
+          </a:lstStyle>
+          <a:p>
+            <a:endParaRPr lang="es-AR"/>
+          </a:p>
+        </p:txBody>
+      </p:sp>
+      <p:sp>
+        <p:nvSpPr>
+          <p:cNvPr id="6" name="Marcador de número de diapositiva 5"/>
+          <p:cNvSpPr>
+            <a:spLocks noGrp="1"/>
+          </p:cNvSpPr>
+          <p:nvPr>
+            <p:ph type="sldNum" sz="quarter" idx="4"/>
+          </p:nvPr>
+        </p:nvSpPr>
+        <p:spPr>
+          <a:xfrm>
+            <a:off x="6457950" y="6356351"/>
+            <a:ext cx="2057400" cy="365125"/>
+          </a:xfrm>
+          <a:prstGeom prst="rect">
+            <a:avLst/>
+          </a:prstGeom>
+        </p:spPr>
+        <p:txBody>
+          <a:bodyPr vert="horz" lIns="91440" tIns="45720" rIns="91440" bIns="45720" rtlCol="0" anchor="ctr"/>
+          <a:lstStyle>
+            <a:lvl1pPr algn="r">
+              <a:defRPr sz="900">
+                <a:solidFill>
+                  <a:schemeClr val="tx1">
+                    <a:tint val="75000"/>
+                  </a:schemeClr>
+                </a:solidFill>
+              </a:defRPr>
+            </a:lvl1pPr>
+          </a:lstStyle>
+          <a:p>
+            <a:fld id="{8EBB5510-15E7-4E0C-9BAE-7CDF35ABC9B6}" type="slidenum">
+              <a:rPr lang="es-AR" smtClean="0"/>
+              <a:t>‹Nº›</a:t>
+            </a:fld>
+            <a:endParaRPr lang="es-AR"/>
           </a:p>
         </p:txBody>
       </p:sp>
     </p:spTree>
+    <p:extLst>
+      <p:ext uri="{BB962C8B-B14F-4D97-AF65-F5344CB8AC3E}">
+        <p14:creationId xmlns:p14="http://schemas.microsoft.com/office/powerpoint/2010/main" val="48812344"/>
+      </p:ext>
+    </p:extLst>
   </p:cSld>
   <p:clrMap bg1="lt1" tx1="dk1" bg2="lt2" tx2="dk2" accent1="accent1" accent2="accent2" accent3="accent3" accent4="accent4" accent5="accent5" accent6="accent6" hlink="hlink" folHlink="folHlink"/>
   <p:sldLayoutIdLst>
-    <p:sldLayoutId id="2147483662" r:id="rId1"/>
-    <p:sldLayoutId id="2147483663" r:id="rId2"/>
-    <p:sldLayoutId id="2147483664" r:id="rId3"/>
-    <p:sldLayoutId id="2147483665" r:id="rId4"/>
-    <p:sldLayoutId id="2147483666" r:id="rId5"/>
-    <p:sldLayoutId id="2147483667" r:id="rId6"/>
-    <p:sldLayoutId id="2147483668" r:id="rId7"/>
-    <p:sldLayoutId id="2147483669" r:id="rId8"/>
-    <p:sldLayoutId id="2147483670" r:id="rId9"/>
-    <p:sldLayoutId id="2147483671" r:id="rId10"/>
-    <p:sldLayoutId id="2147483672" r:id="rId11"/>
-    <p:sldLayoutId id="2147483673" r:id="rId12"/>
+    <p:sldLayoutId id="2147483687" r:id="rId1"/>
+    <p:sldLayoutId id="2147483688" r:id="rId2"/>
+    <p:sldLayoutId id="2147483689" r:id="rId3"/>
+    <p:sldLayoutId id="2147483690" r:id="rId4"/>
+    <p:sldLayoutId id="2147483691" r:id="rId5"/>
+    <p:sldLayoutId id="2147483692" r:id="rId6"/>
+    <p:sldLayoutId id="2147483693" r:id="rId7"/>
+    <p:sldLayoutId id="2147483694" r:id="rId8"/>
+    <p:sldLayoutId id="2147483695" r:id="rId9"/>
+    <p:sldLayoutId id="2147483696" r:id="rId10"/>
+    <p:sldLayoutId id="2147483697" r:id="rId11"/>
   </p:sldLayoutIdLst>
   <p:txStyles>
-    <p:titleStyle/>
-    <p:bodyStyle/>
-    <p:otherStyle/>
+    <p:titleStyle>
+      <a:lvl1pPr algn="l" defTabSz="685800" rtl="0" eaLnBrk="1" latinLnBrk="0" hangingPunct="1">
+        <a:lnSpc>
+          <a:spcPct val="90000"/>
+        </a:lnSpc>
+        <a:spcBef>
+          <a:spcPct val="0"/>
+        </a:spcBef>
+        <a:buNone/>
+        <a:defRPr sz="3300" kern="1200">
+          <a:solidFill>
+            <a:schemeClr val="tx1"/>
+          </a:solidFill>
+          <a:latin typeface="+mj-lt"/>
+          <a:ea typeface="+mj-ea"/>
+          <a:cs typeface="+mj-cs"/>
+        </a:defRPr>
+      </a:lvl1pPr>
+    </p:titleStyle>
+    <p:bodyStyle>
+      <a:lvl1pPr marL="171450" indent="-171450" algn="l" defTabSz="685800" rtl="0" eaLnBrk="1" latinLnBrk="0" hangingPunct="1">
+        <a:lnSpc>
+          <a:spcPct val="90000"/>
+        </a:lnSpc>
+        <a:spcBef>
+          <a:spcPts val="750"/>
+        </a:spcBef>
+        <a:buFont typeface="Arial" panose="020B0604020202020204" pitchFamily="34" charset="0"/>
+        <a:buChar char="•"/>
+        <a:defRPr sz="2100" kern="1200">
+          <a:solidFill>
+            <a:schemeClr val="tx1"/>
+          </a:solidFill>
+          <a:latin typeface="+mn-lt"/>
+          <a:ea typeface="+mn-ea"/>
+          <a:cs typeface="+mn-cs"/>
+        </a:defRPr>
+      </a:lvl1pPr>
+      <a:lvl2pPr marL="514350" indent="-171450" algn="l" defTabSz="685800" rtl="0" eaLnBrk="1" latinLnBrk="0" hangingPunct="1">
+        <a:lnSpc>
+          <a:spcPct val="90000"/>
+        </a:lnSpc>
+        <a:spcBef>
+          <a:spcPts val="375"/>
+        </a:spcBef>
+        <a:buFont typeface="Arial" panose="020B0604020202020204" pitchFamily="34" charset="0"/>
+        <a:buChar char="•"/>
+        <a:defRPr sz="1800" kern="1200">
+          <a:solidFill>
+            <a:schemeClr val="tx1"/>
+          </a:solidFill>
+          <a:latin typeface="+mn-lt"/>
+          <a:ea typeface="+mn-ea"/>
+          <a:cs typeface="+mn-cs"/>
+        </a:defRPr>
+      </a:lvl2pPr>
+      <a:lvl3pPr marL="857250" indent="-171450" algn="l" defTabSz="685800" rtl="0" eaLnBrk="1" latinLnBrk="0" hangingPunct="1">
+        <a:lnSpc>
+          <a:spcPct val="90000"/>
+        </a:lnSpc>
+        <a:spcBef>
+          <a:spcPts val="375"/>
+        </a:spcBef>
+        <a:buFont typeface="Arial" panose="020B0604020202020204" pitchFamily="34" charset="0"/>
+        <a:buChar char="•"/>
+        <a:defRPr sz="1500" kern="1200">
+          <a:solidFill>
+            <a:schemeClr val="tx1"/>
+          </a:solidFill>
+          <a:latin typeface="+mn-lt"/>
+          <a:ea typeface="+mn-ea"/>
+          <a:cs typeface="+mn-cs"/>
+        </a:defRPr>
+      </a:lvl3pPr>
+      <a:lvl4pPr marL="1200150" indent="-171450" algn="l" defTabSz="685800" rtl="0" eaLnBrk="1" latinLnBrk="0" hangingPunct="1">
+        <a:lnSpc>
+          <a:spcPct val="90000"/>
+        </a:lnSpc>
+        <a:spcBef>
+          <a:spcPts val="375"/>
+        </a:spcBef>
+        <a:buFont typeface="Arial" panose="020B0604020202020204" pitchFamily="34" charset="0"/>
+        <a:buChar char="•"/>
+        <a:defRPr sz="1350" kern="1200">
+          <a:solidFill>
+            <a:schemeClr val="tx1"/>
+          </a:solidFill>
+          <a:latin typeface="+mn-lt"/>
+          <a:ea typeface="+mn-ea"/>
+          <a:cs typeface="+mn-cs"/>
+        </a:defRPr>
+      </a:lvl4pPr>
+      <a:lvl5pPr marL="1543050" indent="-171450" algn="l" defTabSz="685800" rtl="0" eaLnBrk="1" latinLnBrk="0" hangingPunct="1">
+        <a:lnSpc>
+          <a:spcPct val="90000"/>
+        </a:lnSpc>
+        <a:spcBef>
+          <a:spcPts val="375"/>
+        </a:spcBef>
+        <a:buFont typeface="Arial" panose="020B0604020202020204" pitchFamily="34" charset="0"/>
+        <a:buChar char="•"/>
+        <a:defRPr sz="1350" kern="1200">
+          <a:solidFill>
+            <a:schemeClr val="tx1"/>
+          </a:solidFill>
+          <a:latin typeface="+mn-lt"/>
+          <a:ea typeface="+mn-ea"/>
+          <a:cs typeface="+mn-cs"/>
+        </a:defRPr>
+      </a:lvl5pPr>
+      <a:lvl6pPr marL="1885950" indent="-171450" algn="l" defTabSz="685800" rtl="0" eaLnBrk="1" latinLnBrk="0" hangingPunct="1">
+        <a:lnSpc>
+          <a:spcPct val="90000"/>
+        </a:lnSpc>
+        <a:spcBef>
+          <a:spcPts val="375"/>
+        </a:spcBef>
+        <a:buFont typeface="Arial" panose="020B0604020202020204" pitchFamily="34" charset="0"/>
+        <a:buChar char="•"/>
+        <a:defRPr sz="1350" kern="1200">
+          <a:solidFill>
+            <a:schemeClr val="tx1"/>
+          </a:solidFill>
+          <a:latin typeface="+mn-lt"/>
+          <a:ea typeface="+mn-ea"/>
+          <a:cs typeface="+mn-cs"/>
+        </a:defRPr>
+      </a:lvl6pPr>
+      <a:lvl7pPr marL="2228850" indent="-171450" algn="l" defTabSz="685800" rtl="0" eaLnBrk="1" latinLnBrk="0" hangingPunct="1">
+        <a:lnSpc>
+          <a:spcPct val="90000"/>
+        </a:lnSpc>
+        <a:spcBef>
+          <a:spcPts val="375"/>
+        </a:spcBef>
+        <a:buFont typeface="Arial" panose="020B0604020202020204" pitchFamily="34" charset="0"/>
+        <a:buChar char="•"/>
+        <a:defRPr sz="1350" kern="1200">
+          <a:solidFill>
+            <a:schemeClr val="tx1"/>
+          </a:solidFill>
+          <a:latin typeface="+mn-lt"/>
+          <a:ea typeface="+mn-ea"/>
+          <a:cs typeface="+mn-cs"/>
+        </a:defRPr>
+      </a:lvl7pPr>
+      <a:lvl8pPr marL="2571750" indent="-171450" algn="l" defTabSz="685800" rtl="0" eaLnBrk="1" latinLnBrk="0" hangingPunct="1">
+        <a:lnSpc>
+          <a:spcPct val="90000"/>
+        </a:lnSpc>
+        <a:spcBef>
+          <a:spcPts val="375"/>
+        </a:spcBef>
+        <a:buFont typeface="Arial" panose="020B0604020202020204" pitchFamily="34" charset="0"/>
+        <a:buChar char="•"/>
+        <a:defRPr sz="1350" kern="1200">
+          <a:solidFill>
+            <a:schemeClr val="tx1"/>
+          </a:solidFill>
+          <a:latin typeface="+mn-lt"/>
+          <a:ea typeface="+mn-ea"/>
+          <a:cs typeface="+mn-cs"/>
+        </a:defRPr>
+      </a:lvl8pPr>
+      <a:lvl9pPr marL="2914650" indent="-171450" algn="l" defTabSz="685800" rtl="0" eaLnBrk="1" latinLnBrk="0" hangingPunct="1">
+        <a:lnSpc>
+          <a:spcPct val="90000"/>
+        </a:lnSpc>
+        <a:spcBef>
+          <a:spcPts val="375"/>
+        </a:spcBef>
+        <a:buFont typeface="Arial" panose="020B0604020202020204" pitchFamily="34" charset="0"/>
+        <a:buChar char="•"/>
+        <a:defRPr sz="1350" kern="1200">
+          <a:solidFill>
+            <a:schemeClr val="tx1"/>
+          </a:solidFill>
+          <a:latin typeface="+mn-lt"/>
+          <a:ea typeface="+mn-ea"/>
+          <a:cs typeface="+mn-cs"/>
+        </a:defRPr>
+      </a:lvl9pPr>
+    </p:bodyStyle>
+    <p:otherStyle>
+      <a:defPPr>
+        <a:defRPr lang="es-AR"/>
+      </a:defPPr>
+      <a:lvl1pPr marL="0" algn="l" defTabSz="685800" rtl="0" eaLnBrk="1" latinLnBrk="0" hangingPunct="1">
+        <a:defRPr sz="1350" kern="1200">
+          <a:solidFill>
+            <a:schemeClr val="tx1"/>
+          </a:solidFill>
+          <a:latin typeface="+mn-lt"/>
+          <a:ea typeface="+mn-ea"/>
+          <a:cs typeface="+mn-cs"/>
+        </a:defRPr>
+      </a:lvl1pPr>
+      <a:lvl2pPr marL="342900" algn="l" defTabSz="685800" rtl="0" eaLnBrk="1" latinLnBrk="0" hangingPunct="1">
+        <a:defRPr sz="1350" kern="1200">
+          <a:solidFill>
+            <a:schemeClr val="tx1"/>
+          </a:solidFill>
+          <a:latin typeface="+mn-lt"/>
+          <a:ea typeface="+mn-ea"/>
+          <a:cs typeface="+mn-cs"/>
+        </a:defRPr>
+      </a:lvl2pPr>
+      <a:lvl3pPr marL="685800" algn="l" defTabSz="685800" rtl="0" eaLnBrk="1" latinLnBrk="0" hangingPunct="1">
+        <a:defRPr sz="1350" kern="1200">
+          <a:solidFill>
+            <a:schemeClr val="tx1"/>
+          </a:solidFill>
+          <a:latin typeface="+mn-lt"/>
+          <a:ea typeface="+mn-ea"/>
+          <a:cs typeface="+mn-cs"/>
+        </a:defRPr>
+      </a:lvl3pPr>
+      <a:lvl4pPr marL="1028700" algn="l" defTabSz="685800" rtl="0" eaLnBrk="1" latinLnBrk="0" hangingPunct="1">
+        <a:defRPr sz="1350" kern="1200">
+          <a:solidFill>
+            <a:schemeClr val="tx1"/>
+          </a:solidFill>
+          <a:latin typeface="+mn-lt"/>
+          <a:ea typeface="+mn-ea"/>
+          <a:cs typeface="+mn-cs"/>
+        </a:defRPr>
+      </a:lvl4pPr>
+      <a:lvl5pPr marL="1371600" algn="l" defTabSz="685800" rtl="0" eaLnBrk="1" latinLnBrk="0" hangingPunct="1">
+        <a:defRPr sz="1350" kern="1200">
+          <a:solidFill>
+            <a:schemeClr val="tx1"/>
+          </a:solidFill>
+          <a:latin typeface="+mn-lt"/>
+          <a:ea typeface="+mn-ea"/>
+          <a:cs typeface="+mn-cs"/>
+        </a:defRPr>
+      </a:lvl5pPr>
+      <a:lvl6pPr marL="1714500" algn="l" defTabSz="685800" rtl="0" eaLnBrk="1" latinLnBrk="0" hangingPunct="1">
+        <a:defRPr sz="1350" kern="1200">
+          <a:solidFill>
+            <a:schemeClr val="tx1"/>
+          </a:solidFill>
+          <a:latin typeface="+mn-lt"/>
+          <a:ea typeface="+mn-ea"/>
+          <a:cs typeface="+mn-cs"/>
+        </a:defRPr>
+      </a:lvl6pPr>
+      <a:lvl7pPr marL="2057400" algn="l" defTabSz="685800" rtl="0" eaLnBrk="1" latinLnBrk="0" hangingPunct="1">
+        <a:defRPr sz="1350" kern="1200">
+          <a:solidFill>
+            <a:schemeClr val="tx1"/>
+          </a:solidFill>
+          <a:latin typeface="+mn-lt"/>
+          <a:ea typeface="+mn-ea"/>
+          <a:cs typeface="+mn-cs"/>
+        </a:defRPr>
+      </a:lvl7pPr>
+      <a:lvl8pPr marL="2400300" algn="l" defTabSz="685800" rtl="0" eaLnBrk="1" latinLnBrk="0" hangingPunct="1">
+        <a:defRPr sz="1350" kern="1200">
+          <a:solidFill>
+            <a:schemeClr val="tx1"/>
+          </a:solidFill>
+          <a:latin typeface="+mn-lt"/>
+          <a:ea typeface="+mn-ea"/>
+          <a:cs typeface="+mn-cs"/>
+        </a:defRPr>
+      </a:lvl8pPr>
+      <a:lvl9pPr marL="2743200" algn="l" defTabSz="685800" rtl="0" eaLnBrk="1" latinLnBrk="0" hangingPunct="1">
+        <a:defRPr sz="1350" kern="1200">
+          <a:solidFill>
+            <a:schemeClr val="tx1"/>
+          </a:solidFill>
+          <a:latin typeface="+mn-lt"/>
+          <a:ea typeface="+mn-ea"/>
+          <a:cs typeface="+mn-cs"/>
+        </a:defRPr>
+      </a:lvl9pPr>
+    </p:otherStyle>
   </p:txStyles>
 </p:sldMaster>
 </file>
@@ -5464,6 +6624,202 @@
         </p:style>
       </p:cxnSp>
     </p:spTree>
+  </p:cSld>
+  <p:clrMapOvr>
+    <a:masterClrMapping/>
+  </p:clrMapOvr>
+  <mc:AlternateContent xmlns:mc="http://schemas.openxmlformats.org/markup-compatibility/2006" xmlns:p14="http://schemas.microsoft.com/office/powerpoint/2010/main">
+    <mc:Choice Requires="p14">
+      <p:transition spd="slow" p14:dur="2000"/>
+    </mc:Choice>
+    <mc:Fallback xmlns="">
+      <p:transition spd="slow"/>
+    </mc:Fallback>
+  </mc:AlternateContent>
+  <p:timing>
+    <p:tnLst>
+      <p:par>
+        <p:cTn id="1" dur="indefinite" restart="never" nodeType="tmRoot"/>
+      </p:par>
+    </p:tnLst>
+  </p:timing>
+</p:sld>
+</file>
+
+<file path=ppt/slides/slide10.xml><?xml version="1.0" encoding="utf-8"?>
+<p:sld xmlns:a="http://schemas.openxmlformats.org/drawingml/2006/main" xmlns:r="http://schemas.openxmlformats.org/officeDocument/2006/relationships" xmlns:p="http://schemas.openxmlformats.org/presentationml/2006/main">
+  <p:cSld>
+    <p:bg>
+      <p:bgPr>
+        <a:solidFill>
+          <a:srgbClr val="174574"/>
+        </a:solidFill>
+        <a:effectLst/>
+      </p:bgPr>
+    </p:bg>
+    <p:spTree>
+      <p:nvGrpSpPr>
+        <p:cNvPr id="1" name=""/>
+        <p:cNvGrpSpPr/>
+        <p:nvPr/>
+      </p:nvGrpSpPr>
+      <p:grpSpPr>
+        <a:xfrm>
+          <a:off x="0" y="0"/>
+          <a:ext cx="0" cy="0"/>
+          <a:chOff x="0" y="0"/>
+          <a:chExt cx="0" cy="0"/>
+        </a:xfrm>
+      </p:grpSpPr>
+      <p:pic>
+        <p:nvPicPr>
+          <p:cNvPr id="142" name="141 Imagen"/>
+          <p:cNvPicPr/>
+          <p:nvPr/>
+        </p:nvPicPr>
+        <p:blipFill>
+          <a:blip r:embed="rId3" cstate="print"/>
+          <a:stretch/>
+        </p:blipFill>
+        <p:spPr>
+          <a:xfrm>
+            <a:off x="360" y="5897520"/>
+            <a:ext cx="9143280" cy="960120"/>
+          </a:xfrm>
+          <a:prstGeom prst="rect">
+            <a:avLst/>
+          </a:prstGeom>
+          <a:ln w="0">
+            <a:noFill/>
+          </a:ln>
+        </p:spPr>
+      </p:pic>
+      <p:grpSp>
+        <p:nvGrpSpPr>
+          <p:cNvPr id="17" name="15 Grupo"/>
+          <p:cNvGrpSpPr/>
+          <p:nvPr/>
+        </p:nvGrpSpPr>
+        <p:grpSpPr>
+          <a:xfrm>
+            <a:off x="540000" y="482760"/>
+            <a:ext cx="8298220" cy="952653"/>
+            <a:chOff x="540000" y="482760"/>
+            <a:chExt cx="6802560" cy="952653"/>
+          </a:xfrm>
+        </p:grpSpPr>
+        <p:pic>
+          <p:nvPicPr>
+            <p:cNvPr id="18" name="Picture 2" descr="C:\Users\jpavoni\Downloads\ELEMENTOS PARA WEB\ELEMENTOS PARA WEB\CAPA 2 nueva\PARTICIPACION CIUDADANA\BANNERS Y BOTONES-02.jpg"/>
+            <p:cNvPicPr/>
+            <p:nvPr/>
+          </p:nvPicPr>
+          <p:blipFill>
+            <a:blip r:embed="rId4" cstate="print"/>
+            <a:srcRect l="5396" t="37233" r="86991" b="50737"/>
+            <a:stretch/>
+          </p:blipFill>
+          <p:spPr>
+            <a:xfrm>
+              <a:off x="540000" y="482760"/>
+              <a:ext cx="645480" cy="573480"/>
+            </a:xfrm>
+            <a:prstGeom prst="rect">
+              <a:avLst/>
+            </a:prstGeom>
+            <a:ln w="0">
+              <a:noFill/>
+            </a:ln>
+          </p:spPr>
+        </p:pic>
+        <p:sp>
+          <p:nvSpPr>
+            <p:cNvPr id="19" name="13 Rectángulo"/>
+            <p:cNvSpPr/>
+            <p:nvPr/>
+          </p:nvSpPr>
+          <p:spPr>
+            <a:xfrm>
+              <a:off x="1008360" y="482760"/>
+              <a:ext cx="6334200" cy="952653"/>
+            </a:xfrm>
+            <a:prstGeom prst="rect">
+              <a:avLst/>
+            </a:prstGeom>
+            <a:noFill/>
+            <a:ln w="0">
+              <a:noFill/>
+            </a:ln>
+          </p:spPr>
+          <p:style>
+            <a:lnRef idx="0">
+              <a:scrgbClr r="0" g="0" b="0"/>
+            </a:lnRef>
+            <a:fillRef idx="0">
+              <a:scrgbClr r="0" g="0" b="0"/>
+            </a:fillRef>
+            <a:effectRef idx="0">
+              <a:scrgbClr r="0" g="0" b="0"/>
+            </a:effectRef>
+            <a:fontRef idx="minor"/>
+          </p:style>
+          <p:txBody>
+            <a:bodyPr lIns="90000" tIns="45000" rIns="90000" bIns="45000" anchor="t">
+              <a:spAutoFit/>
+            </a:bodyPr>
+            <a:lstStyle/>
+            <a:p>
+              <a:pPr>
+                <a:lnSpc>
+                  <a:spcPct val="100000"/>
+                </a:lnSpc>
+              </a:pPr>
+              <a:r>
+                <a:rPr lang="es-MX" sz="2800" spc="-1" dirty="0" smtClean="0">
+                  <a:solidFill>
+                    <a:srgbClr val="FFFFFF"/>
+                  </a:solidFill>
+                  <a:latin typeface="Alfabet ExtraBold"/>
+                </a:rPr>
+                <a:t>Movimientos - Imprimir Reporte Provincia</a:t>
+              </a:r>
+              <a:endParaRPr lang="es-AR" sz="2800" b="0" strike="noStrike" spc="-1" dirty="0">
+                <a:latin typeface="Arial"/>
+              </a:endParaRPr>
+            </a:p>
+          </p:txBody>
+        </p:sp>
+      </p:grpSp>
+      <p:pic>
+        <p:nvPicPr>
+          <p:cNvPr id="5" name="Imagen 4"/>
+          <p:cNvPicPr>
+            <a:picLocks noChangeAspect="1"/>
+          </p:cNvPicPr>
+          <p:nvPr/>
+        </p:nvPicPr>
+        <p:blipFill>
+          <a:blip r:embed="rId5"/>
+          <a:stretch>
+            <a:fillRect/>
+          </a:stretch>
+        </p:blipFill>
+        <p:spPr>
+          <a:xfrm>
+            <a:off x="700136" y="1056240"/>
+            <a:ext cx="7670032" cy="5297373"/>
+          </a:xfrm>
+          <a:prstGeom prst="rect">
+            <a:avLst/>
+          </a:prstGeom>
+        </p:spPr>
+      </p:pic>
+    </p:spTree>
+    <p:extLst>
+      <p:ext uri="{BB962C8B-B14F-4D97-AF65-F5344CB8AC3E}">
+        <p14:creationId xmlns:p14="http://schemas.microsoft.com/office/powerpoint/2010/main" val="4277792552"/>
+      </p:ext>
+    </p:extLst>
   </p:cSld>
   <p:clrMapOvr>
     <a:masterClrMapping/>
@@ -8186,6 +9542,453 @@
       </p:grpSpPr>
       <p:pic>
         <p:nvPicPr>
+          <p:cNvPr id="8" name="Imagen 7"/>
+          <p:cNvPicPr>
+            <a:picLocks noChangeAspect="1"/>
+          </p:cNvPicPr>
+          <p:nvPr/>
+        </p:nvPicPr>
+        <p:blipFill>
+          <a:blip r:embed="rId3"/>
+          <a:stretch>
+            <a:fillRect/>
+          </a:stretch>
+        </p:blipFill>
+        <p:spPr>
+          <a:xfrm>
+            <a:off x="252736" y="1624086"/>
+            <a:ext cx="8411770" cy="1588890"/>
+          </a:xfrm>
+          <a:prstGeom prst="rect">
+            <a:avLst/>
+          </a:prstGeom>
+        </p:spPr>
+      </p:pic>
+      <p:pic>
+        <p:nvPicPr>
+          <p:cNvPr id="12" name="Imagen 11"/>
+          <p:cNvPicPr>
+            <a:picLocks noChangeAspect="1"/>
+          </p:cNvPicPr>
+          <p:nvPr/>
+        </p:nvPicPr>
+        <p:blipFill>
+          <a:blip r:embed="rId4"/>
+          <a:stretch>
+            <a:fillRect/>
+          </a:stretch>
+        </p:blipFill>
+        <p:spPr>
+          <a:xfrm>
+            <a:off x="251520" y="4978138"/>
+            <a:ext cx="6314280" cy="935594"/>
+          </a:xfrm>
+          <a:prstGeom prst="rect">
+            <a:avLst/>
+          </a:prstGeom>
+        </p:spPr>
+      </p:pic>
+      <p:pic>
+        <p:nvPicPr>
+          <p:cNvPr id="142" name="141 Imagen"/>
+          <p:cNvPicPr/>
+          <p:nvPr/>
+        </p:nvPicPr>
+        <p:blipFill>
+          <a:blip r:embed="rId5" cstate="print"/>
+          <a:stretch/>
+        </p:blipFill>
+        <p:spPr>
+          <a:xfrm>
+            <a:off x="360" y="5897520"/>
+            <a:ext cx="9143280" cy="960120"/>
+          </a:xfrm>
+          <a:prstGeom prst="rect">
+            <a:avLst/>
+          </a:prstGeom>
+          <a:ln w="0">
+            <a:noFill/>
+          </a:ln>
+        </p:spPr>
+      </p:pic>
+      <p:grpSp>
+        <p:nvGrpSpPr>
+          <p:cNvPr id="17" name="15 Grupo"/>
+          <p:cNvGrpSpPr/>
+          <p:nvPr/>
+        </p:nvGrpSpPr>
+        <p:grpSpPr>
+          <a:xfrm>
+            <a:off x="540000" y="482760"/>
+            <a:ext cx="7704408" cy="573480"/>
+            <a:chOff x="540000" y="482760"/>
+            <a:chExt cx="6802560" cy="573480"/>
+          </a:xfrm>
+          <a:solidFill>
+            <a:srgbClr val="174574"/>
+          </a:solidFill>
+        </p:grpSpPr>
+        <p:pic>
+          <p:nvPicPr>
+            <p:cNvPr id="18" name="Picture 2" descr="C:\Users\jpavoni\Downloads\ELEMENTOS PARA WEB\ELEMENTOS PARA WEB\CAPA 2 nueva\PARTICIPACION CIUDADANA\BANNERS Y BOTONES-02.jpg"/>
+            <p:cNvPicPr/>
+            <p:nvPr/>
+          </p:nvPicPr>
+          <p:blipFill>
+            <a:blip r:embed="rId6" cstate="print"/>
+            <a:srcRect l="5396" t="37233" r="86991" b="50737"/>
+            <a:stretch/>
+          </p:blipFill>
+          <p:spPr>
+            <a:xfrm>
+              <a:off x="540000" y="482760"/>
+              <a:ext cx="645480" cy="573480"/>
+            </a:xfrm>
+            <a:prstGeom prst="rect">
+              <a:avLst/>
+            </a:prstGeom>
+            <a:grpFill/>
+            <a:ln w="0">
+              <a:noFill/>
+            </a:ln>
+          </p:spPr>
+        </p:pic>
+        <p:sp>
+          <p:nvSpPr>
+            <p:cNvPr id="19" name="13 Rectángulo"/>
+            <p:cNvSpPr/>
+            <p:nvPr/>
+          </p:nvSpPr>
+          <p:spPr>
+            <a:xfrm>
+              <a:off x="1008360" y="482760"/>
+              <a:ext cx="6334200" cy="521766"/>
+            </a:xfrm>
+            <a:prstGeom prst="rect">
+              <a:avLst/>
+            </a:prstGeom>
+            <a:grpFill/>
+            <a:ln w="0">
+              <a:noFill/>
+            </a:ln>
+          </p:spPr>
+          <p:style>
+            <a:lnRef idx="0">
+              <a:scrgbClr r="0" g="0" b="0"/>
+            </a:lnRef>
+            <a:fillRef idx="0">
+              <a:scrgbClr r="0" g="0" b="0"/>
+            </a:fillRef>
+            <a:effectRef idx="0">
+              <a:scrgbClr r="0" g="0" b="0"/>
+            </a:effectRef>
+            <a:fontRef idx="minor"/>
+          </p:style>
+          <p:txBody>
+            <a:bodyPr lIns="90000" tIns="45000" rIns="90000" bIns="45000" anchor="t">
+              <a:spAutoFit/>
+            </a:bodyPr>
+            <a:lstStyle/>
+            <a:p>
+              <a:pPr>
+                <a:lnSpc>
+                  <a:spcPct val="100000"/>
+                </a:lnSpc>
+              </a:pPr>
+              <a:r>
+                <a:rPr lang="es-MX" sz="2800" spc="-1" dirty="0" smtClean="0">
+                  <a:solidFill>
+                    <a:srgbClr val="FFFFFF"/>
+                  </a:solidFill>
+                  <a:latin typeface="Alfabet ExtraBold"/>
+                </a:rPr>
+                <a:t>Movimientos - </a:t>
+              </a:r>
+              <a:r>
+                <a:rPr lang="es-MX" sz="2800" spc="-1" dirty="0" smtClean="0">
+                  <a:solidFill>
+                    <a:srgbClr val="FFFFFF"/>
+                  </a:solidFill>
+                  <a:latin typeface="Alfabet ExtraBold"/>
+                </a:rPr>
+                <a:t>Devolver</a:t>
+              </a:r>
+              <a:endParaRPr lang="es-AR" sz="2800" b="0" strike="noStrike" spc="-1" dirty="0">
+                <a:latin typeface="Arial"/>
+              </a:endParaRPr>
+            </a:p>
+          </p:txBody>
+        </p:sp>
+      </p:grpSp>
+      <p:sp>
+        <p:nvSpPr>
+          <p:cNvPr id="14" name="Rectángulo 13"/>
+          <p:cNvSpPr/>
+          <p:nvPr/>
+        </p:nvSpPr>
+        <p:spPr>
+          <a:xfrm>
+            <a:off x="251520" y="1268760"/>
+            <a:ext cx="6120680" cy="584775"/>
+          </a:xfrm>
+          <a:prstGeom prst="rect">
+            <a:avLst/>
+          </a:prstGeom>
+        </p:spPr>
+        <p:style>
+          <a:lnRef idx="3">
+            <a:schemeClr val="lt1"/>
+          </a:lnRef>
+          <a:fillRef idx="1">
+            <a:schemeClr val="accent3"/>
+          </a:fillRef>
+          <a:effectRef idx="1">
+            <a:schemeClr val="accent3"/>
+          </a:effectRef>
+          <a:fontRef idx="minor">
+            <a:schemeClr val="lt1"/>
+          </a:fontRef>
+        </p:style>
+        <p:txBody>
+          <a:bodyPr wrap="square">
+            <a:spAutoFit/>
+          </a:bodyPr>
+          <a:lstStyle/>
+          <a:p>
+            <a:pPr marL="90488" lvl="1"/>
+            <a:r>
+              <a:rPr lang="es-ES" sz="1600" spc="-1" dirty="0" smtClean="0">
+                <a:solidFill>
+                  <a:srgbClr val="FFFFFF"/>
+                </a:solidFill>
+                <a:latin typeface="Alfabet Medium"/>
+              </a:rPr>
+              <a:t>Desde el área de Educación será posible </a:t>
+            </a:r>
+            <a:r>
+              <a:rPr lang="es-ES" sz="1600" spc="-1" dirty="0" smtClean="0">
+                <a:solidFill>
+                  <a:srgbClr val="FFFFFF"/>
+                </a:solidFill>
+                <a:latin typeface="Alfabet Medium"/>
+              </a:rPr>
+              <a:t>Devolver la Cabecera de Movimientos al establecimiento en caso de que haya errores.</a:t>
+            </a:r>
+            <a:endParaRPr lang="es-ES" sz="1600" spc="-1" dirty="0">
+              <a:solidFill>
+                <a:srgbClr val="FFFFFF"/>
+              </a:solidFill>
+              <a:latin typeface="Alfabet Medium"/>
+            </a:endParaRPr>
+          </a:p>
+        </p:txBody>
+      </p:sp>
+      <p:pic>
+        <p:nvPicPr>
+          <p:cNvPr id="9" name="Imagen 8"/>
+          <p:cNvPicPr>
+            <a:picLocks noChangeAspect="1"/>
+          </p:cNvPicPr>
+          <p:nvPr/>
+        </p:nvPicPr>
+        <p:blipFill>
+          <a:blip r:embed="rId7"/>
+          <a:stretch>
+            <a:fillRect/>
+          </a:stretch>
+        </p:blipFill>
+        <p:spPr>
+          <a:xfrm>
+            <a:off x="4788024" y="3227430"/>
+            <a:ext cx="3761973" cy="1779726"/>
+          </a:xfrm>
+          <a:prstGeom prst="rect">
+            <a:avLst/>
+          </a:prstGeom>
+        </p:spPr>
+      </p:pic>
+      <p:sp>
+        <p:nvSpPr>
+          <p:cNvPr id="10" name="Flecha abajo 9"/>
+          <p:cNvSpPr/>
+          <p:nvPr/>
+        </p:nvSpPr>
+        <p:spPr>
+          <a:xfrm>
+            <a:off x="7956376" y="2708920"/>
+            <a:ext cx="576064" cy="648072"/>
+          </a:xfrm>
+          <a:prstGeom prst="downArrow">
+            <a:avLst/>
+          </a:prstGeom>
+        </p:spPr>
+        <p:style>
+          <a:lnRef idx="2">
+            <a:schemeClr val="accent1">
+              <a:shade val="50000"/>
+            </a:schemeClr>
+          </a:lnRef>
+          <a:fillRef idx="1">
+            <a:schemeClr val="accent1"/>
+          </a:fillRef>
+          <a:effectRef idx="0">
+            <a:schemeClr val="accent1"/>
+          </a:effectRef>
+          <a:fontRef idx="minor">
+            <a:schemeClr val="lt1"/>
+          </a:fontRef>
+        </p:style>
+        <p:txBody>
+          <a:bodyPr rtlCol="0" anchor="ctr"/>
+          <a:lstStyle/>
+          <a:p>
+            <a:pPr algn="ctr"/>
+            <a:endParaRPr lang="es-AR"/>
+          </a:p>
+        </p:txBody>
+      </p:sp>
+      <p:sp>
+        <p:nvSpPr>
+          <p:cNvPr id="22" name="Rectángulo 21"/>
+          <p:cNvSpPr/>
+          <p:nvPr/>
+        </p:nvSpPr>
+        <p:spPr>
+          <a:xfrm>
+            <a:off x="251520" y="3140968"/>
+            <a:ext cx="4366547" cy="1077218"/>
+          </a:xfrm>
+          <a:prstGeom prst="rect">
+            <a:avLst/>
+          </a:prstGeom>
+        </p:spPr>
+        <p:style>
+          <a:lnRef idx="3">
+            <a:schemeClr val="lt1"/>
+          </a:lnRef>
+          <a:fillRef idx="1">
+            <a:schemeClr val="accent3"/>
+          </a:fillRef>
+          <a:effectRef idx="1">
+            <a:schemeClr val="accent3"/>
+          </a:effectRef>
+          <a:fontRef idx="minor">
+            <a:schemeClr val="lt1"/>
+          </a:fontRef>
+        </p:style>
+        <p:txBody>
+          <a:bodyPr wrap="square">
+            <a:spAutoFit/>
+          </a:bodyPr>
+          <a:lstStyle/>
+          <a:p>
+            <a:pPr marL="90488" lvl="1"/>
+            <a:r>
+              <a:rPr lang="es-ES" sz="1600" spc="-1" dirty="0" smtClean="0">
+                <a:solidFill>
+                  <a:srgbClr val="FFFFFF"/>
+                </a:solidFill>
+                <a:latin typeface="Alfabet Medium"/>
+              </a:rPr>
+              <a:t>Se deberá </a:t>
+            </a:r>
+            <a:r>
+              <a:rPr lang="es-AR" sz="1600" spc="-1" dirty="0" smtClean="0">
+                <a:solidFill>
+                  <a:srgbClr val="FFFFFF"/>
+                </a:solidFill>
+                <a:latin typeface="Alfabet Medium"/>
+              </a:rPr>
+              <a:t>agregar una observación del motivo de la devolución y al apretar el botón “Devolver” la cabecera aparecerá como “Rechazada” y volverá al Establecimiento.</a:t>
+            </a:r>
+            <a:endParaRPr lang="es-ES" sz="1600" spc="-1" dirty="0">
+              <a:solidFill>
+                <a:srgbClr val="FFFFFF"/>
+              </a:solidFill>
+              <a:latin typeface="Alfabet Medium"/>
+            </a:endParaRPr>
+          </a:p>
+        </p:txBody>
+      </p:sp>
+      <p:pic>
+        <p:nvPicPr>
+          <p:cNvPr id="11" name="Imagen 10"/>
+          <p:cNvPicPr>
+            <a:picLocks noChangeAspect="1"/>
+          </p:cNvPicPr>
+          <p:nvPr/>
+        </p:nvPicPr>
+        <p:blipFill>
+          <a:blip r:embed="rId8"/>
+          <a:stretch>
+            <a:fillRect/>
+          </a:stretch>
+        </p:blipFill>
+        <p:spPr>
+          <a:xfrm>
+            <a:off x="251521" y="4221088"/>
+            <a:ext cx="3384376" cy="750347"/>
+          </a:xfrm>
+          <a:prstGeom prst="rect">
+            <a:avLst/>
+          </a:prstGeom>
+        </p:spPr>
+      </p:pic>
+    </p:spTree>
+    <p:extLst>
+      <p:ext uri="{BB962C8B-B14F-4D97-AF65-F5344CB8AC3E}">
+        <p14:creationId xmlns:p14="http://schemas.microsoft.com/office/powerpoint/2010/main" val="1981813978"/>
+      </p:ext>
+    </p:extLst>
+  </p:cSld>
+  <p:clrMapOvr>
+    <a:masterClrMapping/>
+  </p:clrMapOvr>
+  <mc:AlternateContent xmlns:mc="http://schemas.openxmlformats.org/markup-compatibility/2006">
+    <mc:Choice xmlns:p14="http://schemas.microsoft.com/office/powerpoint/2010/main" Requires="p14">
+      <p:transition spd="slow" p14:dur="2000"/>
+    </mc:Choice>
+    <mc:Fallback>
+      <p:transition spd="slow"/>
+    </mc:Fallback>
+  </mc:AlternateContent>
+  <p:timing>
+    <p:tnLst>
+      <p:par>
+        <p:cTn id="1" dur="indefinite" restart="never" nodeType="tmRoot"/>
+      </p:par>
+    </p:tnLst>
+  </p:timing>
+</p:sld>
+</file>
+
+<file path=ppt/slides/slide9.xml><?xml version="1.0" encoding="utf-8"?>
+<p:sld xmlns:a="http://schemas.openxmlformats.org/drawingml/2006/main" xmlns:r="http://schemas.openxmlformats.org/officeDocument/2006/relationships" xmlns:p="http://schemas.openxmlformats.org/presentationml/2006/main">
+  <p:cSld>
+    <p:bg>
+      <p:bgPr>
+        <a:solidFill>
+          <a:srgbClr val="174574"/>
+        </a:solidFill>
+        <a:effectLst/>
+      </p:bgPr>
+    </p:bg>
+    <p:spTree>
+      <p:nvGrpSpPr>
+        <p:cNvPr id="1" name=""/>
+        <p:cNvGrpSpPr/>
+        <p:nvPr/>
+      </p:nvGrpSpPr>
+      <p:grpSpPr>
+        <a:xfrm>
+          <a:off x="0" y="0"/>
+          <a:ext cx="0" cy="0"/>
+          <a:chOff x="0" y="0"/>
+          <a:chExt cx="0" cy="0"/>
+        </a:xfrm>
+      </p:grpSpPr>
+      <p:pic>
+        <p:nvPicPr>
           <p:cNvPr id="6" name="Imagen 5"/>
           <p:cNvPicPr>
             <a:picLocks noChangeAspect="1"/>
@@ -8403,202 +10206,6 @@
     <p:extLst>
       <p:ext uri="{BB962C8B-B14F-4D97-AF65-F5344CB8AC3E}">
         <p14:creationId xmlns:p14="http://schemas.microsoft.com/office/powerpoint/2010/main" val="1777271892"/>
-      </p:ext>
-    </p:extLst>
-  </p:cSld>
-  <p:clrMapOvr>
-    <a:masterClrMapping/>
-  </p:clrMapOvr>
-  <mc:AlternateContent xmlns:mc="http://schemas.openxmlformats.org/markup-compatibility/2006" xmlns:p14="http://schemas.microsoft.com/office/powerpoint/2010/main">
-    <mc:Choice Requires="p14">
-      <p:transition spd="slow" p14:dur="2000"/>
-    </mc:Choice>
-    <mc:Fallback xmlns="">
-      <p:transition spd="slow"/>
-    </mc:Fallback>
-  </mc:AlternateContent>
-  <p:timing>
-    <p:tnLst>
-      <p:par>
-        <p:cTn id="1" dur="indefinite" restart="never" nodeType="tmRoot"/>
-      </p:par>
-    </p:tnLst>
-  </p:timing>
-</p:sld>
-</file>
-
-<file path=ppt/slides/slide9.xml><?xml version="1.0" encoding="utf-8"?>
-<p:sld xmlns:a="http://schemas.openxmlformats.org/drawingml/2006/main" xmlns:r="http://schemas.openxmlformats.org/officeDocument/2006/relationships" xmlns:p="http://schemas.openxmlformats.org/presentationml/2006/main">
-  <p:cSld>
-    <p:bg>
-      <p:bgPr>
-        <a:solidFill>
-          <a:srgbClr val="174574"/>
-        </a:solidFill>
-        <a:effectLst/>
-      </p:bgPr>
-    </p:bg>
-    <p:spTree>
-      <p:nvGrpSpPr>
-        <p:cNvPr id="1" name=""/>
-        <p:cNvGrpSpPr/>
-        <p:nvPr/>
-      </p:nvGrpSpPr>
-      <p:grpSpPr>
-        <a:xfrm>
-          <a:off x="0" y="0"/>
-          <a:ext cx="0" cy="0"/>
-          <a:chOff x="0" y="0"/>
-          <a:chExt cx="0" cy="0"/>
-        </a:xfrm>
-      </p:grpSpPr>
-      <p:pic>
-        <p:nvPicPr>
-          <p:cNvPr id="142" name="141 Imagen"/>
-          <p:cNvPicPr/>
-          <p:nvPr/>
-        </p:nvPicPr>
-        <p:blipFill>
-          <a:blip r:embed="rId3" cstate="print"/>
-          <a:stretch/>
-        </p:blipFill>
-        <p:spPr>
-          <a:xfrm>
-            <a:off x="360" y="5897520"/>
-            <a:ext cx="9143280" cy="960120"/>
-          </a:xfrm>
-          <a:prstGeom prst="rect">
-            <a:avLst/>
-          </a:prstGeom>
-          <a:ln w="0">
-            <a:noFill/>
-          </a:ln>
-        </p:spPr>
-      </p:pic>
-      <p:grpSp>
-        <p:nvGrpSpPr>
-          <p:cNvPr id="17" name="15 Grupo"/>
-          <p:cNvGrpSpPr/>
-          <p:nvPr/>
-        </p:nvGrpSpPr>
-        <p:grpSpPr>
-          <a:xfrm>
-            <a:off x="540000" y="482760"/>
-            <a:ext cx="8298220" cy="952653"/>
-            <a:chOff x="540000" y="482760"/>
-            <a:chExt cx="6802560" cy="952653"/>
-          </a:xfrm>
-        </p:grpSpPr>
-        <p:pic>
-          <p:nvPicPr>
-            <p:cNvPr id="18" name="Picture 2" descr="C:\Users\jpavoni\Downloads\ELEMENTOS PARA WEB\ELEMENTOS PARA WEB\CAPA 2 nueva\PARTICIPACION CIUDADANA\BANNERS Y BOTONES-02.jpg"/>
-            <p:cNvPicPr/>
-            <p:nvPr/>
-          </p:nvPicPr>
-          <p:blipFill>
-            <a:blip r:embed="rId4" cstate="print"/>
-            <a:srcRect l="5396" t="37233" r="86991" b="50737"/>
-            <a:stretch/>
-          </p:blipFill>
-          <p:spPr>
-            <a:xfrm>
-              <a:off x="540000" y="482760"/>
-              <a:ext cx="645480" cy="573480"/>
-            </a:xfrm>
-            <a:prstGeom prst="rect">
-              <a:avLst/>
-            </a:prstGeom>
-            <a:ln w="0">
-              <a:noFill/>
-            </a:ln>
-          </p:spPr>
-        </p:pic>
-        <p:sp>
-          <p:nvSpPr>
-            <p:cNvPr id="19" name="13 Rectángulo"/>
-            <p:cNvSpPr/>
-            <p:nvPr/>
-          </p:nvSpPr>
-          <p:spPr>
-            <a:xfrm>
-              <a:off x="1008360" y="482760"/>
-              <a:ext cx="6334200" cy="952653"/>
-            </a:xfrm>
-            <a:prstGeom prst="rect">
-              <a:avLst/>
-            </a:prstGeom>
-            <a:noFill/>
-            <a:ln w="0">
-              <a:noFill/>
-            </a:ln>
-          </p:spPr>
-          <p:style>
-            <a:lnRef idx="0">
-              <a:scrgbClr r="0" g="0" b="0"/>
-            </a:lnRef>
-            <a:fillRef idx="0">
-              <a:scrgbClr r="0" g="0" b="0"/>
-            </a:fillRef>
-            <a:effectRef idx="0">
-              <a:scrgbClr r="0" g="0" b="0"/>
-            </a:effectRef>
-            <a:fontRef idx="minor"/>
-          </p:style>
-          <p:txBody>
-            <a:bodyPr lIns="90000" tIns="45000" rIns="90000" bIns="45000" anchor="t">
-              <a:spAutoFit/>
-            </a:bodyPr>
-            <a:lstStyle/>
-            <a:p>
-              <a:pPr>
-                <a:lnSpc>
-                  <a:spcPct val="100000"/>
-                </a:lnSpc>
-              </a:pPr>
-              <a:r>
-                <a:rPr lang="es-MX" sz="2800" spc="-1" dirty="0" smtClean="0">
-                  <a:solidFill>
-                    <a:srgbClr val="FFFFFF"/>
-                  </a:solidFill>
-                  <a:latin typeface="Alfabet ExtraBold"/>
-                </a:rPr>
-                <a:t>Movimientos - Imprimir Reporte Provincia</a:t>
-              </a:r>
-              <a:endParaRPr lang="es-AR" sz="2800" b="0" strike="noStrike" spc="-1" dirty="0">
-                <a:latin typeface="Arial"/>
-              </a:endParaRPr>
-            </a:p>
-          </p:txBody>
-        </p:sp>
-      </p:grpSp>
-      <p:pic>
-        <p:nvPicPr>
-          <p:cNvPr id="5" name="Imagen 4"/>
-          <p:cNvPicPr>
-            <a:picLocks noChangeAspect="1"/>
-          </p:cNvPicPr>
-          <p:nvPr/>
-        </p:nvPicPr>
-        <p:blipFill>
-          <a:blip r:embed="rId5"/>
-          <a:stretch>
-            <a:fillRect/>
-          </a:stretch>
-        </p:blipFill>
-        <p:spPr>
-          <a:xfrm>
-            <a:off x="700136" y="1056240"/>
-            <a:ext cx="7670032" cy="5297373"/>
-          </a:xfrm>
-          <a:prstGeom prst="rect">
-            <a:avLst/>
-          </a:prstGeom>
-        </p:spPr>
-      </p:pic>
-    </p:spTree>
-    <p:extLst>
-      <p:ext uri="{BB962C8B-B14F-4D97-AF65-F5344CB8AC3E}">
-        <p14:creationId xmlns:p14="http://schemas.microsoft.com/office/powerpoint/2010/main" val="4277792552"/>
       </p:ext>
     </p:extLst>
   </p:cSld>
@@ -8852,7 +10459,7 @@
 </file>
 
 <file path=ppt/theme/theme2.xml><?xml version="1.0" encoding="utf-8"?>
-<a:theme xmlns:a="http://schemas.openxmlformats.org/drawingml/2006/main" name="Office Theme">
+<a:theme xmlns:a="http://schemas.openxmlformats.org/drawingml/2006/main" name="Tema de Office">
   <a:themeElements>
     <a:clrScheme name="Office">
       <a:dk1>
@@ -8862,46 +10469,106 @@
         <a:sysClr val="window" lastClr="FFFFFF"/>
       </a:lt1>
       <a:dk2>
-        <a:srgbClr val="1F497D"/>
+        <a:srgbClr val="44546A"/>
       </a:dk2>
       <a:lt2>
-        <a:srgbClr val="EEECE1"/>
+        <a:srgbClr val="E7E6E6"/>
       </a:lt2>
       <a:accent1>
-        <a:srgbClr val="4F81BD"/>
+        <a:srgbClr val="5B9BD5"/>
       </a:accent1>
       <a:accent2>
-        <a:srgbClr val="C0504D"/>
+        <a:srgbClr val="ED7D31"/>
       </a:accent2>
       <a:accent3>
-        <a:srgbClr val="9BBB59"/>
+        <a:srgbClr val="A5A5A5"/>
       </a:accent3>
       <a:accent4>
-        <a:srgbClr val="8064A2"/>
+        <a:srgbClr val="FFC000"/>
       </a:accent4>
       <a:accent5>
-        <a:srgbClr val="4BACC6"/>
+        <a:srgbClr val="4472C4"/>
       </a:accent5>
       <a:accent6>
-        <a:srgbClr val="F79646"/>
+        <a:srgbClr val="70AD47"/>
       </a:accent6>
       <a:hlink>
-        <a:srgbClr val="0000FF"/>
+        <a:srgbClr val="0563C1"/>
       </a:hlink>
       <a:folHlink>
-        <a:srgbClr val="800080"/>
+        <a:srgbClr val="954F72"/>
       </a:folHlink>
     </a:clrScheme>
     <a:fontScheme name="Office">
       <a:majorFont>
-        <a:latin typeface="Arial"/>
-        <a:ea typeface="DejaVu Sans"/>
-        <a:cs typeface="DejaVu Sans"/>
+        <a:latin typeface="Calibri Light" panose="020F0302020204030204"/>
+        <a:ea typeface=""/>
+        <a:cs typeface=""/>
+        <a:font script="Jpan" typeface="ＭＳ Ｐゴシック"/>
+        <a:font script="Hang" typeface="맑은 고딕"/>
+        <a:font script="Hans" typeface="宋体"/>
+        <a:font script="Hant" typeface="新細明體"/>
+        <a:font script="Arab" typeface="Times New Roman"/>
+        <a:font script="Hebr" typeface="Times New Roman"/>
+        <a:font script="Thai" typeface="Angsana New"/>
+        <a:font script="Ethi" typeface="Nyala"/>
+        <a:font script="Beng" typeface="Vrinda"/>
+        <a:font script="Gujr" typeface="Shruti"/>
+        <a:font script="Khmr" typeface="MoolBoran"/>
+        <a:font script="Knda" typeface="Tunga"/>
+        <a:font script="Guru" typeface="Raavi"/>
+        <a:font script="Cans" typeface="Euphemia"/>
+        <a:font script="Cher" typeface="Plantagenet Cherokee"/>
+        <a:font script="Yiii" typeface="Microsoft Yi Baiti"/>
+        <a:font script="Tibt" typeface="Microsoft Himalaya"/>
+        <a:font script="Thaa" typeface="MV Boli"/>
+        <a:font script="Deva" typeface="Mangal"/>
+        <a:font script="Telu" typeface="Gautami"/>
+        <a:font script="Taml" typeface="Latha"/>
+        <a:font script="Syrc" typeface="Estrangelo Edessa"/>
+        <a:font script="Orya" typeface="Kalinga"/>
+        <a:font script="Mlym" typeface="Kartika"/>
+        <a:font script="Laoo" typeface="DokChampa"/>
+        <a:font script="Sinh" typeface="Iskoola Pota"/>
+        <a:font script="Mong" typeface="Mongolian Baiti"/>
+        <a:font script="Viet" typeface="Times New Roman"/>
+        <a:font script="Uigh" typeface="Microsoft Uighur"/>
+        <a:font script="Geor" typeface="Sylfaen"/>
       </a:majorFont>
       <a:minorFont>
-        <a:latin typeface="Arial"/>
-        <a:ea typeface="DejaVu Sans"/>
-        <a:cs typeface="DejaVu Sans"/>
+        <a:latin typeface="Calibri" panose="020F0502020204030204"/>
+        <a:ea typeface=""/>
+        <a:cs typeface=""/>
+        <a:font script="Jpan" typeface="ＭＳ Ｐゴシック"/>
+        <a:font script="Hang" typeface="맑은 고딕"/>
+        <a:font script="Hans" typeface="宋体"/>
+        <a:font script="Hant" typeface="新細明體"/>
+        <a:font script="Arab" typeface="Arial"/>
+        <a:font script="Hebr" typeface="Arial"/>
+        <a:font script="Thai" typeface="Cordia New"/>
+        <a:font script="Ethi" typeface="Nyala"/>
+        <a:font script="Beng" typeface="Vrinda"/>
+        <a:font script="Gujr" typeface="Shruti"/>
+        <a:font script="Khmr" typeface="DaunPenh"/>
+        <a:font script="Knda" typeface="Tunga"/>
+        <a:font script="Guru" typeface="Raavi"/>
+        <a:font script="Cans" typeface="Euphemia"/>
+        <a:font script="Cher" typeface="Plantagenet Cherokee"/>
+        <a:font script="Yiii" typeface="Microsoft Yi Baiti"/>
+        <a:font script="Tibt" typeface="Microsoft Himalaya"/>
+        <a:font script="Thaa" typeface="MV Boli"/>
+        <a:font script="Deva" typeface="Mangal"/>
+        <a:font script="Telu" typeface="Gautami"/>
+        <a:font script="Taml" typeface="Latha"/>
+        <a:font script="Syrc" typeface="Estrangelo Edessa"/>
+        <a:font script="Orya" typeface="Kalinga"/>
+        <a:font script="Mlym" typeface="Kartika"/>
+        <a:font script="Laoo" typeface="DokChampa"/>
+        <a:font script="Sinh" typeface="Iskoola Pota"/>
+        <a:font script="Mong" typeface="Mongolian Baiti"/>
+        <a:font script="Viet" typeface="Arial"/>
+        <a:font script="Uigh" typeface="Microsoft Uighur"/>
+        <a:font script="Geor" typeface="Sylfaen"/>
       </a:minorFont>
     </a:fontScheme>
     <a:fmtScheme name="Office">
@@ -8913,169 +10580,142 @@
           <a:gsLst>
             <a:gs pos="0">
               <a:schemeClr val="phClr">
-                <a:tint val="50000"/>
-                <a:satMod val="300000"/>
+                <a:lumMod val="110000"/>
+                <a:satMod val="105000"/>
+                <a:tint val="67000"/>
               </a:schemeClr>
             </a:gs>
-            <a:gs pos="35000">
+            <a:gs pos="50000">
               <a:schemeClr val="phClr">
-                <a:tint val="37000"/>
-                <a:satMod val="300000"/>
+                <a:lumMod val="105000"/>
+                <a:satMod val="103000"/>
+                <a:tint val="73000"/>
               </a:schemeClr>
             </a:gs>
             <a:gs pos="100000">
               <a:schemeClr val="phClr">
-                <a:tint val="15000"/>
-                <a:satMod val="350000"/>
+                <a:lumMod val="105000"/>
+                <a:satMod val="109000"/>
+                <a:tint val="81000"/>
               </a:schemeClr>
             </a:gs>
           </a:gsLst>
-          <a:lin ang="16200000" scaled="1"/>
+          <a:lin ang="5400000" scaled="0"/>
         </a:gradFill>
         <a:gradFill rotWithShape="1">
           <a:gsLst>
             <a:gs pos="0">
               <a:schemeClr val="phClr">
-                <a:shade val="51000"/>
-                <a:satMod val="130000"/>
+                <a:satMod val="103000"/>
+                <a:lumMod val="102000"/>
+                <a:tint val="94000"/>
               </a:schemeClr>
             </a:gs>
-            <a:gs pos="80000">
+            <a:gs pos="50000">
               <a:schemeClr val="phClr">
-                <a:shade val="93000"/>
-                <a:satMod val="130000"/>
+                <a:satMod val="110000"/>
+                <a:lumMod val="100000"/>
+                <a:shade val="100000"/>
               </a:schemeClr>
             </a:gs>
             <a:gs pos="100000">
               <a:schemeClr val="phClr">
-                <a:shade val="94000"/>
-                <a:satMod val="135000"/>
+                <a:lumMod val="99000"/>
+                <a:satMod val="120000"/>
+                <a:shade val="78000"/>
               </a:schemeClr>
             </a:gs>
           </a:gsLst>
-          <a:lin ang="16200000" scaled="0"/>
+          <a:lin ang="5400000" scaled="0"/>
         </a:gradFill>
       </a:fillStyleLst>
       <a:lnStyleLst>
-        <a:ln w="9525" cap="flat" cmpd="sng" algn="ctr">
-          <a:solidFill>
-            <a:schemeClr val="phClr">
-              <a:shade val="95000"/>
-              <a:satMod val="105000"/>
-            </a:schemeClr>
-          </a:solidFill>
-          <a:prstDash val="solid"/>
-          <a:miter/>
-        </a:ln>
-        <a:ln w="25400" cap="flat" cmpd="sng" algn="ctr">
+        <a:ln w="6350" cap="flat" cmpd="sng" algn="ctr">
           <a:solidFill>
             <a:schemeClr val="phClr"/>
           </a:solidFill>
           <a:prstDash val="solid"/>
-          <a:miter/>
+          <a:miter lim="800000"/>
         </a:ln>
-        <a:ln w="38100" cap="flat" cmpd="sng" algn="ctr">
+        <a:ln w="12700" cap="flat" cmpd="sng" algn="ctr">
           <a:solidFill>
             <a:schemeClr val="phClr"/>
           </a:solidFill>
           <a:prstDash val="solid"/>
-          <a:miter/>
+          <a:miter lim="800000"/>
+        </a:ln>
+        <a:ln w="19050" cap="flat" cmpd="sng" algn="ctr">
+          <a:solidFill>
+            <a:schemeClr val="phClr"/>
+          </a:solidFill>
+          <a:prstDash val="solid"/>
+          <a:miter lim="800000"/>
         </a:ln>
       </a:lnStyleLst>
       <a:effectStyleLst>
         <a:effectStyle>
+          <a:effectLst/>
+        </a:effectStyle>
+        <a:effectStyle>
+          <a:effectLst/>
+        </a:effectStyle>
+        <a:effectStyle>
           <a:effectLst>
-            <a:outerShdw blurRad="40000" dist="20000" dir="5400000" rotWithShape="0">
+            <a:outerShdw blurRad="57150" dist="19050" dir="5400000" algn="ctr" rotWithShape="0">
               <a:srgbClr val="000000">
-                <a:alpha val="38000"/>
+                <a:alpha val="63000"/>
               </a:srgbClr>
             </a:outerShdw>
           </a:effectLst>
-        </a:effectStyle>
-        <a:effectStyle>
-          <a:effectLst>
-            <a:outerShdw blurRad="40000" dist="23000" dir="5400000" rotWithShape="0">
-              <a:srgbClr val="000000">
-                <a:alpha val="35000"/>
-              </a:srgbClr>
-            </a:outerShdw>
-          </a:effectLst>
-        </a:effectStyle>
-        <a:effectStyle>
-          <a:effectLst>
-            <a:outerShdw blurRad="40000" dist="23000" dir="5400000" rotWithShape="0">
-              <a:srgbClr val="000000">
-                <a:alpha val="35000"/>
-              </a:srgbClr>
-            </a:outerShdw>
-          </a:effectLst>
-          <a:scene3d>
-            <a:camera prst="orthographicFront">
-              <a:rot lat="0" lon="0" rev="0"/>
-            </a:camera>
-            <a:lightRig rig="threePt" dir="t">
-              <a:rot lat="0" lon="0" rev="1200000"/>
-            </a:lightRig>
-          </a:scene3d>
-          <a:sp3d>
-            <a:bevelT w="63500" h="25400"/>
-          </a:sp3d>
         </a:effectStyle>
       </a:effectStyleLst>
       <a:bgFillStyleLst>
         <a:solidFill>
           <a:schemeClr val="phClr"/>
         </a:solidFill>
+        <a:solidFill>
+          <a:schemeClr val="phClr">
+            <a:tint val="95000"/>
+            <a:satMod val="170000"/>
+          </a:schemeClr>
+        </a:solidFill>
         <a:gradFill rotWithShape="1">
           <a:gsLst>
             <a:gs pos="0">
               <a:schemeClr val="phClr">
-                <a:tint val="40000"/>
-                <a:satMod val="350000"/>
+                <a:tint val="93000"/>
+                <a:satMod val="150000"/>
+                <a:shade val="98000"/>
+                <a:lumMod val="102000"/>
               </a:schemeClr>
             </a:gs>
-            <a:gs pos="40000">
+            <a:gs pos="50000">
               <a:schemeClr val="phClr">
-                <a:tint val="45000"/>
-                <a:shade val="99000"/>
-                <a:satMod val="350000"/>
+                <a:tint val="98000"/>
+                <a:satMod val="130000"/>
+                <a:shade val="90000"/>
+                <a:lumMod val="103000"/>
               </a:schemeClr>
             </a:gs>
             <a:gs pos="100000">
               <a:schemeClr val="phClr">
-                <a:shade val="20000"/>
-                <a:satMod val="255000"/>
+                <a:shade val="63000"/>
+                <a:satMod val="120000"/>
               </a:schemeClr>
             </a:gs>
           </a:gsLst>
-          <a:path path="circle">
-            <a:fillToRect l="50000" t="-80000" r="50000" b="180000"/>
-          </a:path>
-        </a:gradFill>
-        <a:gradFill rotWithShape="1">
-          <a:gsLst>
-            <a:gs pos="0">
-              <a:schemeClr val="phClr">
-                <a:tint val="80000"/>
-                <a:satMod val="300000"/>
-              </a:schemeClr>
-            </a:gs>
-            <a:gs pos="100000">
-              <a:schemeClr val="phClr">
-                <a:shade val="30000"/>
-                <a:satMod val="200000"/>
-              </a:schemeClr>
-            </a:gs>
-          </a:gsLst>
-          <a:path path="circle">
-            <a:fillToRect l="50000" t="50000" r="50000" b="50000"/>
-          </a:path>
+          <a:lin ang="5400000" scaled="0"/>
         </a:gradFill>
       </a:bgFillStyleLst>
     </a:fmtScheme>
   </a:themeElements>
   <a:objectDefaults/>
   <a:extraClrSchemeLst/>
+  <a:extLst>
+    <a:ext uri="{05A4C25C-085E-4340-85A3-A5531E510DB2}">
+      <thm15:themeFamily xmlns:thm15="http://schemas.microsoft.com/office/thememl/2012/main" name="Office Theme" id="{62F939B6-93AF-4DB8-9C6B-D6C7DFDC589F}" vid="{4A3C46E8-61CC-4603-A589-7422A47A8E4A}"/>
+    </a:ext>
+  </a:extLst>
 </a:theme>
 </file>
 

--- a/Documentacion/DocumentacionProyecto/Instructivos/MEC_Instructivo6 - Movimientos-Educacion.pptx
+++ b/Documentacion/DocumentacionProyecto/Instructivos/MEC_Instructivo6 - Movimientos-Educacion.pptx
@@ -6,19 +6,22 @@
     <p:sldMasterId id="2147483686" r:id="rId2"/>
   </p:sldMasterIdLst>
   <p:notesMasterIdLst>
-    <p:notesMasterId r:id="rId13"/>
+    <p:notesMasterId r:id="rId16"/>
   </p:notesMasterIdLst>
   <p:sldIdLst>
     <p:sldId id="256" r:id="rId3"/>
     <p:sldId id="295" r:id="rId4"/>
     <p:sldId id="326" r:id="rId5"/>
     <p:sldId id="327" r:id="rId6"/>
-    <p:sldId id="257" r:id="rId7"/>
-    <p:sldId id="291" r:id="rId8"/>
-    <p:sldId id="307" r:id="rId9"/>
-    <p:sldId id="348" r:id="rId10"/>
-    <p:sldId id="346" r:id="rId11"/>
-    <p:sldId id="347" r:id="rId12"/>
+    <p:sldId id="349" r:id="rId7"/>
+    <p:sldId id="350" r:id="rId8"/>
+    <p:sldId id="257" r:id="rId9"/>
+    <p:sldId id="291" r:id="rId10"/>
+    <p:sldId id="351" r:id="rId11"/>
+    <p:sldId id="307" r:id="rId12"/>
+    <p:sldId id="348" r:id="rId13"/>
+    <p:sldId id="346" r:id="rId14"/>
+    <p:sldId id="347" r:id="rId15"/>
   </p:sldIdLst>
   <p:sldSz cx="9144000" cy="6858000" type="screen4x3"/>
   <p:notesSz cx="6858000" cy="9144000"/>
@@ -632,6 +635,435 @@
 </p:notes>
 </file>
 
+<file path=ppt/notesSlides/notesSlide10.xml><?xml version="1.0" encoding="utf-8"?>
+<p:notes xmlns:a="http://schemas.openxmlformats.org/drawingml/2006/main" xmlns:r="http://schemas.openxmlformats.org/officeDocument/2006/relationships" xmlns:p="http://schemas.openxmlformats.org/presentationml/2006/main">
+  <p:cSld>
+    <p:spTree>
+      <p:nvGrpSpPr>
+        <p:cNvPr id="1" name=""/>
+        <p:cNvGrpSpPr/>
+        <p:nvPr/>
+      </p:nvGrpSpPr>
+      <p:grpSpPr>
+        <a:xfrm>
+          <a:off x="0" y="0"/>
+          <a:ext cx="0" cy="0"/>
+          <a:chOff x="0" y="0"/>
+          <a:chExt cx="0" cy="0"/>
+        </a:xfrm>
+      </p:grpSpPr>
+      <p:sp>
+        <p:nvSpPr>
+          <p:cNvPr id="265" name="PlaceHolder 1"/>
+          <p:cNvSpPr>
+            <a:spLocks noGrp="1" noRot="1" noChangeAspect="1"/>
+          </p:cNvSpPr>
+          <p:nvPr>
+            <p:ph type="sldImg"/>
+          </p:nvPr>
+        </p:nvSpPr>
+        <p:spPr>
+          <a:xfrm>
+            <a:off x="1371600" y="1143000"/>
+            <a:ext cx="4111625" cy="3084513"/>
+          </a:xfrm>
+          <a:prstGeom prst="rect">
+            <a:avLst/>
+          </a:prstGeom>
+          <a:ln w="0">
+            <a:noFill/>
+          </a:ln>
+        </p:spPr>
+      </p:sp>
+      <p:sp>
+        <p:nvSpPr>
+          <p:cNvPr id="266" name="PlaceHolder 2"/>
+          <p:cNvSpPr>
+            <a:spLocks noGrp="1"/>
+          </p:cNvSpPr>
+          <p:nvPr>
+            <p:ph type="body"/>
+          </p:nvPr>
+        </p:nvSpPr>
+        <p:spPr>
+          <a:xfrm>
+            <a:off x="685800" y="4400640"/>
+            <a:ext cx="5483880" cy="3597840"/>
+          </a:xfrm>
+          <a:prstGeom prst="rect">
+            <a:avLst/>
+          </a:prstGeom>
+          <a:noFill/>
+          <a:ln w="0">
+            <a:noFill/>
+          </a:ln>
+        </p:spPr>
+        <p:txBody>
+          <a:bodyPr lIns="0" tIns="0" rIns="0" bIns="0" anchor="t">
+            <a:noAutofit/>
+          </a:bodyPr>
+          <a:lstStyle/>
+          <a:p>
+            <a:endParaRPr lang="es-AR" sz="2000" b="0" strike="noStrike" spc="-1">
+              <a:latin typeface="Arial"/>
+            </a:endParaRPr>
+          </a:p>
+        </p:txBody>
+      </p:sp>
+      <p:sp>
+        <p:nvSpPr>
+          <p:cNvPr id="267" name="PlaceHolder 3"/>
+          <p:cNvSpPr>
+            <a:spLocks noGrp="1"/>
+          </p:cNvSpPr>
+          <p:nvPr>
+            <p:ph type="sldNum"/>
+          </p:nvPr>
+        </p:nvSpPr>
+        <p:spPr>
+          <a:xfrm>
+            <a:off x="3884760" y="8685360"/>
+            <a:ext cx="2969280" cy="456120"/>
+          </a:xfrm>
+          <a:prstGeom prst="rect">
+            <a:avLst/>
+          </a:prstGeom>
+          <a:noFill/>
+          <a:ln w="0">
+            <a:noFill/>
+          </a:ln>
+        </p:spPr>
+        <p:txBody>
+          <a:bodyPr lIns="0" tIns="0" rIns="0" bIns="0" anchor="b">
+            <a:noAutofit/>
+          </a:bodyPr>
+          <a:lstStyle/>
+          <a:p>
+            <a:pPr algn="r">
+              <a:lnSpc>
+                <a:spcPct val="100000"/>
+              </a:lnSpc>
+            </a:pPr>
+            <a:fld id="{9669A908-0F06-4E47-960C-06257B12840D}" type="slidenum">
+              <a:rPr lang="es-AR" sz="1200" b="0" strike="noStrike" spc="-1">
+                <a:solidFill>
+                  <a:srgbClr val="000000"/>
+                </a:solidFill>
+                <a:latin typeface="+mn-lt"/>
+                <a:ea typeface="+mn-ea"/>
+              </a:rPr>
+              <a:pPr algn="r">
+                <a:lnSpc>
+                  <a:spcPct val="100000"/>
+                </a:lnSpc>
+              </a:pPr>
+              <a:t>11</a:t>
+            </a:fld>
+            <a:endParaRPr lang="es-AR" sz="1200" b="0" strike="noStrike" spc="-1">
+              <a:latin typeface="Times New Roman"/>
+            </a:endParaRPr>
+          </a:p>
+        </p:txBody>
+      </p:sp>
+    </p:spTree>
+    <p:extLst>
+      <p:ext uri="{BB962C8B-B14F-4D97-AF65-F5344CB8AC3E}">
+        <p14:creationId xmlns:p14="http://schemas.microsoft.com/office/powerpoint/2010/main" val="679423967"/>
+      </p:ext>
+    </p:extLst>
+  </p:cSld>
+  <p:clrMapOvr>
+    <a:masterClrMapping/>
+  </p:clrMapOvr>
+</p:notes>
+</file>
+
+<file path=ppt/notesSlides/notesSlide11.xml><?xml version="1.0" encoding="utf-8"?>
+<p:notes xmlns:a="http://schemas.openxmlformats.org/drawingml/2006/main" xmlns:r="http://schemas.openxmlformats.org/officeDocument/2006/relationships" xmlns:p="http://schemas.openxmlformats.org/presentationml/2006/main">
+  <p:cSld>
+    <p:spTree>
+      <p:nvGrpSpPr>
+        <p:cNvPr id="1" name=""/>
+        <p:cNvGrpSpPr/>
+        <p:nvPr/>
+      </p:nvGrpSpPr>
+      <p:grpSpPr>
+        <a:xfrm>
+          <a:off x="0" y="0"/>
+          <a:ext cx="0" cy="0"/>
+          <a:chOff x="0" y="0"/>
+          <a:chExt cx="0" cy="0"/>
+        </a:xfrm>
+      </p:grpSpPr>
+      <p:sp>
+        <p:nvSpPr>
+          <p:cNvPr id="265" name="PlaceHolder 1"/>
+          <p:cNvSpPr>
+            <a:spLocks noGrp="1" noRot="1" noChangeAspect="1"/>
+          </p:cNvSpPr>
+          <p:nvPr>
+            <p:ph type="sldImg"/>
+          </p:nvPr>
+        </p:nvSpPr>
+        <p:spPr>
+          <a:xfrm>
+            <a:off x="1371600" y="1143000"/>
+            <a:ext cx="4111625" cy="3084513"/>
+          </a:xfrm>
+          <a:prstGeom prst="rect">
+            <a:avLst/>
+          </a:prstGeom>
+          <a:ln w="0">
+            <a:noFill/>
+          </a:ln>
+        </p:spPr>
+      </p:sp>
+      <p:sp>
+        <p:nvSpPr>
+          <p:cNvPr id="266" name="PlaceHolder 2"/>
+          <p:cNvSpPr>
+            <a:spLocks noGrp="1"/>
+          </p:cNvSpPr>
+          <p:nvPr>
+            <p:ph type="body"/>
+          </p:nvPr>
+        </p:nvSpPr>
+        <p:spPr>
+          <a:xfrm>
+            <a:off x="685800" y="4400640"/>
+            <a:ext cx="5483880" cy="3597840"/>
+          </a:xfrm>
+          <a:prstGeom prst="rect">
+            <a:avLst/>
+          </a:prstGeom>
+          <a:noFill/>
+          <a:ln w="0">
+            <a:noFill/>
+          </a:ln>
+        </p:spPr>
+        <p:txBody>
+          <a:bodyPr lIns="0" tIns="0" rIns="0" bIns="0" anchor="t">
+            <a:noAutofit/>
+          </a:bodyPr>
+          <a:lstStyle/>
+          <a:p>
+            <a:endParaRPr lang="es-AR" sz="2000" b="0" strike="noStrike" spc="-1">
+              <a:latin typeface="Arial"/>
+            </a:endParaRPr>
+          </a:p>
+        </p:txBody>
+      </p:sp>
+      <p:sp>
+        <p:nvSpPr>
+          <p:cNvPr id="267" name="PlaceHolder 3"/>
+          <p:cNvSpPr>
+            <a:spLocks noGrp="1"/>
+          </p:cNvSpPr>
+          <p:nvPr>
+            <p:ph type="sldNum"/>
+          </p:nvPr>
+        </p:nvSpPr>
+        <p:spPr>
+          <a:xfrm>
+            <a:off x="3884760" y="8685360"/>
+            <a:ext cx="2969280" cy="456120"/>
+          </a:xfrm>
+          <a:prstGeom prst="rect">
+            <a:avLst/>
+          </a:prstGeom>
+          <a:noFill/>
+          <a:ln w="0">
+            <a:noFill/>
+          </a:ln>
+        </p:spPr>
+        <p:txBody>
+          <a:bodyPr lIns="0" tIns="0" rIns="0" bIns="0" anchor="b">
+            <a:noAutofit/>
+          </a:bodyPr>
+          <a:lstStyle/>
+          <a:p>
+            <a:pPr algn="r">
+              <a:lnSpc>
+                <a:spcPct val="100000"/>
+              </a:lnSpc>
+            </a:pPr>
+            <a:fld id="{9669A908-0F06-4E47-960C-06257B12840D}" type="slidenum">
+              <a:rPr lang="es-AR" sz="1200" b="0" strike="noStrike" spc="-1">
+                <a:solidFill>
+                  <a:srgbClr val="000000"/>
+                </a:solidFill>
+                <a:latin typeface="+mn-lt"/>
+                <a:ea typeface="+mn-ea"/>
+              </a:rPr>
+              <a:pPr algn="r">
+                <a:lnSpc>
+                  <a:spcPct val="100000"/>
+                </a:lnSpc>
+              </a:pPr>
+              <a:t>12</a:t>
+            </a:fld>
+            <a:endParaRPr lang="es-AR" sz="1200" b="0" strike="noStrike" spc="-1">
+              <a:latin typeface="Times New Roman"/>
+            </a:endParaRPr>
+          </a:p>
+        </p:txBody>
+      </p:sp>
+    </p:spTree>
+    <p:extLst>
+      <p:ext uri="{BB962C8B-B14F-4D97-AF65-F5344CB8AC3E}">
+        <p14:creationId xmlns:p14="http://schemas.microsoft.com/office/powerpoint/2010/main" val="257628160"/>
+      </p:ext>
+    </p:extLst>
+  </p:cSld>
+  <p:clrMapOvr>
+    <a:masterClrMapping/>
+  </p:clrMapOvr>
+</p:notes>
+</file>
+
+<file path=ppt/notesSlides/notesSlide12.xml><?xml version="1.0" encoding="utf-8"?>
+<p:notes xmlns:a="http://schemas.openxmlformats.org/drawingml/2006/main" xmlns:r="http://schemas.openxmlformats.org/officeDocument/2006/relationships" xmlns:p="http://schemas.openxmlformats.org/presentationml/2006/main">
+  <p:cSld>
+    <p:spTree>
+      <p:nvGrpSpPr>
+        <p:cNvPr id="1" name=""/>
+        <p:cNvGrpSpPr/>
+        <p:nvPr/>
+      </p:nvGrpSpPr>
+      <p:grpSpPr>
+        <a:xfrm>
+          <a:off x="0" y="0"/>
+          <a:ext cx="0" cy="0"/>
+          <a:chOff x="0" y="0"/>
+          <a:chExt cx="0" cy="0"/>
+        </a:xfrm>
+      </p:grpSpPr>
+      <p:sp>
+        <p:nvSpPr>
+          <p:cNvPr id="265" name="PlaceHolder 1"/>
+          <p:cNvSpPr>
+            <a:spLocks noGrp="1" noRot="1" noChangeAspect="1"/>
+          </p:cNvSpPr>
+          <p:nvPr>
+            <p:ph type="sldImg"/>
+          </p:nvPr>
+        </p:nvSpPr>
+        <p:spPr>
+          <a:xfrm>
+            <a:off x="1371600" y="1143000"/>
+            <a:ext cx="4111625" cy="3084513"/>
+          </a:xfrm>
+          <a:prstGeom prst="rect">
+            <a:avLst/>
+          </a:prstGeom>
+          <a:ln w="0">
+            <a:noFill/>
+          </a:ln>
+        </p:spPr>
+      </p:sp>
+      <p:sp>
+        <p:nvSpPr>
+          <p:cNvPr id="266" name="PlaceHolder 2"/>
+          <p:cNvSpPr>
+            <a:spLocks noGrp="1"/>
+          </p:cNvSpPr>
+          <p:nvPr>
+            <p:ph type="body"/>
+          </p:nvPr>
+        </p:nvSpPr>
+        <p:spPr>
+          <a:xfrm>
+            <a:off x="685800" y="4400640"/>
+            <a:ext cx="5483880" cy="3597840"/>
+          </a:xfrm>
+          <a:prstGeom prst="rect">
+            <a:avLst/>
+          </a:prstGeom>
+          <a:noFill/>
+          <a:ln w="0">
+            <a:noFill/>
+          </a:ln>
+        </p:spPr>
+        <p:txBody>
+          <a:bodyPr lIns="0" tIns="0" rIns="0" bIns="0" anchor="t">
+            <a:noAutofit/>
+          </a:bodyPr>
+          <a:lstStyle/>
+          <a:p>
+            <a:endParaRPr lang="es-AR" sz="2000" b="0" strike="noStrike" spc="-1">
+              <a:latin typeface="Arial"/>
+            </a:endParaRPr>
+          </a:p>
+        </p:txBody>
+      </p:sp>
+      <p:sp>
+        <p:nvSpPr>
+          <p:cNvPr id="267" name="PlaceHolder 3"/>
+          <p:cNvSpPr>
+            <a:spLocks noGrp="1"/>
+          </p:cNvSpPr>
+          <p:nvPr>
+            <p:ph type="sldNum"/>
+          </p:nvPr>
+        </p:nvSpPr>
+        <p:spPr>
+          <a:xfrm>
+            <a:off x="3884760" y="8685360"/>
+            <a:ext cx="2969280" cy="456120"/>
+          </a:xfrm>
+          <a:prstGeom prst="rect">
+            <a:avLst/>
+          </a:prstGeom>
+          <a:noFill/>
+          <a:ln w="0">
+            <a:noFill/>
+          </a:ln>
+        </p:spPr>
+        <p:txBody>
+          <a:bodyPr lIns="0" tIns="0" rIns="0" bIns="0" anchor="b">
+            <a:noAutofit/>
+          </a:bodyPr>
+          <a:lstStyle/>
+          <a:p>
+            <a:pPr algn="r">
+              <a:lnSpc>
+                <a:spcPct val="100000"/>
+              </a:lnSpc>
+            </a:pPr>
+            <a:fld id="{9669A908-0F06-4E47-960C-06257B12840D}" type="slidenum">
+              <a:rPr lang="es-AR" sz="1200" b="0" strike="noStrike" spc="-1">
+                <a:solidFill>
+                  <a:srgbClr val="000000"/>
+                </a:solidFill>
+                <a:latin typeface="+mn-lt"/>
+                <a:ea typeface="+mn-ea"/>
+              </a:rPr>
+              <a:pPr algn="r">
+                <a:lnSpc>
+                  <a:spcPct val="100000"/>
+                </a:lnSpc>
+              </a:pPr>
+              <a:t>13</a:t>
+            </a:fld>
+            <a:endParaRPr lang="es-AR" sz="1200" b="0" strike="noStrike" spc="-1">
+              <a:latin typeface="Times New Roman"/>
+            </a:endParaRPr>
+          </a:p>
+        </p:txBody>
+      </p:sp>
+    </p:spTree>
+    <p:extLst>
+      <p:ext uri="{BB962C8B-B14F-4D97-AF65-F5344CB8AC3E}">
+        <p14:creationId xmlns:p14="http://schemas.microsoft.com/office/powerpoint/2010/main" val="72374505"/>
+      </p:ext>
+    </p:extLst>
+  </p:cSld>
+  <p:clrMapOvr>
+    <a:masterClrMapping/>
+  </p:clrMapOvr>
+</p:notes>
+</file>
+
 <file path=ppt/notesSlides/notesSlide2.xml><?xml version="1.0" encoding="utf-8"?>
 <p:notes xmlns:a="http://schemas.openxmlformats.org/drawingml/2006/main" xmlns:r="http://schemas.openxmlformats.org/officeDocument/2006/relationships" xmlns:p="http://schemas.openxmlformats.org/presentationml/2006/main">
   <p:cSld>
@@ -1037,7 +1469,7 @@
     </p:spTree>
     <p:extLst>
       <p:ext uri="{BB962C8B-B14F-4D97-AF65-F5344CB8AC3E}">
-        <p14:creationId xmlns:p14="http://schemas.microsoft.com/office/powerpoint/2010/main" val="892018310"/>
+        <p14:creationId xmlns:p14="http://schemas.microsoft.com/office/powerpoint/2010/main" val="4221127597"/>
       </p:ext>
     </p:extLst>
   </p:cSld>
@@ -1180,7 +1612,7 @@
     </p:spTree>
     <p:extLst>
       <p:ext uri="{BB962C8B-B14F-4D97-AF65-F5344CB8AC3E}">
-        <p14:creationId xmlns:p14="http://schemas.microsoft.com/office/powerpoint/2010/main" val="1284157152"/>
+        <p14:creationId xmlns:p14="http://schemas.microsoft.com/office/powerpoint/2010/main" val="3360546575"/>
       </p:ext>
     </p:extLst>
   </p:cSld>
@@ -1323,7 +1755,7 @@
     </p:spTree>
     <p:extLst>
       <p:ext uri="{BB962C8B-B14F-4D97-AF65-F5344CB8AC3E}">
-        <p14:creationId xmlns:p14="http://schemas.microsoft.com/office/powerpoint/2010/main" val="4168603130"/>
+        <p14:creationId xmlns:p14="http://schemas.microsoft.com/office/powerpoint/2010/main" val="892018310"/>
       </p:ext>
     </p:extLst>
   </p:cSld>
@@ -1466,7 +1898,7 @@
     </p:spTree>
     <p:extLst>
       <p:ext uri="{BB962C8B-B14F-4D97-AF65-F5344CB8AC3E}">
-        <p14:creationId xmlns:p14="http://schemas.microsoft.com/office/powerpoint/2010/main" val="679423967"/>
+        <p14:creationId xmlns:p14="http://schemas.microsoft.com/office/powerpoint/2010/main" val="1284157152"/>
       </p:ext>
     </p:extLst>
   </p:cSld>
@@ -1609,7 +2041,7 @@
     </p:spTree>
     <p:extLst>
       <p:ext uri="{BB962C8B-B14F-4D97-AF65-F5344CB8AC3E}">
-        <p14:creationId xmlns:p14="http://schemas.microsoft.com/office/powerpoint/2010/main" val="257628160"/>
+        <p14:creationId xmlns:p14="http://schemas.microsoft.com/office/powerpoint/2010/main" val="2204881424"/>
       </p:ext>
     </p:extLst>
   </p:cSld>
@@ -1752,7 +2184,7 @@
     </p:spTree>
     <p:extLst>
       <p:ext uri="{BB962C8B-B14F-4D97-AF65-F5344CB8AC3E}">
-        <p14:creationId xmlns:p14="http://schemas.microsoft.com/office/powerpoint/2010/main" val="72374505"/>
+        <p14:creationId xmlns:p14="http://schemas.microsoft.com/office/powerpoint/2010/main" val="4168603130"/>
       </p:ext>
     </p:extLst>
   </p:cSld>
@@ -2521,7 +2953,7 @@
           <a:p>
             <a:fld id="{41FD5431-53B5-4D35-9FE8-D68895F22516}" type="datetimeFigureOut">
               <a:rPr lang="es-AR" smtClean="0"/>
-              <a:t>6/10/2025</a:t>
+              <a:t>7/10/2025</a:t>
             </a:fld>
             <a:endParaRPr lang="es-AR"/>
           </a:p>
@@ -2691,7 +3123,7 @@
           <a:p>
             <a:fld id="{41FD5431-53B5-4D35-9FE8-D68895F22516}" type="datetimeFigureOut">
               <a:rPr lang="es-AR" smtClean="0"/>
-              <a:t>6/10/2025</a:t>
+              <a:t>7/10/2025</a:t>
             </a:fld>
             <a:endParaRPr lang="es-AR"/>
           </a:p>
@@ -2937,7 +3369,7 @@
           <a:p>
             <a:fld id="{41FD5431-53B5-4D35-9FE8-D68895F22516}" type="datetimeFigureOut">
               <a:rPr lang="es-AR" smtClean="0"/>
-              <a:t>6/10/2025</a:t>
+              <a:t>7/10/2025</a:t>
             </a:fld>
             <a:endParaRPr lang="es-AR"/>
           </a:p>
@@ -3169,7 +3601,7 @@
           <a:p>
             <a:fld id="{41FD5431-53B5-4D35-9FE8-D68895F22516}" type="datetimeFigureOut">
               <a:rPr lang="es-AR" smtClean="0"/>
-              <a:t>6/10/2025</a:t>
+              <a:t>7/10/2025</a:t>
             </a:fld>
             <a:endParaRPr lang="es-AR"/>
           </a:p>
@@ -3536,7 +3968,7 @@
           <a:p>
             <a:fld id="{41FD5431-53B5-4D35-9FE8-D68895F22516}" type="datetimeFigureOut">
               <a:rPr lang="es-AR" smtClean="0"/>
-              <a:t>6/10/2025</a:t>
+              <a:t>7/10/2025</a:t>
             </a:fld>
             <a:endParaRPr lang="es-AR"/>
           </a:p>
@@ -3654,7 +4086,7 @@
           <a:p>
             <a:fld id="{41FD5431-53B5-4D35-9FE8-D68895F22516}" type="datetimeFigureOut">
               <a:rPr lang="es-AR" smtClean="0"/>
-              <a:t>6/10/2025</a:t>
+              <a:t>7/10/2025</a:t>
             </a:fld>
             <a:endParaRPr lang="es-AR"/>
           </a:p>
@@ -3749,7 +4181,7 @@
           <a:p>
             <a:fld id="{41FD5431-53B5-4D35-9FE8-D68895F22516}" type="datetimeFigureOut">
               <a:rPr lang="es-AR" smtClean="0"/>
-              <a:t>6/10/2025</a:t>
+              <a:t>7/10/2025</a:t>
             </a:fld>
             <a:endParaRPr lang="es-AR"/>
           </a:p>
@@ -4123,7 +4555,7 @@
           <a:p>
             <a:fld id="{41FD5431-53B5-4D35-9FE8-D68895F22516}" type="datetimeFigureOut">
               <a:rPr lang="es-AR" smtClean="0"/>
-              <a:t>6/10/2025</a:t>
+              <a:t>7/10/2025</a:t>
             </a:fld>
             <a:endParaRPr lang="es-AR"/>
           </a:p>
@@ -4376,7 +4808,7 @@
           <a:p>
             <a:fld id="{41FD5431-53B5-4D35-9FE8-D68895F22516}" type="datetimeFigureOut">
               <a:rPr lang="es-AR" smtClean="0"/>
-              <a:t>6/10/2025</a:t>
+              <a:t>7/10/2025</a:t>
             </a:fld>
             <a:endParaRPr lang="es-AR"/>
           </a:p>
@@ -4546,7 +4978,7 @@
           <a:p>
             <a:fld id="{41FD5431-53B5-4D35-9FE8-D68895F22516}" type="datetimeFigureOut">
               <a:rPr lang="es-AR" smtClean="0"/>
-              <a:t>6/10/2025</a:t>
+              <a:t>7/10/2025</a:t>
             </a:fld>
             <a:endParaRPr lang="es-AR"/>
           </a:p>
@@ -4726,7 +5158,7 @@
           <a:p>
             <a:fld id="{41FD5431-53B5-4D35-9FE8-D68895F22516}" type="datetimeFigureOut">
               <a:rPr lang="es-AR" smtClean="0"/>
-              <a:t>6/10/2025</a:t>
+              <a:t>7/10/2025</a:t>
             </a:fld>
             <a:endParaRPr lang="es-AR"/>
           </a:p>
@@ -6038,7 +6470,7 @@
           <a:p>
             <a:fld id="{41FD5431-53B5-4D35-9FE8-D68895F22516}" type="datetimeFigureOut">
               <a:rPr lang="es-AR" smtClean="0"/>
-              <a:t>6/10/2025</a:t>
+              <a:t>7/10/2025</a:t>
             </a:fld>
             <a:endParaRPr lang="es-AR"/>
           </a:p>
@@ -6703,6 +7135,1075 @@
         <p:grpSpPr>
           <a:xfrm>
             <a:off x="540000" y="482760"/>
+            <a:ext cx="7704408" cy="573480"/>
+            <a:chOff x="540000" y="482760"/>
+            <a:chExt cx="6802560" cy="573480"/>
+          </a:xfrm>
+        </p:grpSpPr>
+        <p:pic>
+          <p:nvPicPr>
+            <p:cNvPr id="18" name="Picture 2" descr="C:\Users\jpavoni\Downloads\ELEMENTOS PARA WEB\ELEMENTOS PARA WEB\CAPA 2 nueva\PARTICIPACION CIUDADANA\BANNERS Y BOTONES-02.jpg"/>
+            <p:cNvPicPr/>
+            <p:nvPr/>
+          </p:nvPicPr>
+          <p:blipFill>
+            <a:blip r:embed="rId4" cstate="print"/>
+            <a:srcRect l="5396" t="37233" r="86991" b="50737"/>
+            <a:stretch/>
+          </p:blipFill>
+          <p:spPr>
+            <a:xfrm>
+              <a:off x="540000" y="482760"/>
+              <a:ext cx="645480" cy="573480"/>
+            </a:xfrm>
+            <a:prstGeom prst="rect">
+              <a:avLst/>
+            </a:prstGeom>
+            <a:ln w="0">
+              <a:noFill/>
+            </a:ln>
+          </p:spPr>
+        </p:pic>
+        <p:sp>
+          <p:nvSpPr>
+            <p:cNvPr id="19" name="13 Rectángulo"/>
+            <p:cNvSpPr/>
+            <p:nvPr/>
+          </p:nvSpPr>
+          <p:spPr>
+            <a:xfrm>
+              <a:off x="1008360" y="482760"/>
+              <a:ext cx="6334200" cy="521766"/>
+            </a:xfrm>
+            <a:prstGeom prst="rect">
+              <a:avLst/>
+            </a:prstGeom>
+            <a:noFill/>
+            <a:ln w="0">
+              <a:noFill/>
+            </a:ln>
+          </p:spPr>
+          <p:style>
+            <a:lnRef idx="0">
+              <a:scrgbClr r="0" g="0" b="0"/>
+            </a:lnRef>
+            <a:fillRef idx="0">
+              <a:scrgbClr r="0" g="0" b="0"/>
+            </a:fillRef>
+            <a:effectRef idx="0">
+              <a:scrgbClr r="0" g="0" b="0"/>
+            </a:effectRef>
+            <a:fontRef idx="minor"/>
+          </p:style>
+          <p:txBody>
+            <a:bodyPr lIns="90000" tIns="45000" rIns="90000" bIns="45000" anchor="t">
+              <a:spAutoFit/>
+            </a:bodyPr>
+            <a:lstStyle/>
+            <a:p>
+              <a:pPr>
+                <a:lnSpc>
+                  <a:spcPct val="100000"/>
+                </a:lnSpc>
+              </a:pPr>
+              <a:r>
+                <a:rPr lang="es-MX" sz="2800" spc="-1" dirty="0" smtClean="0">
+                  <a:solidFill>
+                    <a:srgbClr val="FFFFFF"/>
+                  </a:solidFill>
+                  <a:latin typeface="Alfabet ExtraBold"/>
+                </a:rPr>
+                <a:t>Movimientos </a:t>
+              </a:r>
+              <a:r>
+                <a:rPr lang="es-MX" sz="2800" spc="-1" dirty="0">
+                  <a:solidFill>
+                    <a:srgbClr val="FFFFFF"/>
+                  </a:solidFill>
+                  <a:latin typeface="Alfabet ExtraBold"/>
+                </a:rPr>
+                <a:t>-</a:t>
+              </a:r>
+              <a:r>
+                <a:rPr lang="es-MX" sz="2800" spc="-1" dirty="0" smtClean="0">
+                  <a:solidFill>
+                    <a:srgbClr val="FFFFFF"/>
+                  </a:solidFill>
+                  <a:latin typeface="Alfabet ExtraBold"/>
+                </a:rPr>
+                <a:t> Agregar y Eliminar</a:t>
+              </a:r>
+              <a:endParaRPr lang="es-AR" sz="2800" b="0" strike="noStrike" spc="-1" dirty="0">
+                <a:latin typeface="Arial"/>
+              </a:endParaRPr>
+            </a:p>
+          </p:txBody>
+        </p:sp>
+      </p:grpSp>
+      <p:pic>
+        <p:nvPicPr>
+          <p:cNvPr id="7" name="Imagen 6"/>
+          <p:cNvPicPr>
+            <a:picLocks noChangeAspect="1"/>
+          </p:cNvPicPr>
+          <p:nvPr/>
+        </p:nvPicPr>
+        <p:blipFill>
+          <a:blip r:embed="rId5"/>
+          <a:stretch>
+            <a:fillRect/>
+          </a:stretch>
+        </p:blipFill>
+        <p:spPr>
+          <a:xfrm>
+            <a:off x="72008" y="4145174"/>
+            <a:ext cx="8964488" cy="1660090"/>
+          </a:xfrm>
+          <a:prstGeom prst="rect">
+            <a:avLst/>
+          </a:prstGeom>
+        </p:spPr>
+      </p:pic>
+      <p:sp>
+        <p:nvSpPr>
+          <p:cNvPr id="8" name="Rectángulo redondeado 7"/>
+          <p:cNvSpPr/>
+          <p:nvPr/>
+        </p:nvSpPr>
+        <p:spPr>
+          <a:xfrm>
+            <a:off x="8172400" y="5301208"/>
+            <a:ext cx="720080" cy="432048"/>
+          </a:xfrm>
+          <a:prstGeom prst="roundRect">
+            <a:avLst/>
+          </a:prstGeom>
+          <a:noFill/>
+          <a:ln w="57150"/>
+        </p:spPr>
+        <p:style>
+          <a:lnRef idx="2">
+            <a:schemeClr val="accent2"/>
+          </a:lnRef>
+          <a:fillRef idx="1">
+            <a:schemeClr val="lt1"/>
+          </a:fillRef>
+          <a:effectRef idx="0">
+            <a:schemeClr val="accent2"/>
+          </a:effectRef>
+          <a:fontRef idx="minor">
+            <a:schemeClr val="dk1"/>
+          </a:fontRef>
+        </p:style>
+        <p:txBody>
+          <a:bodyPr rtlCol="0" anchor="ctr"/>
+          <a:lstStyle/>
+          <a:p>
+            <a:pPr algn="ctr"/>
+            <a:endParaRPr lang="es-AR"/>
+          </a:p>
+        </p:txBody>
+      </p:sp>
+      <p:pic>
+        <p:nvPicPr>
+          <p:cNvPr id="2" name="Imagen 1"/>
+          <p:cNvPicPr>
+            <a:picLocks noChangeAspect="1"/>
+          </p:cNvPicPr>
+          <p:nvPr/>
+        </p:nvPicPr>
+        <p:blipFill>
+          <a:blip r:embed="rId6"/>
+          <a:stretch>
+            <a:fillRect/>
+          </a:stretch>
+        </p:blipFill>
+        <p:spPr>
+          <a:xfrm>
+            <a:off x="107504" y="2204864"/>
+            <a:ext cx="8928992" cy="1829523"/>
+          </a:xfrm>
+          <a:prstGeom prst="rect">
+            <a:avLst/>
+          </a:prstGeom>
+        </p:spPr>
+      </p:pic>
+      <p:sp>
+        <p:nvSpPr>
+          <p:cNvPr id="5" name="Rectángulo 4"/>
+          <p:cNvSpPr/>
+          <p:nvPr/>
+        </p:nvSpPr>
+        <p:spPr>
+          <a:xfrm>
+            <a:off x="251520" y="1268760"/>
+            <a:ext cx="6120680" cy="1077218"/>
+          </a:xfrm>
+          <a:prstGeom prst="rect">
+            <a:avLst/>
+          </a:prstGeom>
+        </p:spPr>
+        <p:style>
+          <a:lnRef idx="3">
+            <a:schemeClr val="lt1"/>
+          </a:lnRef>
+          <a:fillRef idx="1">
+            <a:schemeClr val="accent3"/>
+          </a:fillRef>
+          <a:effectRef idx="1">
+            <a:schemeClr val="accent3"/>
+          </a:effectRef>
+          <a:fontRef idx="minor">
+            <a:schemeClr val="lt1"/>
+          </a:fontRef>
+        </p:style>
+        <p:txBody>
+          <a:bodyPr wrap="square">
+            <a:spAutoFit/>
+          </a:bodyPr>
+          <a:lstStyle/>
+          <a:p>
+            <a:pPr marL="90488" lvl="1"/>
+            <a:r>
+              <a:rPr lang="es-ES" sz="1600" spc="-1" dirty="0" smtClean="0">
+                <a:solidFill>
+                  <a:srgbClr val="FFFFFF"/>
+                </a:solidFill>
+                <a:latin typeface="Alfabet Medium"/>
+              </a:rPr>
+              <a:t>Desde el área de Educación será posible Agregar movimientos en caso de que faltaran, o Eliminar movimientos que no correspondieran, o Eliminar y Agregar movimientos que tuvieran errores de carga.</a:t>
+            </a:r>
+            <a:endParaRPr lang="es-ES" sz="1600" spc="-1" dirty="0">
+              <a:solidFill>
+                <a:srgbClr val="FFFFFF"/>
+              </a:solidFill>
+              <a:latin typeface="Alfabet Medium"/>
+            </a:endParaRPr>
+          </a:p>
+        </p:txBody>
+      </p:sp>
+      <p:sp>
+        <p:nvSpPr>
+          <p:cNvPr id="11" name="Rectángulo redondeado 10"/>
+          <p:cNvSpPr/>
+          <p:nvPr/>
+        </p:nvSpPr>
+        <p:spPr>
+          <a:xfrm>
+            <a:off x="7956376" y="2420888"/>
+            <a:ext cx="864096" cy="432048"/>
+          </a:xfrm>
+          <a:prstGeom prst="roundRect">
+            <a:avLst/>
+          </a:prstGeom>
+          <a:noFill/>
+          <a:ln w="57150"/>
+        </p:spPr>
+        <p:style>
+          <a:lnRef idx="2">
+            <a:schemeClr val="accent2"/>
+          </a:lnRef>
+          <a:fillRef idx="1">
+            <a:schemeClr val="lt1"/>
+          </a:fillRef>
+          <a:effectRef idx="0">
+            <a:schemeClr val="accent2"/>
+          </a:effectRef>
+          <a:fontRef idx="minor">
+            <a:schemeClr val="dk1"/>
+          </a:fontRef>
+        </p:style>
+        <p:txBody>
+          <a:bodyPr rtlCol="0" anchor="ctr"/>
+          <a:lstStyle/>
+          <a:p>
+            <a:pPr algn="ctr"/>
+            <a:endParaRPr lang="es-AR"/>
+          </a:p>
+        </p:txBody>
+      </p:sp>
+    </p:spTree>
+    <p:extLst>
+      <p:ext uri="{BB962C8B-B14F-4D97-AF65-F5344CB8AC3E}">
+        <p14:creationId xmlns:p14="http://schemas.microsoft.com/office/powerpoint/2010/main" val="2656759586"/>
+      </p:ext>
+    </p:extLst>
+  </p:cSld>
+  <p:clrMapOvr>
+    <a:masterClrMapping/>
+  </p:clrMapOvr>
+  <mc:AlternateContent xmlns:mc="http://schemas.openxmlformats.org/markup-compatibility/2006" xmlns:p14="http://schemas.microsoft.com/office/powerpoint/2010/main">
+    <mc:Choice Requires="p14">
+      <p:transition spd="slow" p14:dur="2000"/>
+    </mc:Choice>
+    <mc:Fallback xmlns="">
+      <p:transition spd="slow"/>
+    </mc:Fallback>
+  </mc:AlternateContent>
+  <p:timing>
+    <p:tnLst>
+      <p:par>
+        <p:cTn id="1" dur="indefinite" restart="never" nodeType="tmRoot"/>
+      </p:par>
+    </p:tnLst>
+  </p:timing>
+</p:sld>
+</file>
+
+<file path=ppt/slides/slide11.xml><?xml version="1.0" encoding="utf-8"?>
+<p:sld xmlns:a="http://schemas.openxmlformats.org/drawingml/2006/main" xmlns:r="http://schemas.openxmlformats.org/officeDocument/2006/relationships" xmlns:p="http://schemas.openxmlformats.org/presentationml/2006/main">
+  <p:cSld>
+    <p:bg>
+      <p:bgPr>
+        <a:solidFill>
+          <a:srgbClr val="174574"/>
+        </a:solidFill>
+        <a:effectLst/>
+      </p:bgPr>
+    </p:bg>
+    <p:spTree>
+      <p:nvGrpSpPr>
+        <p:cNvPr id="1" name=""/>
+        <p:cNvGrpSpPr/>
+        <p:nvPr/>
+      </p:nvGrpSpPr>
+      <p:grpSpPr>
+        <a:xfrm>
+          <a:off x="0" y="0"/>
+          <a:ext cx="0" cy="0"/>
+          <a:chOff x="0" y="0"/>
+          <a:chExt cx="0" cy="0"/>
+        </a:xfrm>
+      </p:grpSpPr>
+      <p:pic>
+        <p:nvPicPr>
+          <p:cNvPr id="8" name="Imagen 7"/>
+          <p:cNvPicPr>
+            <a:picLocks noChangeAspect="1"/>
+          </p:cNvPicPr>
+          <p:nvPr/>
+        </p:nvPicPr>
+        <p:blipFill>
+          <a:blip r:embed="rId3"/>
+          <a:stretch>
+            <a:fillRect/>
+          </a:stretch>
+        </p:blipFill>
+        <p:spPr>
+          <a:xfrm>
+            <a:off x="252736" y="1624086"/>
+            <a:ext cx="8411770" cy="1588890"/>
+          </a:xfrm>
+          <a:prstGeom prst="rect">
+            <a:avLst/>
+          </a:prstGeom>
+        </p:spPr>
+      </p:pic>
+      <p:pic>
+        <p:nvPicPr>
+          <p:cNvPr id="12" name="Imagen 11"/>
+          <p:cNvPicPr>
+            <a:picLocks noChangeAspect="1"/>
+          </p:cNvPicPr>
+          <p:nvPr/>
+        </p:nvPicPr>
+        <p:blipFill>
+          <a:blip r:embed="rId4"/>
+          <a:stretch>
+            <a:fillRect/>
+          </a:stretch>
+        </p:blipFill>
+        <p:spPr>
+          <a:xfrm>
+            <a:off x="251520" y="4978138"/>
+            <a:ext cx="6314280" cy="935594"/>
+          </a:xfrm>
+          <a:prstGeom prst="rect">
+            <a:avLst/>
+          </a:prstGeom>
+        </p:spPr>
+      </p:pic>
+      <p:pic>
+        <p:nvPicPr>
+          <p:cNvPr id="142" name="141 Imagen"/>
+          <p:cNvPicPr/>
+          <p:nvPr/>
+        </p:nvPicPr>
+        <p:blipFill>
+          <a:blip r:embed="rId5" cstate="print"/>
+          <a:stretch/>
+        </p:blipFill>
+        <p:spPr>
+          <a:xfrm>
+            <a:off x="360" y="5897520"/>
+            <a:ext cx="9143280" cy="960120"/>
+          </a:xfrm>
+          <a:prstGeom prst="rect">
+            <a:avLst/>
+          </a:prstGeom>
+          <a:ln w="0">
+            <a:noFill/>
+          </a:ln>
+        </p:spPr>
+      </p:pic>
+      <p:grpSp>
+        <p:nvGrpSpPr>
+          <p:cNvPr id="17" name="15 Grupo"/>
+          <p:cNvGrpSpPr/>
+          <p:nvPr/>
+        </p:nvGrpSpPr>
+        <p:grpSpPr>
+          <a:xfrm>
+            <a:off x="540000" y="482760"/>
+            <a:ext cx="7704408" cy="573480"/>
+            <a:chOff x="540000" y="482760"/>
+            <a:chExt cx="6802560" cy="573480"/>
+          </a:xfrm>
+          <a:solidFill>
+            <a:srgbClr val="174574"/>
+          </a:solidFill>
+        </p:grpSpPr>
+        <p:pic>
+          <p:nvPicPr>
+            <p:cNvPr id="18" name="Picture 2" descr="C:\Users\jpavoni\Downloads\ELEMENTOS PARA WEB\ELEMENTOS PARA WEB\CAPA 2 nueva\PARTICIPACION CIUDADANA\BANNERS Y BOTONES-02.jpg"/>
+            <p:cNvPicPr/>
+            <p:nvPr/>
+          </p:nvPicPr>
+          <p:blipFill>
+            <a:blip r:embed="rId6" cstate="print"/>
+            <a:srcRect l="5396" t="37233" r="86991" b="50737"/>
+            <a:stretch/>
+          </p:blipFill>
+          <p:spPr>
+            <a:xfrm>
+              <a:off x="540000" y="482760"/>
+              <a:ext cx="645480" cy="573480"/>
+            </a:xfrm>
+            <a:prstGeom prst="rect">
+              <a:avLst/>
+            </a:prstGeom>
+            <a:grpFill/>
+            <a:ln w="0">
+              <a:noFill/>
+            </a:ln>
+          </p:spPr>
+        </p:pic>
+        <p:sp>
+          <p:nvSpPr>
+            <p:cNvPr id="19" name="13 Rectángulo"/>
+            <p:cNvSpPr/>
+            <p:nvPr/>
+          </p:nvSpPr>
+          <p:spPr>
+            <a:xfrm>
+              <a:off x="1008360" y="482760"/>
+              <a:ext cx="6334200" cy="521766"/>
+            </a:xfrm>
+            <a:prstGeom prst="rect">
+              <a:avLst/>
+            </a:prstGeom>
+            <a:grpFill/>
+            <a:ln w="0">
+              <a:noFill/>
+            </a:ln>
+          </p:spPr>
+          <p:style>
+            <a:lnRef idx="0">
+              <a:scrgbClr r="0" g="0" b="0"/>
+            </a:lnRef>
+            <a:fillRef idx="0">
+              <a:scrgbClr r="0" g="0" b="0"/>
+            </a:fillRef>
+            <a:effectRef idx="0">
+              <a:scrgbClr r="0" g="0" b="0"/>
+            </a:effectRef>
+            <a:fontRef idx="minor"/>
+          </p:style>
+          <p:txBody>
+            <a:bodyPr lIns="90000" tIns="45000" rIns="90000" bIns="45000" anchor="t">
+              <a:spAutoFit/>
+            </a:bodyPr>
+            <a:lstStyle/>
+            <a:p>
+              <a:pPr>
+                <a:lnSpc>
+                  <a:spcPct val="100000"/>
+                </a:lnSpc>
+              </a:pPr>
+              <a:r>
+                <a:rPr lang="es-MX" sz="2800" spc="-1" dirty="0" smtClean="0">
+                  <a:solidFill>
+                    <a:srgbClr val="FFFFFF"/>
+                  </a:solidFill>
+                  <a:latin typeface="Alfabet ExtraBold"/>
+                </a:rPr>
+                <a:t>Movimientos - Devolver</a:t>
+              </a:r>
+              <a:endParaRPr lang="es-AR" sz="2800" b="0" strike="noStrike" spc="-1" dirty="0">
+                <a:latin typeface="Arial"/>
+              </a:endParaRPr>
+            </a:p>
+          </p:txBody>
+        </p:sp>
+      </p:grpSp>
+      <p:sp>
+        <p:nvSpPr>
+          <p:cNvPr id="14" name="Rectángulo 13"/>
+          <p:cNvSpPr/>
+          <p:nvPr/>
+        </p:nvSpPr>
+        <p:spPr>
+          <a:xfrm>
+            <a:off x="251520" y="1268760"/>
+            <a:ext cx="6120680" cy="584775"/>
+          </a:xfrm>
+          <a:prstGeom prst="rect">
+            <a:avLst/>
+          </a:prstGeom>
+        </p:spPr>
+        <p:style>
+          <a:lnRef idx="3">
+            <a:schemeClr val="lt1"/>
+          </a:lnRef>
+          <a:fillRef idx="1">
+            <a:schemeClr val="accent3"/>
+          </a:fillRef>
+          <a:effectRef idx="1">
+            <a:schemeClr val="accent3"/>
+          </a:effectRef>
+          <a:fontRef idx="minor">
+            <a:schemeClr val="lt1"/>
+          </a:fontRef>
+        </p:style>
+        <p:txBody>
+          <a:bodyPr wrap="square">
+            <a:spAutoFit/>
+          </a:bodyPr>
+          <a:lstStyle/>
+          <a:p>
+            <a:pPr marL="90488" lvl="1"/>
+            <a:r>
+              <a:rPr lang="es-ES" sz="1600" spc="-1" dirty="0" smtClean="0">
+                <a:solidFill>
+                  <a:srgbClr val="FFFFFF"/>
+                </a:solidFill>
+                <a:latin typeface="Alfabet Medium"/>
+              </a:rPr>
+              <a:t>Desde el área de Educación será posible Devolver la Cabecera de Movimientos al establecimiento en caso de que haya errores.</a:t>
+            </a:r>
+            <a:endParaRPr lang="es-ES" sz="1600" spc="-1" dirty="0">
+              <a:solidFill>
+                <a:srgbClr val="FFFFFF"/>
+              </a:solidFill>
+              <a:latin typeface="Alfabet Medium"/>
+            </a:endParaRPr>
+          </a:p>
+        </p:txBody>
+      </p:sp>
+      <p:pic>
+        <p:nvPicPr>
+          <p:cNvPr id="9" name="Imagen 8"/>
+          <p:cNvPicPr>
+            <a:picLocks noChangeAspect="1"/>
+          </p:cNvPicPr>
+          <p:nvPr/>
+        </p:nvPicPr>
+        <p:blipFill>
+          <a:blip r:embed="rId7"/>
+          <a:stretch>
+            <a:fillRect/>
+          </a:stretch>
+        </p:blipFill>
+        <p:spPr>
+          <a:xfrm>
+            <a:off x="4788024" y="3227430"/>
+            <a:ext cx="3761973" cy="1779726"/>
+          </a:xfrm>
+          <a:prstGeom prst="rect">
+            <a:avLst/>
+          </a:prstGeom>
+        </p:spPr>
+      </p:pic>
+      <p:sp>
+        <p:nvSpPr>
+          <p:cNvPr id="10" name="Flecha abajo 9"/>
+          <p:cNvSpPr/>
+          <p:nvPr/>
+        </p:nvSpPr>
+        <p:spPr>
+          <a:xfrm>
+            <a:off x="7956376" y="2708920"/>
+            <a:ext cx="576064" cy="648072"/>
+          </a:xfrm>
+          <a:prstGeom prst="downArrow">
+            <a:avLst/>
+          </a:prstGeom>
+        </p:spPr>
+        <p:style>
+          <a:lnRef idx="2">
+            <a:schemeClr val="accent1">
+              <a:shade val="50000"/>
+            </a:schemeClr>
+          </a:lnRef>
+          <a:fillRef idx="1">
+            <a:schemeClr val="accent1"/>
+          </a:fillRef>
+          <a:effectRef idx="0">
+            <a:schemeClr val="accent1"/>
+          </a:effectRef>
+          <a:fontRef idx="minor">
+            <a:schemeClr val="lt1"/>
+          </a:fontRef>
+        </p:style>
+        <p:txBody>
+          <a:bodyPr rtlCol="0" anchor="ctr"/>
+          <a:lstStyle/>
+          <a:p>
+            <a:pPr algn="ctr"/>
+            <a:endParaRPr lang="es-AR"/>
+          </a:p>
+        </p:txBody>
+      </p:sp>
+      <p:sp>
+        <p:nvSpPr>
+          <p:cNvPr id="22" name="Rectángulo 21"/>
+          <p:cNvSpPr/>
+          <p:nvPr/>
+        </p:nvSpPr>
+        <p:spPr>
+          <a:xfrm>
+            <a:off x="251520" y="3140968"/>
+            <a:ext cx="4366547" cy="1077218"/>
+          </a:xfrm>
+          <a:prstGeom prst="rect">
+            <a:avLst/>
+          </a:prstGeom>
+        </p:spPr>
+        <p:style>
+          <a:lnRef idx="3">
+            <a:schemeClr val="lt1"/>
+          </a:lnRef>
+          <a:fillRef idx="1">
+            <a:schemeClr val="accent3"/>
+          </a:fillRef>
+          <a:effectRef idx="1">
+            <a:schemeClr val="accent3"/>
+          </a:effectRef>
+          <a:fontRef idx="minor">
+            <a:schemeClr val="lt1"/>
+          </a:fontRef>
+        </p:style>
+        <p:txBody>
+          <a:bodyPr wrap="square">
+            <a:spAutoFit/>
+          </a:bodyPr>
+          <a:lstStyle/>
+          <a:p>
+            <a:pPr marL="90488" lvl="1"/>
+            <a:r>
+              <a:rPr lang="es-ES" sz="1600" spc="-1" dirty="0" smtClean="0">
+                <a:solidFill>
+                  <a:srgbClr val="FFFFFF"/>
+                </a:solidFill>
+                <a:latin typeface="Alfabet Medium"/>
+              </a:rPr>
+              <a:t>Se deberá </a:t>
+            </a:r>
+            <a:r>
+              <a:rPr lang="es-AR" sz="1600" spc="-1" dirty="0" smtClean="0">
+                <a:solidFill>
+                  <a:srgbClr val="FFFFFF"/>
+                </a:solidFill>
+                <a:latin typeface="Alfabet Medium"/>
+              </a:rPr>
+              <a:t>agregar una observación del motivo de la devolución y al apretar el botón “Devolver” la cabecera aparecerá como “Rechazada” y volverá al Establecimiento.</a:t>
+            </a:r>
+            <a:endParaRPr lang="es-ES" sz="1600" spc="-1" dirty="0">
+              <a:solidFill>
+                <a:srgbClr val="FFFFFF"/>
+              </a:solidFill>
+              <a:latin typeface="Alfabet Medium"/>
+            </a:endParaRPr>
+          </a:p>
+        </p:txBody>
+      </p:sp>
+      <p:pic>
+        <p:nvPicPr>
+          <p:cNvPr id="11" name="Imagen 10"/>
+          <p:cNvPicPr>
+            <a:picLocks noChangeAspect="1"/>
+          </p:cNvPicPr>
+          <p:nvPr/>
+        </p:nvPicPr>
+        <p:blipFill>
+          <a:blip r:embed="rId8"/>
+          <a:stretch>
+            <a:fillRect/>
+          </a:stretch>
+        </p:blipFill>
+        <p:spPr>
+          <a:xfrm>
+            <a:off x="251521" y="4221088"/>
+            <a:ext cx="3384376" cy="750347"/>
+          </a:xfrm>
+          <a:prstGeom prst="rect">
+            <a:avLst/>
+          </a:prstGeom>
+        </p:spPr>
+      </p:pic>
+    </p:spTree>
+    <p:extLst>
+      <p:ext uri="{BB962C8B-B14F-4D97-AF65-F5344CB8AC3E}">
+        <p14:creationId xmlns:p14="http://schemas.microsoft.com/office/powerpoint/2010/main" val="1981813978"/>
+      </p:ext>
+    </p:extLst>
+  </p:cSld>
+  <p:clrMapOvr>
+    <a:masterClrMapping/>
+  </p:clrMapOvr>
+  <mc:AlternateContent xmlns:mc="http://schemas.openxmlformats.org/markup-compatibility/2006" xmlns:p14="http://schemas.microsoft.com/office/powerpoint/2010/main">
+    <mc:Choice Requires="p14">
+      <p:transition spd="slow" p14:dur="2000"/>
+    </mc:Choice>
+    <mc:Fallback xmlns="">
+      <p:transition spd="slow"/>
+    </mc:Fallback>
+  </mc:AlternateContent>
+  <p:timing>
+    <p:tnLst>
+      <p:par>
+        <p:cTn id="1" dur="indefinite" restart="never" nodeType="tmRoot"/>
+      </p:par>
+    </p:tnLst>
+  </p:timing>
+</p:sld>
+</file>
+
+<file path=ppt/slides/slide12.xml><?xml version="1.0" encoding="utf-8"?>
+<p:sld xmlns:a="http://schemas.openxmlformats.org/drawingml/2006/main" xmlns:r="http://schemas.openxmlformats.org/officeDocument/2006/relationships" xmlns:p="http://schemas.openxmlformats.org/presentationml/2006/main">
+  <p:cSld>
+    <p:bg>
+      <p:bgPr>
+        <a:solidFill>
+          <a:srgbClr val="174574"/>
+        </a:solidFill>
+        <a:effectLst/>
+      </p:bgPr>
+    </p:bg>
+    <p:spTree>
+      <p:nvGrpSpPr>
+        <p:cNvPr id="1" name=""/>
+        <p:cNvGrpSpPr/>
+        <p:nvPr/>
+      </p:nvGrpSpPr>
+      <p:grpSpPr>
+        <a:xfrm>
+          <a:off x="0" y="0"/>
+          <a:ext cx="0" cy="0"/>
+          <a:chOff x="0" y="0"/>
+          <a:chExt cx="0" cy="0"/>
+        </a:xfrm>
+      </p:grpSpPr>
+      <p:pic>
+        <p:nvPicPr>
+          <p:cNvPr id="6" name="Imagen 5"/>
+          <p:cNvPicPr>
+            <a:picLocks noChangeAspect="1"/>
+          </p:cNvPicPr>
+          <p:nvPr/>
+        </p:nvPicPr>
+        <p:blipFill>
+          <a:blip r:embed="rId3"/>
+          <a:stretch>
+            <a:fillRect/>
+          </a:stretch>
+        </p:blipFill>
+        <p:spPr>
+          <a:xfrm>
+            <a:off x="305780" y="1135556"/>
+            <a:ext cx="8388424" cy="1710367"/>
+          </a:xfrm>
+          <a:prstGeom prst="rect">
+            <a:avLst/>
+          </a:prstGeom>
+        </p:spPr>
+      </p:pic>
+      <p:pic>
+        <p:nvPicPr>
+          <p:cNvPr id="142" name="141 Imagen"/>
+          <p:cNvPicPr/>
+          <p:nvPr/>
+        </p:nvPicPr>
+        <p:blipFill>
+          <a:blip r:embed="rId4" cstate="print"/>
+          <a:stretch/>
+        </p:blipFill>
+        <p:spPr>
+          <a:xfrm>
+            <a:off x="360" y="5897520"/>
+            <a:ext cx="9143280" cy="960120"/>
+          </a:xfrm>
+          <a:prstGeom prst="rect">
+            <a:avLst/>
+          </a:prstGeom>
+          <a:ln w="0">
+            <a:noFill/>
+          </a:ln>
+        </p:spPr>
+      </p:pic>
+      <p:grpSp>
+        <p:nvGrpSpPr>
+          <p:cNvPr id="17" name="15 Grupo"/>
+          <p:cNvGrpSpPr/>
+          <p:nvPr/>
+        </p:nvGrpSpPr>
+        <p:grpSpPr>
+          <a:xfrm>
+            <a:off x="540000" y="482760"/>
+            <a:ext cx="7704408" cy="573480"/>
+            <a:chOff x="540000" y="482760"/>
+            <a:chExt cx="6802560" cy="573480"/>
+          </a:xfrm>
+        </p:grpSpPr>
+        <p:pic>
+          <p:nvPicPr>
+            <p:cNvPr id="18" name="Picture 2" descr="C:\Users\jpavoni\Downloads\ELEMENTOS PARA WEB\ELEMENTOS PARA WEB\CAPA 2 nueva\PARTICIPACION CIUDADANA\BANNERS Y BOTONES-02.jpg"/>
+            <p:cNvPicPr/>
+            <p:nvPr/>
+          </p:nvPicPr>
+          <p:blipFill>
+            <a:blip r:embed="rId5" cstate="print"/>
+            <a:srcRect l="5396" t="37233" r="86991" b="50737"/>
+            <a:stretch/>
+          </p:blipFill>
+          <p:spPr>
+            <a:xfrm>
+              <a:off x="540000" y="482760"/>
+              <a:ext cx="645480" cy="573480"/>
+            </a:xfrm>
+            <a:prstGeom prst="rect">
+              <a:avLst/>
+            </a:prstGeom>
+            <a:ln w="0">
+              <a:noFill/>
+            </a:ln>
+          </p:spPr>
+        </p:pic>
+        <p:sp>
+          <p:nvSpPr>
+            <p:cNvPr id="19" name="13 Rectángulo"/>
+            <p:cNvSpPr/>
+            <p:nvPr/>
+          </p:nvSpPr>
+          <p:spPr>
+            <a:xfrm>
+              <a:off x="1008360" y="482760"/>
+              <a:ext cx="6334200" cy="521766"/>
+            </a:xfrm>
+            <a:prstGeom prst="rect">
+              <a:avLst/>
+            </a:prstGeom>
+            <a:noFill/>
+            <a:ln w="0">
+              <a:noFill/>
+            </a:ln>
+          </p:spPr>
+          <p:style>
+            <a:lnRef idx="0">
+              <a:scrgbClr r="0" g="0" b="0"/>
+            </a:lnRef>
+            <a:fillRef idx="0">
+              <a:scrgbClr r="0" g="0" b="0"/>
+            </a:fillRef>
+            <a:effectRef idx="0">
+              <a:scrgbClr r="0" g="0" b="0"/>
+            </a:effectRef>
+            <a:fontRef idx="minor"/>
+          </p:style>
+          <p:txBody>
+            <a:bodyPr lIns="90000" tIns="45000" rIns="90000" bIns="45000" anchor="t">
+              <a:spAutoFit/>
+            </a:bodyPr>
+            <a:lstStyle/>
+            <a:p>
+              <a:pPr>
+                <a:lnSpc>
+                  <a:spcPct val="100000"/>
+                </a:lnSpc>
+              </a:pPr>
+              <a:r>
+                <a:rPr lang="es-MX" sz="2800" spc="-1" dirty="0" smtClean="0">
+                  <a:solidFill>
+                    <a:srgbClr val="FFFFFF"/>
+                  </a:solidFill>
+                  <a:latin typeface="Alfabet ExtraBold"/>
+                </a:rPr>
+                <a:t>Movimientos - Enviar a Provincia</a:t>
+              </a:r>
+              <a:endParaRPr lang="es-AR" sz="2800" b="0" strike="noStrike" spc="-1" dirty="0">
+                <a:latin typeface="Arial"/>
+              </a:endParaRPr>
+            </a:p>
+          </p:txBody>
+        </p:sp>
+      </p:grpSp>
+      <p:pic>
+        <p:nvPicPr>
+          <p:cNvPr id="2" name="Imagen 1"/>
+          <p:cNvPicPr>
+            <a:picLocks noChangeAspect="1"/>
+          </p:cNvPicPr>
+          <p:nvPr/>
+        </p:nvPicPr>
+        <p:blipFill>
+          <a:blip r:embed="rId6"/>
+          <a:stretch>
+            <a:fillRect/>
+          </a:stretch>
+        </p:blipFill>
+        <p:spPr>
+          <a:xfrm>
+            <a:off x="305780" y="3440577"/>
+            <a:ext cx="6060216" cy="973173"/>
+          </a:xfrm>
+          <a:prstGeom prst="rect">
+            <a:avLst/>
+          </a:prstGeom>
+        </p:spPr>
+      </p:pic>
+      <p:pic>
+        <p:nvPicPr>
+          <p:cNvPr id="3" name="Imagen 2"/>
+          <p:cNvPicPr>
+            <a:picLocks noChangeAspect="1"/>
+          </p:cNvPicPr>
+          <p:nvPr/>
+        </p:nvPicPr>
+        <p:blipFill>
+          <a:blip r:embed="rId7"/>
+          <a:stretch>
+            <a:fillRect/>
+          </a:stretch>
+        </p:blipFill>
+        <p:spPr>
+          <a:xfrm>
+            <a:off x="305780" y="4581128"/>
+            <a:ext cx="8532440" cy="1382320"/>
+          </a:xfrm>
+          <a:prstGeom prst="rect">
+            <a:avLst/>
+          </a:prstGeom>
+        </p:spPr>
+      </p:pic>
+      <p:pic>
+        <p:nvPicPr>
+          <p:cNvPr id="4" name="Imagen 3"/>
+          <p:cNvPicPr>
+            <a:picLocks noChangeAspect="1"/>
+          </p:cNvPicPr>
+          <p:nvPr/>
+        </p:nvPicPr>
+        <p:blipFill>
+          <a:blip r:embed="rId8"/>
+          <a:stretch>
+            <a:fillRect/>
+          </a:stretch>
+        </p:blipFill>
+        <p:spPr>
+          <a:xfrm>
+            <a:off x="2915816" y="2216797"/>
+            <a:ext cx="4495238" cy="1409524"/>
+          </a:xfrm>
+          <a:prstGeom prst="rect">
+            <a:avLst/>
+          </a:prstGeom>
+        </p:spPr>
+      </p:pic>
+    </p:spTree>
+    <p:extLst>
+      <p:ext uri="{BB962C8B-B14F-4D97-AF65-F5344CB8AC3E}">
+        <p14:creationId xmlns:p14="http://schemas.microsoft.com/office/powerpoint/2010/main" val="1777271892"/>
+      </p:ext>
+    </p:extLst>
+  </p:cSld>
+  <p:clrMapOvr>
+    <a:masterClrMapping/>
+  </p:clrMapOvr>
+  <mc:AlternateContent xmlns:mc="http://schemas.openxmlformats.org/markup-compatibility/2006" xmlns:p14="http://schemas.microsoft.com/office/powerpoint/2010/main">
+    <mc:Choice Requires="p14">
+      <p:transition spd="slow" p14:dur="2000"/>
+    </mc:Choice>
+    <mc:Fallback xmlns="">
+      <p:transition spd="slow"/>
+    </mc:Fallback>
+  </mc:AlternateContent>
+  <p:timing>
+    <p:tnLst>
+      <p:par>
+        <p:cTn id="1" dur="indefinite" restart="never" nodeType="tmRoot"/>
+      </p:par>
+    </p:tnLst>
+  </p:timing>
+</p:sld>
+</file>
+
+<file path=ppt/slides/slide13.xml><?xml version="1.0" encoding="utf-8"?>
+<p:sld xmlns:a="http://schemas.openxmlformats.org/drawingml/2006/main" xmlns:r="http://schemas.openxmlformats.org/officeDocument/2006/relationships" xmlns:p="http://schemas.openxmlformats.org/presentationml/2006/main">
+  <p:cSld>
+    <p:bg>
+      <p:bgPr>
+        <a:solidFill>
+          <a:srgbClr val="174574"/>
+        </a:solidFill>
+        <a:effectLst/>
+      </p:bgPr>
+    </p:bg>
+    <p:spTree>
+      <p:nvGrpSpPr>
+        <p:cNvPr id="1" name=""/>
+        <p:cNvGrpSpPr/>
+        <p:nvPr/>
+      </p:nvGrpSpPr>
+      <p:grpSpPr>
+        <a:xfrm>
+          <a:off x="0" y="0"/>
+          <a:ext cx="0" cy="0"/>
+          <a:chOff x="0" y="0"/>
+          <a:chExt cx="0" cy="0"/>
+        </a:xfrm>
+      </p:grpSpPr>
+      <p:pic>
+        <p:nvPicPr>
+          <p:cNvPr id="142" name="141 Imagen"/>
+          <p:cNvPicPr/>
+          <p:nvPr/>
+        </p:nvPicPr>
+        <p:blipFill>
+          <a:blip r:embed="rId3" cstate="print"/>
+          <a:stretch/>
+        </p:blipFill>
+        <p:spPr>
+          <a:xfrm>
+            <a:off x="360" y="5897520"/>
+            <a:ext cx="9143280" cy="960120"/>
+          </a:xfrm>
+          <a:prstGeom prst="rect">
+            <a:avLst/>
+          </a:prstGeom>
+          <a:ln w="0">
+            <a:noFill/>
+          </a:ln>
+        </p:spPr>
+      </p:pic>
+      <p:grpSp>
+        <p:nvGrpSpPr>
+          <p:cNvPr id="17" name="15 Grupo"/>
+          <p:cNvGrpSpPr/>
+          <p:nvPr/>
+        </p:nvGrpSpPr>
+        <p:grpSpPr>
+          <a:xfrm>
+            <a:off x="540000" y="482760"/>
             <a:ext cx="8298220" cy="952653"/>
             <a:chOff x="540000" y="482760"/>
             <a:chExt cx="6802560" cy="952653"/>
@@ -8579,6 +10080,791 @@
       </p:pic>
       <p:pic>
         <p:nvPicPr>
+          <p:cNvPr id="2" name="Imagen 1"/>
+          <p:cNvPicPr>
+            <a:picLocks noChangeAspect="1"/>
+          </p:cNvPicPr>
+          <p:nvPr/>
+        </p:nvPicPr>
+        <p:blipFill>
+          <a:blip r:embed="rId6"/>
+          <a:stretch>
+            <a:fillRect/>
+          </a:stretch>
+        </p:blipFill>
+        <p:spPr>
+          <a:xfrm>
+            <a:off x="4895699" y="1451103"/>
+            <a:ext cx="2484613" cy="4138137"/>
+          </a:xfrm>
+          <a:prstGeom prst="rect">
+            <a:avLst/>
+          </a:prstGeom>
+        </p:spPr>
+      </p:pic>
+    </p:spTree>
+    <p:extLst>
+      <p:ext uri="{BB962C8B-B14F-4D97-AF65-F5344CB8AC3E}">
+        <p14:creationId xmlns:p14="http://schemas.microsoft.com/office/powerpoint/2010/main" val="1916637306"/>
+      </p:ext>
+    </p:extLst>
+  </p:cSld>
+  <p:clrMapOvr>
+    <a:masterClrMapping/>
+  </p:clrMapOvr>
+  <mc:AlternateContent xmlns:mc="http://schemas.openxmlformats.org/markup-compatibility/2006">
+    <mc:Choice xmlns:p14="http://schemas.microsoft.com/office/powerpoint/2010/main" Requires="p14">
+      <p:transition spd="slow" p14:dur="2000"/>
+    </mc:Choice>
+    <mc:Fallback>
+      <p:transition spd="slow"/>
+    </mc:Fallback>
+  </mc:AlternateContent>
+  <p:timing>
+    <p:tnLst>
+      <p:par>
+        <p:cTn id="1" dur="indefinite" restart="never" nodeType="tmRoot"/>
+      </p:par>
+    </p:tnLst>
+  </p:timing>
+</p:sld>
+</file>
+
+<file path=ppt/slides/slide6.xml><?xml version="1.0" encoding="utf-8"?>
+<p:sld xmlns:a="http://schemas.openxmlformats.org/drawingml/2006/main" xmlns:r="http://schemas.openxmlformats.org/officeDocument/2006/relationships" xmlns:p="http://schemas.openxmlformats.org/presentationml/2006/main">
+  <p:cSld>
+    <p:bg>
+      <p:bgPr>
+        <a:solidFill>
+          <a:srgbClr val="174574"/>
+        </a:solidFill>
+        <a:effectLst/>
+      </p:bgPr>
+    </p:bg>
+    <p:spTree>
+      <p:nvGrpSpPr>
+        <p:cNvPr id="1" name=""/>
+        <p:cNvGrpSpPr/>
+        <p:nvPr/>
+      </p:nvGrpSpPr>
+      <p:grpSpPr>
+        <a:xfrm>
+          <a:off x="0" y="0"/>
+          <a:ext cx="0" cy="0"/>
+          <a:chOff x="0" y="0"/>
+          <a:chExt cx="0" cy="0"/>
+        </a:xfrm>
+      </p:grpSpPr>
+      <p:pic>
+        <p:nvPicPr>
+          <p:cNvPr id="5" name="Imagen 4"/>
+          <p:cNvPicPr>
+            <a:picLocks noChangeAspect="1"/>
+          </p:cNvPicPr>
+          <p:nvPr/>
+        </p:nvPicPr>
+        <p:blipFill>
+          <a:blip r:embed="rId3"/>
+          <a:stretch>
+            <a:fillRect/>
+          </a:stretch>
+        </p:blipFill>
+        <p:spPr>
+          <a:xfrm>
+            <a:off x="89189" y="1896256"/>
+            <a:ext cx="9019315" cy="3044912"/>
+          </a:xfrm>
+          <a:prstGeom prst="rect">
+            <a:avLst/>
+          </a:prstGeom>
+        </p:spPr>
+      </p:pic>
+      <p:grpSp>
+        <p:nvGrpSpPr>
+          <p:cNvPr id="122" name="15 Grupo"/>
+          <p:cNvGrpSpPr/>
+          <p:nvPr/>
+        </p:nvGrpSpPr>
+        <p:grpSpPr>
+          <a:xfrm>
+            <a:off x="540000" y="482760"/>
+            <a:ext cx="7704408" cy="573480"/>
+            <a:chOff x="540000" y="482760"/>
+            <a:chExt cx="6802560" cy="573480"/>
+          </a:xfrm>
+        </p:grpSpPr>
+        <p:pic>
+          <p:nvPicPr>
+            <p:cNvPr id="123" name="Picture 2" descr="C:\Users\jpavoni\Downloads\ELEMENTOS PARA WEB\ELEMENTOS PARA WEB\CAPA 2 nueva\PARTICIPACION CIUDADANA\BANNERS Y BOTONES-02.jpg"/>
+            <p:cNvPicPr/>
+            <p:nvPr/>
+          </p:nvPicPr>
+          <p:blipFill>
+            <a:blip r:embed="rId4" cstate="print"/>
+            <a:srcRect l="5396" t="37233" r="86991" b="50737"/>
+            <a:stretch/>
+          </p:blipFill>
+          <p:spPr>
+            <a:xfrm>
+              <a:off x="540000" y="482760"/>
+              <a:ext cx="645480" cy="573480"/>
+            </a:xfrm>
+            <a:prstGeom prst="rect">
+              <a:avLst/>
+            </a:prstGeom>
+            <a:ln w="0">
+              <a:noFill/>
+            </a:ln>
+          </p:spPr>
+        </p:pic>
+        <p:sp>
+          <p:nvSpPr>
+            <p:cNvPr id="124" name="13 Rectángulo"/>
+            <p:cNvSpPr/>
+            <p:nvPr/>
+          </p:nvSpPr>
+          <p:spPr>
+            <a:xfrm>
+              <a:off x="1008360" y="482760"/>
+              <a:ext cx="6334200" cy="521766"/>
+            </a:xfrm>
+            <a:prstGeom prst="rect">
+              <a:avLst/>
+            </a:prstGeom>
+            <a:noFill/>
+            <a:ln w="0">
+              <a:noFill/>
+            </a:ln>
+          </p:spPr>
+          <p:style>
+            <a:lnRef idx="0">
+              <a:scrgbClr r="0" g="0" b="0"/>
+            </a:lnRef>
+            <a:fillRef idx="0">
+              <a:scrgbClr r="0" g="0" b="0"/>
+            </a:fillRef>
+            <a:effectRef idx="0">
+              <a:scrgbClr r="0" g="0" b="0"/>
+            </a:effectRef>
+            <a:fontRef idx="minor"/>
+          </p:style>
+          <p:txBody>
+            <a:bodyPr lIns="90000" tIns="45000" rIns="90000" bIns="45000" anchor="t">
+              <a:spAutoFit/>
+            </a:bodyPr>
+            <a:lstStyle/>
+            <a:p>
+              <a:pPr>
+                <a:lnSpc>
+                  <a:spcPct val="100000"/>
+                </a:lnSpc>
+              </a:pPr>
+              <a:r>
+                <a:rPr lang="es-MX" sz="2800" spc="-1" dirty="0" smtClean="0">
+                  <a:solidFill>
+                    <a:srgbClr val="FFFFFF"/>
+                  </a:solidFill>
+                  <a:latin typeface="Alfabet ExtraBold"/>
+                </a:rPr>
+                <a:t>Listado </a:t>
+              </a:r>
+              <a:r>
+                <a:rPr lang="es-MX" sz="2800" spc="-1" dirty="0" err="1" smtClean="0">
+                  <a:solidFill>
+                    <a:srgbClr val="FFFFFF"/>
+                  </a:solidFill>
+                  <a:latin typeface="Alfabet ExtraBold"/>
+                </a:rPr>
+                <a:t>SuperCabeceras</a:t>
+              </a:r>
+              <a:endParaRPr lang="es-AR" sz="2800" b="0" strike="noStrike" spc="-1" dirty="0">
+                <a:latin typeface="Arial"/>
+              </a:endParaRPr>
+            </a:p>
+          </p:txBody>
+        </p:sp>
+      </p:grpSp>
+      <p:pic>
+        <p:nvPicPr>
+          <p:cNvPr id="142" name="141 Imagen"/>
+          <p:cNvPicPr/>
+          <p:nvPr/>
+        </p:nvPicPr>
+        <p:blipFill>
+          <a:blip r:embed="rId5" cstate="print"/>
+          <a:stretch/>
+        </p:blipFill>
+        <p:spPr>
+          <a:xfrm>
+            <a:off x="360" y="5897520"/>
+            <a:ext cx="9143280" cy="960120"/>
+          </a:xfrm>
+          <a:prstGeom prst="rect">
+            <a:avLst/>
+          </a:prstGeom>
+          <a:ln w="0">
+            <a:noFill/>
+          </a:ln>
+        </p:spPr>
+      </p:pic>
+      <p:sp>
+        <p:nvSpPr>
+          <p:cNvPr id="18" name="CuadroTexto 2"/>
+          <p:cNvSpPr/>
+          <p:nvPr/>
+        </p:nvSpPr>
+        <p:spPr>
+          <a:xfrm>
+            <a:off x="5580112" y="2320717"/>
+            <a:ext cx="2133395" cy="460211"/>
+          </a:xfrm>
+          <a:prstGeom prst="rect">
+            <a:avLst/>
+          </a:prstGeom>
+          <a:ln/>
+        </p:spPr>
+        <p:style>
+          <a:lnRef idx="3">
+            <a:schemeClr val="lt1"/>
+          </a:lnRef>
+          <a:fillRef idx="1">
+            <a:schemeClr val="accent5"/>
+          </a:fillRef>
+          <a:effectRef idx="1">
+            <a:schemeClr val="accent5"/>
+          </a:effectRef>
+          <a:fontRef idx="minor">
+            <a:schemeClr val="lt1"/>
+          </a:fontRef>
+        </p:style>
+        <p:txBody>
+          <a:bodyPr wrap="square" lIns="90000" tIns="45000" rIns="90000" bIns="45000" anchor="t">
+            <a:spAutoFit/>
+          </a:bodyPr>
+          <a:lstStyle/>
+          <a:p>
+            <a:pPr lvl="0" eaLnBrk="0" fontAlgn="base" hangingPunct="0">
+              <a:spcBef>
+                <a:spcPct val="0"/>
+              </a:spcBef>
+              <a:spcAft>
+                <a:spcPct val="0"/>
+              </a:spcAft>
+            </a:pPr>
+            <a:r>
+              <a:rPr lang="es-ES" sz="1200" dirty="0" smtClean="0"/>
+              <a:t>Búsquedas por cualquiera de las columnas de la grilla</a:t>
+            </a:r>
+            <a:endParaRPr lang="es-AR" sz="1200" spc="-1" dirty="0">
+              <a:solidFill>
+                <a:srgbClr val="FFFFFF"/>
+              </a:solidFill>
+              <a:latin typeface="Alfabet Medium"/>
+              <a:ea typeface="DejaVu Sans"/>
+            </a:endParaRPr>
+          </a:p>
+        </p:txBody>
+      </p:sp>
+      <p:sp>
+        <p:nvSpPr>
+          <p:cNvPr id="19" name="CuadroTexto 2"/>
+          <p:cNvSpPr/>
+          <p:nvPr/>
+        </p:nvSpPr>
+        <p:spPr>
+          <a:xfrm>
+            <a:off x="1421110" y="2361258"/>
+            <a:ext cx="3366914" cy="275545"/>
+          </a:xfrm>
+          <a:prstGeom prst="rect">
+            <a:avLst/>
+          </a:prstGeom>
+          <a:ln/>
+        </p:spPr>
+        <p:style>
+          <a:lnRef idx="3">
+            <a:schemeClr val="lt1"/>
+          </a:lnRef>
+          <a:fillRef idx="1">
+            <a:schemeClr val="accent5"/>
+          </a:fillRef>
+          <a:effectRef idx="1">
+            <a:schemeClr val="accent5"/>
+          </a:effectRef>
+          <a:fontRef idx="minor">
+            <a:schemeClr val="lt1"/>
+          </a:fontRef>
+        </p:style>
+        <p:txBody>
+          <a:bodyPr wrap="square" lIns="90000" tIns="45000" rIns="90000" bIns="45000" anchor="t">
+            <a:spAutoFit/>
+          </a:bodyPr>
+          <a:lstStyle/>
+          <a:p>
+            <a:pPr lvl="0" eaLnBrk="0" fontAlgn="base" hangingPunct="0">
+              <a:spcBef>
+                <a:spcPct val="0"/>
+              </a:spcBef>
+              <a:spcAft>
+                <a:spcPct val="0"/>
+              </a:spcAft>
+            </a:pPr>
+            <a:r>
+              <a:rPr lang="es-ES" sz="1200" dirty="0" smtClean="0"/>
+              <a:t>Nueva </a:t>
+            </a:r>
+            <a:r>
+              <a:rPr lang="es-ES" sz="1200" dirty="0" err="1" smtClean="0"/>
+              <a:t>SuperCabecera</a:t>
+            </a:r>
+            <a:endParaRPr lang="es-AR" sz="1200" spc="-1" dirty="0">
+              <a:solidFill>
+                <a:srgbClr val="FFFFFF"/>
+              </a:solidFill>
+              <a:latin typeface="Alfabet Medium"/>
+              <a:ea typeface="DejaVu Sans"/>
+            </a:endParaRPr>
+          </a:p>
+        </p:txBody>
+      </p:sp>
+      <p:sp>
+        <p:nvSpPr>
+          <p:cNvPr id="20" name="CuadroTexto 2"/>
+          <p:cNvSpPr/>
+          <p:nvPr/>
+        </p:nvSpPr>
+        <p:spPr>
+          <a:xfrm>
+            <a:off x="4211960" y="5101995"/>
+            <a:ext cx="1573201" cy="337100"/>
+          </a:xfrm>
+          <a:prstGeom prst="rect">
+            <a:avLst/>
+          </a:prstGeom>
+          <a:ln/>
+        </p:spPr>
+        <p:style>
+          <a:lnRef idx="3">
+            <a:schemeClr val="lt1"/>
+          </a:lnRef>
+          <a:fillRef idx="1">
+            <a:schemeClr val="accent5"/>
+          </a:fillRef>
+          <a:effectRef idx="1">
+            <a:schemeClr val="accent5"/>
+          </a:effectRef>
+          <a:fontRef idx="minor">
+            <a:schemeClr val="lt1"/>
+          </a:fontRef>
+        </p:style>
+        <p:txBody>
+          <a:bodyPr wrap="square" lIns="90000" tIns="45000" rIns="90000" bIns="45000" anchor="t">
+            <a:spAutoFit/>
+          </a:bodyPr>
+          <a:lstStyle/>
+          <a:p>
+            <a:pPr lvl="0" eaLnBrk="0" fontAlgn="base" hangingPunct="0">
+              <a:spcBef>
+                <a:spcPct val="0"/>
+              </a:spcBef>
+              <a:spcAft>
+                <a:spcPct val="0"/>
+              </a:spcAft>
+            </a:pPr>
+            <a:r>
+              <a:rPr lang="es-ES" sz="1600" dirty="0" smtClean="0"/>
+              <a:t>Área Listado</a:t>
+            </a:r>
+            <a:endParaRPr lang="es-AR" sz="1600" spc="-1" dirty="0">
+              <a:solidFill>
+                <a:srgbClr val="FFFFFF"/>
+              </a:solidFill>
+              <a:latin typeface="Alfabet Medium"/>
+              <a:ea typeface="DejaVu Sans"/>
+            </a:endParaRPr>
+          </a:p>
+        </p:txBody>
+      </p:sp>
+      <p:pic>
+        <p:nvPicPr>
+          <p:cNvPr id="21" name="Imagen 20"/>
+          <p:cNvPicPr>
+            <a:picLocks noChangeAspect="1"/>
+          </p:cNvPicPr>
+          <p:nvPr/>
+        </p:nvPicPr>
+        <p:blipFill>
+          <a:blip r:embed="rId6">
+            <a:extLst>
+              <a:ext uri="{28A0092B-C50C-407E-A947-70E740481C1C}">
+                <a14:useLocalDpi xmlns:a14="http://schemas.microsoft.com/office/drawing/2010/main" val="0"/>
+              </a:ext>
+            </a:extLst>
+          </a:blip>
+          <a:stretch>
+            <a:fillRect/>
+          </a:stretch>
+        </p:blipFill>
+        <p:spPr>
+          <a:xfrm>
+            <a:off x="873703" y="2348880"/>
+            <a:ext cx="412774" cy="412774"/>
+          </a:xfrm>
+          <a:prstGeom prst="rect">
+            <a:avLst/>
+          </a:prstGeom>
+        </p:spPr>
+      </p:pic>
+      <p:pic>
+        <p:nvPicPr>
+          <p:cNvPr id="15" name="Imagen 14"/>
+          <p:cNvPicPr>
+            <a:picLocks noChangeAspect="1"/>
+          </p:cNvPicPr>
+          <p:nvPr/>
+        </p:nvPicPr>
+        <p:blipFill>
+          <a:blip r:embed="rId6">
+            <a:extLst>
+              <a:ext uri="{28A0092B-C50C-407E-A947-70E740481C1C}">
+                <a14:useLocalDpi xmlns:a14="http://schemas.microsoft.com/office/drawing/2010/main" val="0"/>
+              </a:ext>
+            </a:extLst>
+          </a:blip>
+          <a:stretch>
+            <a:fillRect/>
+          </a:stretch>
+        </p:blipFill>
+        <p:spPr>
+          <a:xfrm rot="16200000">
+            <a:off x="7778900" y="2420889"/>
+            <a:ext cx="393500" cy="393500"/>
+          </a:xfrm>
+          <a:prstGeom prst="rect">
+            <a:avLst/>
+          </a:prstGeom>
+        </p:spPr>
+      </p:pic>
+      <p:sp>
+        <p:nvSpPr>
+          <p:cNvPr id="23" name="Rectángulo 22"/>
+          <p:cNvSpPr/>
+          <p:nvPr/>
+        </p:nvSpPr>
+        <p:spPr>
+          <a:xfrm>
+            <a:off x="300946" y="1303605"/>
+            <a:ext cx="8712968" cy="430887"/>
+          </a:xfrm>
+          <a:prstGeom prst="rect">
+            <a:avLst/>
+          </a:prstGeom>
+        </p:spPr>
+        <p:style>
+          <a:lnRef idx="3">
+            <a:schemeClr val="lt1"/>
+          </a:lnRef>
+          <a:fillRef idx="1">
+            <a:schemeClr val="accent3"/>
+          </a:fillRef>
+          <a:effectRef idx="1">
+            <a:schemeClr val="accent3"/>
+          </a:effectRef>
+          <a:fontRef idx="minor">
+            <a:schemeClr val="lt1"/>
+          </a:fontRef>
+        </p:style>
+        <p:txBody>
+          <a:bodyPr wrap="square">
+            <a:spAutoFit/>
+          </a:bodyPr>
+          <a:lstStyle/>
+          <a:p>
+            <a:pPr marL="90488" lvl="1"/>
+            <a:r>
+              <a:rPr lang="es-ES" sz="1100" spc="-1" dirty="0" smtClean="0">
+                <a:solidFill>
+                  <a:srgbClr val="FFFFFF"/>
+                </a:solidFill>
+                <a:latin typeface="Alfabet Medium"/>
+              </a:rPr>
+              <a:t>El perfil </a:t>
+            </a:r>
+            <a:r>
+              <a:rPr lang="es-ES" sz="1100" spc="-1" dirty="0" err="1" smtClean="0">
+                <a:solidFill>
+                  <a:srgbClr val="FFFFFF"/>
+                </a:solidFill>
+                <a:latin typeface="Alfabet Medium"/>
+              </a:rPr>
+              <a:t>Admin</a:t>
+            </a:r>
+            <a:r>
+              <a:rPr lang="es-ES" sz="1100" spc="-1" dirty="0" smtClean="0">
+                <a:solidFill>
+                  <a:srgbClr val="FFFFFF"/>
+                </a:solidFill>
+                <a:latin typeface="Alfabet Medium"/>
+              </a:rPr>
+              <a:t> (Educación) tiene acceso a todas las Cabeceras de Movimientos ( y su detalle) dadas de alta por </a:t>
+            </a:r>
+            <a:r>
+              <a:rPr lang="es-ES" sz="1100" spc="-1" smtClean="0">
+                <a:solidFill>
+                  <a:srgbClr val="FFFFFF"/>
+                </a:solidFill>
+                <a:latin typeface="Alfabet Medium"/>
+              </a:rPr>
+              <a:t>los Establecimientos.</a:t>
+            </a:r>
+            <a:endParaRPr lang="es-ES" sz="1100" spc="-1" dirty="0">
+              <a:solidFill>
+                <a:srgbClr val="FFFFFF"/>
+              </a:solidFill>
+              <a:latin typeface="Alfabet Medium"/>
+            </a:endParaRPr>
+          </a:p>
+        </p:txBody>
+      </p:sp>
+    </p:spTree>
+    <p:extLst>
+      <p:ext uri="{BB962C8B-B14F-4D97-AF65-F5344CB8AC3E}">
+        <p14:creationId xmlns:p14="http://schemas.microsoft.com/office/powerpoint/2010/main" val="2927004046"/>
+      </p:ext>
+    </p:extLst>
+  </p:cSld>
+  <p:clrMapOvr>
+    <a:masterClrMapping/>
+  </p:clrMapOvr>
+  <mc:AlternateContent xmlns:mc="http://schemas.openxmlformats.org/markup-compatibility/2006">
+    <mc:Choice xmlns:p14="http://schemas.microsoft.com/office/powerpoint/2010/main" Requires="p14">
+      <p:transition spd="slow" p14:dur="2000"/>
+    </mc:Choice>
+    <mc:Fallback>
+      <p:transition spd="slow"/>
+    </mc:Fallback>
+  </mc:AlternateContent>
+  <p:timing>
+    <p:tnLst>
+      <p:par>
+        <p:cTn id="1" dur="indefinite" restart="never" nodeType="tmRoot"/>
+      </p:par>
+    </p:tnLst>
+  </p:timing>
+</p:sld>
+</file>
+
+<file path=ppt/slides/slide7.xml><?xml version="1.0" encoding="utf-8"?>
+<p:sld xmlns:a="http://schemas.openxmlformats.org/drawingml/2006/main" xmlns:r="http://schemas.openxmlformats.org/officeDocument/2006/relationships" xmlns:p="http://schemas.openxmlformats.org/presentationml/2006/main">
+  <p:cSld>
+    <p:bg>
+      <p:bgPr>
+        <a:solidFill>
+          <a:srgbClr val="174574"/>
+        </a:solidFill>
+        <a:effectLst/>
+      </p:bgPr>
+    </p:bg>
+    <p:spTree>
+      <p:nvGrpSpPr>
+        <p:cNvPr id="1" name=""/>
+        <p:cNvGrpSpPr/>
+        <p:nvPr/>
+      </p:nvGrpSpPr>
+      <p:grpSpPr>
+        <a:xfrm>
+          <a:off x="0" y="0"/>
+          <a:ext cx="0" cy="0"/>
+          <a:chOff x="0" y="0"/>
+          <a:chExt cx="0" cy="0"/>
+        </a:xfrm>
+      </p:grpSpPr>
+      <p:grpSp>
+        <p:nvGrpSpPr>
+          <p:cNvPr id="122" name="15 Grupo"/>
+          <p:cNvGrpSpPr/>
+          <p:nvPr/>
+        </p:nvGrpSpPr>
+        <p:grpSpPr>
+          <a:xfrm>
+            <a:off x="540000" y="482760"/>
+            <a:ext cx="6802560" cy="573480"/>
+            <a:chOff x="540000" y="482760"/>
+            <a:chExt cx="6802560" cy="573480"/>
+          </a:xfrm>
+        </p:grpSpPr>
+        <p:pic>
+          <p:nvPicPr>
+            <p:cNvPr id="123" name="Picture 2" descr="C:\Users\jpavoni\Downloads\ELEMENTOS PARA WEB\ELEMENTOS PARA WEB\CAPA 2 nueva\PARTICIPACION CIUDADANA\BANNERS Y BOTONES-02.jpg"/>
+            <p:cNvPicPr/>
+            <p:nvPr/>
+          </p:nvPicPr>
+          <p:blipFill>
+            <a:blip r:embed="rId3" cstate="print"/>
+            <a:srcRect l="5396" t="37233" r="86991" b="50737"/>
+            <a:stretch/>
+          </p:blipFill>
+          <p:spPr>
+            <a:xfrm>
+              <a:off x="540000" y="482760"/>
+              <a:ext cx="645480" cy="573480"/>
+            </a:xfrm>
+            <a:prstGeom prst="rect">
+              <a:avLst/>
+            </a:prstGeom>
+            <a:ln w="0">
+              <a:noFill/>
+            </a:ln>
+          </p:spPr>
+        </p:pic>
+        <p:sp>
+          <p:nvSpPr>
+            <p:cNvPr id="124" name="13 Rectángulo"/>
+            <p:cNvSpPr/>
+            <p:nvPr/>
+          </p:nvSpPr>
+          <p:spPr>
+            <a:xfrm>
+              <a:off x="1008360" y="482760"/>
+              <a:ext cx="6334200" cy="521766"/>
+            </a:xfrm>
+            <a:prstGeom prst="rect">
+              <a:avLst/>
+            </a:prstGeom>
+            <a:noFill/>
+            <a:ln w="0">
+              <a:noFill/>
+            </a:ln>
+          </p:spPr>
+          <p:style>
+            <a:lnRef idx="0">
+              <a:scrgbClr r="0" g="0" b="0"/>
+            </a:lnRef>
+            <a:fillRef idx="0">
+              <a:scrgbClr r="0" g="0" b="0"/>
+            </a:fillRef>
+            <a:effectRef idx="0">
+              <a:scrgbClr r="0" g="0" b="0"/>
+            </a:effectRef>
+            <a:fontRef idx="minor"/>
+          </p:style>
+          <p:txBody>
+            <a:bodyPr lIns="90000" tIns="45000" rIns="90000" bIns="45000" anchor="t">
+              <a:spAutoFit/>
+            </a:bodyPr>
+            <a:lstStyle/>
+            <a:p>
+              <a:pPr>
+                <a:lnSpc>
+                  <a:spcPct val="100000"/>
+                </a:lnSpc>
+              </a:pPr>
+              <a:r>
+                <a:rPr lang="es-MX" sz="2800" b="0" strike="noStrike" spc="-1" dirty="0" smtClean="0">
+                  <a:solidFill>
+                    <a:srgbClr val="FFFFFF"/>
+                  </a:solidFill>
+                  <a:latin typeface="Alfabet ExtraBold"/>
+                  <a:ea typeface="Roboto Medium"/>
+                </a:rPr>
+                <a:t>Menú del Módulo</a:t>
+              </a:r>
+              <a:endParaRPr lang="es-AR" sz="2800" b="0" strike="noStrike" spc="-1" dirty="0">
+                <a:latin typeface="Arial"/>
+              </a:endParaRPr>
+            </a:p>
+          </p:txBody>
+        </p:sp>
+      </p:grpSp>
+      <p:pic>
+        <p:nvPicPr>
+          <p:cNvPr id="142" name="141 Imagen"/>
+          <p:cNvPicPr/>
+          <p:nvPr/>
+        </p:nvPicPr>
+        <p:blipFill>
+          <a:blip r:embed="rId4" cstate="print"/>
+          <a:stretch/>
+        </p:blipFill>
+        <p:spPr>
+          <a:xfrm>
+            <a:off x="360" y="5897520"/>
+            <a:ext cx="9143280" cy="960120"/>
+          </a:xfrm>
+          <a:prstGeom prst="rect">
+            <a:avLst/>
+          </a:prstGeom>
+          <a:ln w="0">
+            <a:noFill/>
+          </a:ln>
+        </p:spPr>
+      </p:pic>
+      <p:sp>
+        <p:nvSpPr>
+          <p:cNvPr id="3" name="Flecha a la derecha con bandas 2"/>
+          <p:cNvSpPr/>
+          <p:nvPr/>
+        </p:nvSpPr>
+        <p:spPr>
+          <a:xfrm>
+            <a:off x="3707904" y="3212976"/>
+            <a:ext cx="792088" cy="504056"/>
+          </a:xfrm>
+          <a:prstGeom prst="stripedRightArrow">
+            <a:avLst/>
+          </a:prstGeom>
+        </p:spPr>
+        <p:style>
+          <a:lnRef idx="2">
+            <a:schemeClr val="accent1">
+              <a:shade val="50000"/>
+            </a:schemeClr>
+          </a:lnRef>
+          <a:fillRef idx="1">
+            <a:schemeClr val="accent1"/>
+          </a:fillRef>
+          <a:effectRef idx="0">
+            <a:schemeClr val="accent1"/>
+          </a:effectRef>
+          <a:fontRef idx="minor">
+            <a:schemeClr val="lt1"/>
+          </a:fontRef>
+        </p:style>
+        <p:txBody>
+          <a:bodyPr rtlCol="0" anchor="ctr"/>
+          <a:lstStyle/>
+          <a:p>
+            <a:pPr algn="ctr"/>
+            <a:endParaRPr lang="es-AR"/>
+          </a:p>
+        </p:txBody>
+      </p:sp>
+      <p:pic>
+        <p:nvPicPr>
+          <p:cNvPr id="4" name="Imagen 3"/>
+          <p:cNvPicPr>
+            <a:picLocks noChangeAspect="1"/>
+          </p:cNvPicPr>
+          <p:nvPr/>
+        </p:nvPicPr>
+        <p:blipFill>
+          <a:blip r:embed="rId5"/>
+          <a:stretch>
+            <a:fillRect/>
+          </a:stretch>
+        </p:blipFill>
+        <p:spPr>
+          <a:xfrm>
+            <a:off x="959759" y="1093475"/>
+            <a:ext cx="2230058" cy="4752331"/>
+          </a:xfrm>
+          <a:prstGeom prst="rect">
+            <a:avLst/>
+          </a:prstGeom>
+        </p:spPr>
+      </p:pic>
+      <p:pic>
+        <p:nvPicPr>
           <p:cNvPr id="5" name="Imagen 4"/>
           <p:cNvPicPr>
             <a:picLocks noChangeAspect="1"/>
@@ -8624,7 +10910,7 @@
 </p:sld>
 </file>
 
-<file path=ppt/slides/slide6.xml><?xml version="1.0" encoding="utf-8"?>
+<file path=ppt/slides/slide8.xml><?xml version="1.0" encoding="utf-8"?>
 <p:sld xmlns:a="http://schemas.openxmlformats.org/drawingml/2006/main" xmlns:r="http://schemas.openxmlformats.org/officeDocument/2006/relationships" xmlns:p="http://schemas.openxmlformats.org/presentationml/2006/main">
   <p:cSld>
     <p:bg>
@@ -9143,7 +11429,7 @@
 </p:sld>
 </file>
 
-<file path=ppt/slides/slide7.xml><?xml version="1.0" encoding="utf-8"?>
+<file path=ppt/slides/slide9.xml><?xml version="1.0" encoding="utf-8"?>
 <p:sld xmlns:a="http://schemas.openxmlformats.org/drawingml/2006/main" xmlns:r="http://schemas.openxmlformats.org/officeDocument/2006/relationships" xmlns:p="http://schemas.openxmlformats.org/presentationml/2006/main">
   <p:cSld>
     <p:bg>
@@ -9170,12 +11456,36 @@
       </p:grpSpPr>
       <p:pic>
         <p:nvPicPr>
+          <p:cNvPr id="9" name="Imagen 8"/>
+          <p:cNvPicPr>
+            <a:picLocks noChangeAspect="1"/>
+          </p:cNvPicPr>
+          <p:nvPr/>
+        </p:nvPicPr>
+        <p:blipFill>
+          <a:blip r:embed="rId3"/>
+          <a:stretch>
+            <a:fillRect/>
+          </a:stretch>
+        </p:blipFill>
+        <p:spPr>
+          <a:xfrm>
+            <a:off x="360" y="2348880"/>
+            <a:ext cx="6574999" cy="2160240"/>
+          </a:xfrm>
+          <a:prstGeom prst="rect">
+            <a:avLst/>
+          </a:prstGeom>
+        </p:spPr>
+      </p:pic>
+      <p:pic>
+        <p:nvPicPr>
           <p:cNvPr id="142" name="141 Imagen"/>
           <p:cNvPicPr/>
           <p:nvPr/>
         </p:nvPicPr>
         <p:blipFill>
-          <a:blip r:embed="rId3" cstate="print"/>
+          <a:blip r:embed="rId4" cstate="print"/>
           <a:stretch/>
         </p:blipFill>
         <p:spPr>
@@ -9212,7 +11522,7 @@
             <p:nvPr/>
           </p:nvPicPr>
           <p:blipFill>
-            <a:blip r:embed="rId4" cstate="print"/>
+            <a:blip r:embed="rId5" cstate="print"/>
             <a:srcRect l="5396" t="37233" r="86991" b="50737"/>
             <a:stretch/>
           </p:blipFill>
@@ -9296,7 +11606,25 @@
                   </a:solidFill>
                   <a:latin typeface="Alfabet ExtraBold"/>
                 </a:rPr>
-                <a:t> Agregar y Eliminar</a:t>
+                <a:t> </a:t>
+              </a:r>
+              <a:r>
+                <a:rPr lang="es-MX" sz="2800" spc="-1" smtClean="0">
+                  <a:solidFill>
+                    <a:srgbClr val="FFFFFF"/>
+                  </a:solidFill>
+                  <a:latin typeface="Alfabet ExtraBold"/>
+                </a:rPr>
+                <a:t>Agregar </a:t>
+              </a:r>
+              <a:r>
+                <a:rPr lang="es-MX" sz="2800" spc="-1" smtClean="0">
+                  <a:solidFill>
+                    <a:srgbClr val="FFFFFF"/>
+                  </a:solidFill>
+                  <a:latin typeface="Alfabet ExtraBold"/>
+                </a:rPr>
+                <a:t>Cabecera</a:t>
               </a:r>
               <a:endParaRPr lang="es-AR" sz="2800" b="0" strike="noStrike" spc="-1" dirty="0">
                 <a:latin typeface="Arial"/>
@@ -9305,94 +11633,6 @@
           </p:txBody>
         </p:sp>
       </p:grpSp>
-      <p:pic>
-        <p:nvPicPr>
-          <p:cNvPr id="7" name="Imagen 6"/>
-          <p:cNvPicPr>
-            <a:picLocks noChangeAspect="1"/>
-          </p:cNvPicPr>
-          <p:nvPr/>
-        </p:nvPicPr>
-        <p:blipFill>
-          <a:blip r:embed="rId5"/>
-          <a:stretch>
-            <a:fillRect/>
-          </a:stretch>
-        </p:blipFill>
-        <p:spPr>
-          <a:xfrm>
-            <a:off x="72008" y="4145174"/>
-            <a:ext cx="8964488" cy="1660090"/>
-          </a:xfrm>
-          <a:prstGeom prst="rect">
-            <a:avLst/>
-          </a:prstGeom>
-        </p:spPr>
-      </p:pic>
-      <p:sp>
-        <p:nvSpPr>
-          <p:cNvPr id="8" name="Rectángulo redondeado 7"/>
-          <p:cNvSpPr/>
-          <p:nvPr/>
-        </p:nvSpPr>
-        <p:spPr>
-          <a:xfrm>
-            <a:off x="8172400" y="5301208"/>
-            <a:ext cx="720080" cy="432048"/>
-          </a:xfrm>
-          <a:prstGeom prst="roundRect">
-            <a:avLst/>
-          </a:prstGeom>
-          <a:noFill/>
-          <a:ln w="57150"/>
-        </p:spPr>
-        <p:style>
-          <a:lnRef idx="2">
-            <a:schemeClr val="accent2"/>
-          </a:lnRef>
-          <a:fillRef idx="1">
-            <a:schemeClr val="lt1"/>
-          </a:fillRef>
-          <a:effectRef idx="0">
-            <a:schemeClr val="accent2"/>
-          </a:effectRef>
-          <a:fontRef idx="minor">
-            <a:schemeClr val="dk1"/>
-          </a:fontRef>
-        </p:style>
-        <p:txBody>
-          <a:bodyPr rtlCol="0" anchor="ctr"/>
-          <a:lstStyle/>
-          <a:p>
-            <a:pPr algn="ctr"/>
-            <a:endParaRPr lang="es-AR"/>
-          </a:p>
-        </p:txBody>
-      </p:sp>
-      <p:pic>
-        <p:nvPicPr>
-          <p:cNvPr id="2" name="Imagen 1"/>
-          <p:cNvPicPr>
-            <a:picLocks noChangeAspect="1"/>
-          </p:cNvPicPr>
-          <p:nvPr/>
-        </p:nvPicPr>
-        <p:blipFill>
-          <a:blip r:embed="rId6"/>
-          <a:stretch>
-            <a:fillRect/>
-          </a:stretch>
-        </p:blipFill>
-        <p:spPr>
-          <a:xfrm>
-            <a:off x="107504" y="2204864"/>
-            <a:ext cx="8928992" cy="1829523"/>
-          </a:xfrm>
-          <a:prstGeom prst="rect">
-            <a:avLst/>
-          </a:prstGeom>
-        </p:spPr>
-      </p:pic>
       <p:sp>
         <p:nvSpPr>
           <p:cNvPr id="5" name="Rectángulo 4"/>
@@ -9436,7 +11676,25 @@
                 </a:solidFill>
                 <a:latin typeface="Alfabet Medium"/>
               </a:rPr>
-              <a:t>Desde el área de Educación será posible Agregar movimientos en caso de que faltaran, o Eliminar movimientos que no correspondieran, o Eliminar y Agregar movimientos que tuvieran errores de carga.</a:t>
+              <a:t>Al crear una nueva cabecera, se deberá seleccionar una </a:t>
+            </a:r>
+            <a:r>
+              <a:rPr lang="es-ES" sz="1600" spc="-1" dirty="0" err="1" smtClean="0">
+                <a:solidFill>
+                  <a:srgbClr val="FFFFFF"/>
+                </a:solidFill>
+                <a:latin typeface="Alfabet Medium"/>
+              </a:rPr>
+              <a:t>SuperCabecera</a:t>
+            </a:r>
+            <a:r>
+              <a:rPr lang="es-ES" sz="1600" spc="-1" dirty="0" smtClean="0">
+                <a:solidFill>
+                  <a:srgbClr val="FFFFFF"/>
+                </a:solidFill>
+                <a:latin typeface="Alfabet Medium"/>
+              </a:rPr>
+              <a:t> que completará los datos Área, Mes, Año y Establecimiento. Luego se selecciona el tipo de movimiento que hará la cabecera.</a:t>
             </a:r>
             <a:endParaRPr lang="es-ES" sz="1600" spc="-1" dirty="0">
               <a:solidFill>
@@ -9447,378 +11705,42 @@
           </a:p>
         </p:txBody>
       </p:sp>
-      <p:sp>
-        <p:nvSpPr>
-          <p:cNvPr id="11" name="Rectángulo redondeado 10"/>
-          <p:cNvSpPr/>
-          <p:nvPr/>
-        </p:nvSpPr>
-        <p:spPr>
-          <a:xfrm>
-            <a:off x="7956376" y="2420888"/>
-            <a:ext cx="864096" cy="432048"/>
-          </a:xfrm>
-          <a:prstGeom prst="roundRect">
-            <a:avLst/>
-          </a:prstGeom>
-          <a:noFill/>
-          <a:ln w="57150"/>
-        </p:spPr>
-        <p:style>
-          <a:lnRef idx="2">
-            <a:schemeClr val="accent2"/>
-          </a:lnRef>
-          <a:fillRef idx="1">
-            <a:schemeClr val="lt1"/>
-          </a:fillRef>
-          <a:effectRef idx="0">
-            <a:schemeClr val="accent2"/>
-          </a:effectRef>
-          <a:fontRef idx="minor">
-            <a:schemeClr val="dk1"/>
-          </a:fontRef>
-        </p:style>
-        <p:txBody>
-          <a:bodyPr rtlCol="0" anchor="ctr"/>
-          <a:lstStyle/>
-          <a:p>
-            <a:pPr algn="ctr"/>
-            <a:endParaRPr lang="es-AR"/>
-          </a:p>
-        </p:txBody>
-      </p:sp>
-    </p:spTree>
-    <p:extLst>
-      <p:ext uri="{BB962C8B-B14F-4D97-AF65-F5344CB8AC3E}">
-        <p14:creationId xmlns:p14="http://schemas.microsoft.com/office/powerpoint/2010/main" val="2656759586"/>
-      </p:ext>
-    </p:extLst>
-  </p:cSld>
-  <p:clrMapOvr>
-    <a:masterClrMapping/>
-  </p:clrMapOvr>
-  <mc:AlternateContent xmlns:mc="http://schemas.openxmlformats.org/markup-compatibility/2006" xmlns:p14="http://schemas.microsoft.com/office/powerpoint/2010/main">
-    <mc:Choice Requires="p14">
-      <p:transition spd="slow" p14:dur="2000"/>
-    </mc:Choice>
-    <mc:Fallback xmlns="">
-      <p:transition spd="slow"/>
-    </mc:Fallback>
-  </mc:AlternateContent>
-  <p:timing>
-    <p:tnLst>
-      <p:par>
-        <p:cTn id="1" dur="indefinite" restart="never" nodeType="tmRoot"/>
-      </p:par>
-    </p:tnLst>
-  </p:timing>
-</p:sld>
-</file>
-
-<file path=ppt/slides/slide8.xml><?xml version="1.0" encoding="utf-8"?>
-<p:sld xmlns:a="http://schemas.openxmlformats.org/drawingml/2006/main" xmlns:r="http://schemas.openxmlformats.org/officeDocument/2006/relationships" xmlns:p="http://schemas.openxmlformats.org/presentationml/2006/main">
-  <p:cSld>
-    <p:bg>
-      <p:bgPr>
-        <a:solidFill>
-          <a:srgbClr val="174574"/>
-        </a:solidFill>
-        <a:effectLst/>
-      </p:bgPr>
-    </p:bg>
-    <p:spTree>
-      <p:nvGrpSpPr>
-        <p:cNvPr id="1" name=""/>
-        <p:cNvGrpSpPr/>
-        <p:nvPr/>
-      </p:nvGrpSpPr>
-      <p:grpSpPr>
-        <a:xfrm>
-          <a:off x="0" y="0"/>
-          <a:ext cx="0" cy="0"/>
-          <a:chOff x="0" y="0"/>
-          <a:chExt cx="0" cy="0"/>
-        </a:xfrm>
-      </p:grpSpPr>
       <p:pic>
         <p:nvPicPr>
-          <p:cNvPr id="8" name="Imagen 7"/>
+          <p:cNvPr id="6" name="Imagen 5"/>
           <p:cNvPicPr>
             <a:picLocks noChangeAspect="1"/>
           </p:cNvPicPr>
           <p:nvPr/>
         </p:nvPicPr>
         <p:blipFill>
-          <a:blip r:embed="rId3"/>
+          <a:blip r:embed="rId6"/>
           <a:stretch>
             <a:fillRect/>
           </a:stretch>
         </p:blipFill>
         <p:spPr>
           <a:xfrm>
-            <a:off x="252736" y="1624086"/>
-            <a:ext cx="8411770" cy="1588890"/>
+            <a:off x="2267744" y="3876117"/>
+            <a:ext cx="6807912" cy="2034695"/>
           </a:xfrm>
           <a:prstGeom prst="rect">
             <a:avLst/>
           </a:prstGeom>
         </p:spPr>
       </p:pic>
-      <p:pic>
-        <p:nvPicPr>
-          <p:cNvPr id="12" name="Imagen 11"/>
-          <p:cNvPicPr>
-            <a:picLocks noChangeAspect="1"/>
-          </p:cNvPicPr>
-          <p:nvPr/>
-        </p:nvPicPr>
-        <p:blipFill>
-          <a:blip r:embed="rId4"/>
-          <a:stretch>
-            <a:fillRect/>
-          </a:stretch>
-        </p:blipFill>
-        <p:spPr>
-          <a:xfrm>
-            <a:off x="251520" y="4978138"/>
-            <a:ext cx="6314280" cy="935594"/>
-          </a:xfrm>
-          <a:prstGeom prst="rect">
-            <a:avLst/>
-          </a:prstGeom>
-        </p:spPr>
-      </p:pic>
-      <p:pic>
-        <p:nvPicPr>
-          <p:cNvPr id="142" name="141 Imagen"/>
-          <p:cNvPicPr/>
-          <p:nvPr/>
-        </p:nvPicPr>
-        <p:blipFill>
-          <a:blip r:embed="rId5" cstate="print"/>
-          <a:stretch/>
-        </p:blipFill>
-        <p:spPr>
-          <a:xfrm>
-            <a:off x="360" y="5897520"/>
-            <a:ext cx="9143280" cy="960120"/>
-          </a:xfrm>
-          <a:prstGeom prst="rect">
-            <a:avLst/>
-          </a:prstGeom>
-          <a:ln w="0">
-            <a:noFill/>
-          </a:ln>
-        </p:spPr>
-      </p:pic>
-      <p:grpSp>
-        <p:nvGrpSpPr>
-          <p:cNvPr id="17" name="15 Grupo"/>
-          <p:cNvGrpSpPr/>
-          <p:nvPr/>
-        </p:nvGrpSpPr>
-        <p:grpSpPr>
-          <a:xfrm>
-            <a:off x="540000" y="482760"/>
-            <a:ext cx="7704408" cy="573480"/>
-            <a:chOff x="540000" y="482760"/>
-            <a:chExt cx="6802560" cy="573480"/>
-          </a:xfrm>
-          <a:solidFill>
-            <a:srgbClr val="174574"/>
-          </a:solidFill>
-        </p:grpSpPr>
-        <p:pic>
-          <p:nvPicPr>
-            <p:cNvPr id="18" name="Picture 2" descr="C:\Users\jpavoni\Downloads\ELEMENTOS PARA WEB\ELEMENTOS PARA WEB\CAPA 2 nueva\PARTICIPACION CIUDADANA\BANNERS Y BOTONES-02.jpg"/>
-            <p:cNvPicPr/>
-            <p:nvPr/>
-          </p:nvPicPr>
-          <p:blipFill>
-            <a:blip r:embed="rId6" cstate="print"/>
-            <a:srcRect l="5396" t="37233" r="86991" b="50737"/>
-            <a:stretch/>
-          </p:blipFill>
-          <p:spPr>
-            <a:xfrm>
-              <a:off x="540000" y="482760"/>
-              <a:ext cx="645480" cy="573480"/>
-            </a:xfrm>
-            <a:prstGeom prst="rect">
-              <a:avLst/>
-            </a:prstGeom>
-            <a:grpFill/>
-            <a:ln w="0">
-              <a:noFill/>
-            </a:ln>
-          </p:spPr>
-        </p:pic>
-        <p:sp>
-          <p:nvSpPr>
-            <p:cNvPr id="19" name="13 Rectángulo"/>
-            <p:cNvSpPr/>
-            <p:nvPr/>
-          </p:nvSpPr>
-          <p:spPr>
-            <a:xfrm>
-              <a:off x="1008360" y="482760"/>
-              <a:ext cx="6334200" cy="521766"/>
-            </a:xfrm>
-            <a:prstGeom prst="rect">
-              <a:avLst/>
-            </a:prstGeom>
-            <a:grpFill/>
-            <a:ln w="0">
-              <a:noFill/>
-            </a:ln>
-          </p:spPr>
-          <p:style>
-            <a:lnRef idx="0">
-              <a:scrgbClr r="0" g="0" b="0"/>
-            </a:lnRef>
-            <a:fillRef idx="0">
-              <a:scrgbClr r="0" g="0" b="0"/>
-            </a:fillRef>
-            <a:effectRef idx="0">
-              <a:scrgbClr r="0" g="0" b="0"/>
-            </a:effectRef>
-            <a:fontRef idx="minor"/>
-          </p:style>
-          <p:txBody>
-            <a:bodyPr lIns="90000" tIns="45000" rIns="90000" bIns="45000" anchor="t">
-              <a:spAutoFit/>
-            </a:bodyPr>
-            <a:lstStyle/>
-            <a:p>
-              <a:pPr>
-                <a:lnSpc>
-                  <a:spcPct val="100000"/>
-                </a:lnSpc>
-              </a:pPr>
-              <a:r>
-                <a:rPr lang="es-MX" sz="2800" spc="-1" dirty="0" smtClean="0">
-                  <a:solidFill>
-                    <a:srgbClr val="FFFFFF"/>
-                  </a:solidFill>
-                  <a:latin typeface="Alfabet ExtraBold"/>
-                </a:rPr>
-                <a:t>Movimientos - </a:t>
-              </a:r>
-              <a:r>
-                <a:rPr lang="es-MX" sz="2800" spc="-1" dirty="0" smtClean="0">
-                  <a:solidFill>
-                    <a:srgbClr val="FFFFFF"/>
-                  </a:solidFill>
-                  <a:latin typeface="Alfabet ExtraBold"/>
-                </a:rPr>
-                <a:t>Devolver</a:t>
-              </a:r>
-              <a:endParaRPr lang="es-AR" sz="2800" b="0" strike="noStrike" spc="-1" dirty="0">
-                <a:latin typeface="Arial"/>
-              </a:endParaRPr>
-            </a:p>
-          </p:txBody>
-        </p:sp>
-      </p:grpSp>
-      <p:sp>
-        <p:nvSpPr>
-          <p:cNvPr id="14" name="Rectángulo 13"/>
+      <p:sp>
+        <p:nvSpPr>
+          <p:cNvPr id="10" name="Flecha doblada hacia arriba 9"/>
           <p:cNvSpPr/>
           <p:nvPr/>
         </p:nvSpPr>
         <p:spPr>
-          <a:xfrm>
-            <a:off x="251520" y="1268760"/>
-            <a:ext cx="6120680" cy="584775"/>
-          </a:xfrm>
-          <a:prstGeom prst="rect">
-            <a:avLst/>
-          </a:prstGeom>
-        </p:spPr>
-        <p:style>
-          <a:lnRef idx="3">
-            <a:schemeClr val="lt1"/>
-          </a:lnRef>
-          <a:fillRef idx="1">
-            <a:schemeClr val="accent3"/>
-          </a:fillRef>
-          <a:effectRef idx="1">
-            <a:schemeClr val="accent3"/>
-          </a:effectRef>
-          <a:fontRef idx="minor">
-            <a:schemeClr val="lt1"/>
-          </a:fontRef>
-        </p:style>
-        <p:txBody>
-          <a:bodyPr wrap="square">
-            <a:spAutoFit/>
-          </a:bodyPr>
-          <a:lstStyle/>
-          <a:p>
-            <a:pPr marL="90488" lvl="1"/>
-            <a:r>
-              <a:rPr lang="es-ES" sz="1600" spc="-1" dirty="0" smtClean="0">
-                <a:solidFill>
-                  <a:srgbClr val="FFFFFF"/>
-                </a:solidFill>
-                <a:latin typeface="Alfabet Medium"/>
-              </a:rPr>
-              <a:t>Desde el área de Educación será posible </a:t>
-            </a:r>
-            <a:r>
-              <a:rPr lang="es-ES" sz="1600" spc="-1" dirty="0" smtClean="0">
-                <a:solidFill>
-                  <a:srgbClr val="FFFFFF"/>
-                </a:solidFill>
-                <a:latin typeface="Alfabet Medium"/>
-              </a:rPr>
-              <a:t>Devolver la Cabecera de Movimientos al establecimiento en caso de que haya errores.</a:t>
-            </a:r>
-            <a:endParaRPr lang="es-ES" sz="1600" spc="-1" dirty="0">
-              <a:solidFill>
-                <a:srgbClr val="FFFFFF"/>
-              </a:solidFill>
-              <a:latin typeface="Alfabet Medium"/>
-            </a:endParaRPr>
-          </a:p>
-        </p:txBody>
-      </p:sp>
-      <p:pic>
-        <p:nvPicPr>
-          <p:cNvPr id="9" name="Imagen 8"/>
-          <p:cNvPicPr>
-            <a:picLocks noChangeAspect="1"/>
-          </p:cNvPicPr>
-          <p:nvPr/>
-        </p:nvPicPr>
-        <p:blipFill>
-          <a:blip r:embed="rId7"/>
-          <a:stretch>
-            <a:fillRect/>
-          </a:stretch>
-        </p:blipFill>
-        <p:spPr>
-          <a:xfrm>
-            <a:off x="4788024" y="3227430"/>
-            <a:ext cx="3761973" cy="1779726"/>
-          </a:xfrm>
-          <a:prstGeom prst="rect">
-            <a:avLst/>
-          </a:prstGeom>
-        </p:spPr>
-      </p:pic>
-      <p:sp>
-        <p:nvSpPr>
-          <p:cNvPr id="10" name="Flecha abajo 9"/>
-          <p:cNvSpPr/>
-          <p:nvPr/>
-        </p:nvSpPr>
-        <p:spPr>
-          <a:xfrm>
-            <a:off x="7956376" y="2708920"/>
-            <a:ext cx="576064" cy="648072"/>
-          </a:xfrm>
-          <a:prstGeom prst="downArrow">
+          <a:xfrm rot="5400000">
+            <a:off x="1223852" y="3445373"/>
+            <a:ext cx="1439712" cy="648072"/>
+          </a:xfrm>
+          <a:prstGeom prst="bentUpArrow">
             <a:avLst/>
           </a:prstGeom>
         </p:spPr>
@@ -9847,97 +11769,10 @@
           </a:p>
         </p:txBody>
       </p:sp>
-      <p:sp>
-        <p:nvSpPr>
-          <p:cNvPr id="22" name="Rectángulo 21"/>
-          <p:cNvSpPr/>
-          <p:nvPr/>
-        </p:nvSpPr>
-        <p:spPr>
-          <a:xfrm>
-            <a:off x="251520" y="3140968"/>
-            <a:ext cx="4366547" cy="1077218"/>
-          </a:xfrm>
-          <a:prstGeom prst="rect">
-            <a:avLst/>
-          </a:prstGeom>
-        </p:spPr>
-        <p:style>
-          <a:lnRef idx="3">
-            <a:schemeClr val="lt1"/>
-          </a:lnRef>
-          <a:fillRef idx="1">
-            <a:schemeClr val="accent3"/>
-          </a:fillRef>
-          <a:effectRef idx="1">
-            <a:schemeClr val="accent3"/>
-          </a:effectRef>
-          <a:fontRef idx="minor">
-            <a:schemeClr val="lt1"/>
-          </a:fontRef>
-        </p:style>
-        <p:txBody>
-          <a:bodyPr wrap="square">
-            <a:spAutoFit/>
-          </a:bodyPr>
-          <a:lstStyle/>
-          <a:p>
-            <a:pPr marL="90488" lvl="1"/>
-            <a:r>
-              <a:rPr lang="es-ES" sz="1600" spc="-1" dirty="0" smtClean="0">
-                <a:solidFill>
-                  <a:srgbClr val="FFFFFF"/>
-                </a:solidFill>
-                <a:latin typeface="Alfabet Medium"/>
-              </a:rPr>
-              <a:t>Se deberá </a:t>
-            </a:r>
-            <a:r>
-              <a:rPr lang="es-AR" sz="1600" spc="-1" dirty="0" smtClean="0">
-                <a:solidFill>
-                  <a:srgbClr val="FFFFFF"/>
-                </a:solidFill>
-                <a:latin typeface="Alfabet Medium"/>
-              </a:rPr>
-              <a:t>agregar una observación del motivo de la devolución y al apretar el botón “Devolver” la cabecera aparecerá como “Rechazada” y volverá al Establecimiento.</a:t>
-            </a:r>
-            <a:endParaRPr lang="es-ES" sz="1600" spc="-1" dirty="0">
-              <a:solidFill>
-                <a:srgbClr val="FFFFFF"/>
-              </a:solidFill>
-              <a:latin typeface="Alfabet Medium"/>
-            </a:endParaRPr>
-          </a:p>
-        </p:txBody>
-      </p:sp>
-      <p:pic>
-        <p:nvPicPr>
-          <p:cNvPr id="11" name="Imagen 10"/>
-          <p:cNvPicPr>
-            <a:picLocks noChangeAspect="1"/>
-          </p:cNvPicPr>
-          <p:nvPr/>
-        </p:nvPicPr>
-        <p:blipFill>
-          <a:blip r:embed="rId8"/>
-          <a:stretch>
-            <a:fillRect/>
-          </a:stretch>
-        </p:blipFill>
-        <p:spPr>
-          <a:xfrm>
-            <a:off x="251521" y="4221088"/>
-            <a:ext cx="3384376" cy="750347"/>
-          </a:xfrm>
-          <a:prstGeom prst="rect">
-            <a:avLst/>
-          </a:prstGeom>
-        </p:spPr>
-      </p:pic>
     </p:spTree>
     <p:extLst>
       <p:ext uri="{BB962C8B-B14F-4D97-AF65-F5344CB8AC3E}">
-        <p14:creationId xmlns:p14="http://schemas.microsoft.com/office/powerpoint/2010/main" val="1981813978"/>
+        <p14:creationId xmlns:p14="http://schemas.microsoft.com/office/powerpoint/2010/main" val="1380311279"/>
       </p:ext>
     </p:extLst>
   </p:cSld>
@@ -9949,274 +11784,6 @@
       <p:transition spd="slow" p14:dur="2000"/>
     </mc:Choice>
     <mc:Fallback>
-      <p:transition spd="slow"/>
-    </mc:Fallback>
-  </mc:AlternateContent>
-  <p:timing>
-    <p:tnLst>
-      <p:par>
-        <p:cTn id="1" dur="indefinite" restart="never" nodeType="tmRoot"/>
-      </p:par>
-    </p:tnLst>
-  </p:timing>
-</p:sld>
-</file>
-
-<file path=ppt/slides/slide9.xml><?xml version="1.0" encoding="utf-8"?>
-<p:sld xmlns:a="http://schemas.openxmlformats.org/drawingml/2006/main" xmlns:r="http://schemas.openxmlformats.org/officeDocument/2006/relationships" xmlns:p="http://schemas.openxmlformats.org/presentationml/2006/main">
-  <p:cSld>
-    <p:bg>
-      <p:bgPr>
-        <a:solidFill>
-          <a:srgbClr val="174574"/>
-        </a:solidFill>
-        <a:effectLst/>
-      </p:bgPr>
-    </p:bg>
-    <p:spTree>
-      <p:nvGrpSpPr>
-        <p:cNvPr id="1" name=""/>
-        <p:cNvGrpSpPr/>
-        <p:nvPr/>
-      </p:nvGrpSpPr>
-      <p:grpSpPr>
-        <a:xfrm>
-          <a:off x="0" y="0"/>
-          <a:ext cx="0" cy="0"/>
-          <a:chOff x="0" y="0"/>
-          <a:chExt cx="0" cy="0"/>
-        </a:xfrm>
-      </p:grpSpPr>
-      <p:pic>
-        <p:nvPicPr>
-          <p:cNvPr id="6" name="Imagen 5"/>
-          <p:cNvPicPr>
-            <a:picLocks noChangeAspect="1"/>
-          </p:cNvPicPr>
-          <p:nvPr/>
-        </p:nvPicPr>
-        <p:blipFill>
-          <a:blip r:embed="rId3"/>
-          <a:stretch>
-            <a:fillRect/>
-          </a:stretch>
-        </p:blipFill>
-        <p:spPr>
-          <a:xfrm>
-            <a:off x="305780" y="1135556"/>
-            <a:ext cx="8388424" cy="1710367"/>
-          </a:xfrm>
-          <a:prstGeom prst="rect">
-            <a:avLst/>
-          </a:prstGeom>
-        </p:spPr>
-      </p:pic>
-      <p:pic>
-        <p:nvPicPr>
-          <p:cNvPr id="142" name="141 Imagen"/>
-          <p:cNvPicPr/>
-          <p:nvPr/>
-        </p:nvPicPr>
-        <p:blipFill>
-          <a:blip r:embed="rId4" cstate="print"/>
-          <a:stretch/>
-        </p:blipFill>
-        <p:spPr>
-          <a:xfrm>
-            <a:off x="360" y="5897520"/>
-            <a:ext cx="9143280" cy="960120"/>
-          </a:xfrm>
-          <a:prstGeom prst="rect">
-            <a:avLst/>
-          </a:prstGeom>
-          <a:ln w="0">
-            <a:noFill/>
-          </a:ln>
-        </p:spPr>
-      </p:pic>
-      <p:grpSp>
-        <p:nvGrpSpPr>
-          <p:cNvPr id="17" name="15 Grupo"/>
-          <p:cNvGrpSpPr/>
-          <p:nvPr/>
-        </p:nvGrpSpPr>
-        <p:grpSpPr>
-          <a:xfrm>
-            <a:off x="540000" y="482760"/>
-            <a:ext cx="7704408" cy="573480"/>
-            <a:chOff x="540000" y="482760"/>
-            <a:chExt cx="6802560" cy="573480"/>
-          </a:xfrm>
-        </p:grpSpPr>
-        <p:pic>
-          <p:nvPicPr>
-            <p:cNvPr id="18" name="Picture 2" descr="C:\Users\jpavoni\Downloads\ELEMENTOS PARA WEB\ELEMENTOS PARA WEB\CAPA 2 nueva\PARTICIPACION CIUDADANA\BANNERS Y BOTONES-02.jpg"/>
-            <p:cNvPicPr/>
-            <p:nvPr/>
-          </p:nvPicPr>
-          <p:blipFill>
-            <a:blip r:embed="rId5" cstate="print"/>
-            <a:srcRect l="5396" t="37233" r="86991" b="50737"/>
-            <a:stretch/>
-          </p:blipFill>
-          <p:spPr>
-            <a:xfrm>
-              <a:off x="540000" y="482760"/>
-              <a:ext cx="645480" cy="573480"/>
-            </a:xfrm>
-            <a:prstGeom prst="rect">
-              <a:avLst/>
-            </a:prstGeom>
-            <a:ln w="0">
-              <a:noFill/>
-            </a:ln>
-          </p:spPr>
-        </p:pic>
-        <p:sp>
-          <p:nvSpPr>
-            <p:cNvPr id="19" name="13 Rectángulo"/>
-            <p:cNvSpPr/>
-            <p:nvPr/>
-          </p:nvSpPr>
-          <p:spPr>
-            <a:xfrm>
-              <a:off x="1008360" y="482760"/>
-              <a:ext cx="6334200" cy="521766"/>
-            </a:xfrm>
-            <a:prstGeom prst="rect">
-              <a:avLst/>
-            </a:prstGeom>
-            <a:noFill/>
-            <a:ln w="0">
-              <a:noFill/>
-            </a:ln>
-          </p:spPr>
-          <p:style>
-            <a:lnRef idx="0">
-              <a:scrgbClr r="0" g="0" b="0"/>
-            </a:lnRef>
-            <a:fillRef idx="0">
-              <a:scrgbClr r="0" g="0" b="0"/>
-            </a:fillRef>
-            <a:effectRef idx="0">
-              <a:scrgbClr r="0" g="0" b="0"/>
-            </a:effectRef>
-            <a:fontRef idx="minor"/>
-          </p:style>
-          <p:txBody>
-            <a:bodyPr lIns="90000" tIns="45000" rIns="90000" bIns="45000" anchor="t">
-              <a:spAutoFit/>
-            </a:bodyPr>
-            <a:lstStyle/>
-            <a:p>
-              <a:pPr>
-                <a:lnSpc>
-                  <a:spcPct val="100000"/>
-                </a:lnSpc>
-              </a:pPr>
-              <a:r>
-                <a:rPr lang="es-MX" sz="2800" spc="-1" dirty="0" smtClean="0">
-                  <a:solidFill>
-                    <a:srgbClr val="FFFFFF"/>
-                  </a:solidFill>
-                  <a:latin typeface="Alfabet ExtraBold"/>
-                </a:rPr>
-                <a:t>Movimientos - Enviar a Provincia</a:t>
-              </a:r>
-              <a:endParaRPr lang="es-AR" sz="2800" b="0" strike="noStrike" spc="-1" dirty="0">
-                <a:latin typeface="Arial"/>
-              </a:endParaRPr>
-            </a:p>
-          </p:txBody>
-        </p:sp>
-      </p:grpSp>
-      <p:pic>
-        <p:nvPicPr>
-          <p:cNvPr id="2" name="Imagen 1"/>
-          <p:cNvPicPr>
-            <a:picLocks noChangeAspect="1"/>
-          </p:cNvPicPr>
-          <p:nvPr/>
-        </p:nvPicPr>
-        <p:blipFill>
-          <a:blip r:embed="rId6"/>
-          <a:stretch>
-            <a:fillRect/>
-          </a:stretch>
-        </p:blipFill>
-        <p:spPr>
-          <a:xfrm>
-            <a:off x="305780" y="3440577"/>
-            <a:ext cx="6060216" cy="973173"/>
-          </a:xfrm>
-          <a:prstGeom prst="rect">
-            <a:avLst/>
-          </a:prstGeom>
-        </p:spPr>
-      </p:pic>
-      <p:pic>
-        <p:nvPicPr>
-          <p:cNvPr id="3" name="Imagen 2"/>
-          <p:cNvPicPr>
-            <a:picLocks noChangeAspect="1"/>
-          </p:cNvPicPr>
-          <p:nvPr/>
-        </p:nvPicPr>
-        <p:blipFill>
-          <a:blip r:embed="rId7"/>
-          <a:stretch>
-            <a:fillRect/>
-          </a:stretch>
-        </p:blipFill>
-        <p:spPr>
-          <a:xfrm>
-            <a:off x="305780" y="4581128"/>
-            <a:ext cx="8532440" cy="1382320"/>
-          </a:xfrm>
-          <a:prstGeom prst="rect">
-            <a:avLst/>
-          </a:prstGeom>
-        </p:spPr>
-      </p:pic>
-      <p:pic>
-        <p:nvPicPr>
-          <p:cNvPr id="4" name="Imagen 3"/>
-          <p:cNvPicPr>
-            <a:picLocks noChangeAspect="1"/>
-          </p:cNvPicPr>
-          <p:nvPr/>
-        </p:nvPicPr>
-        <p:blipFill>
-          <a:blip r:embed="rId8"/>
-          <a:stretch>
-            <a:fillRect/>
-          </a:stretch>
-        </p:blipFill>
-        <p:spPr>
-          <a:xfrm>
-            <a:off x="2915816" y="2216797"/>
-            <a:ext cx="4495238" cy="1409524"/>
-          </a:xfrm>
-          <a:prstGeom prst="rect">
-            <a:avLst/>
-          </a:prstGeom>
-        </p:spPr>
-      </p:pic>
-    </p:spTree>
-    <p:extLst>
-      <p:ext uri="{BB962C8B-B14F-4D97-AF65-F5344CB8AC3E}">
-        <p14:creationId xmlns:p14="http://schemas.microsoft.com/office/powerpoint/2010/main" val="1777271892"/>
-      </p:ext>
-    </p:extLst>
-  </p:cSld>
-  <p:clrMapOvr>
-    <a:masterClrMapping/>
-  </p:clrMapOvr>
-  <mc:AlternateContent xmlns:mc="http://schemas.openxmlformats.org/markup-compatibility/2006" xmlns:p14="http://schemas.microsoft.com/office/powerpoint/2010/main">
-    <mc:Choice Requires="p14">
-      <p:transition spd="slow" p14:dur="2000"/>
-    </mc:Choice>
-    <mc:Fallback xmlns="">
       <p:transition spd="slow"/>
     </mc:Fallback>
   </mc:AlternateContent>

--- a/Documentacion/DocumentacionProyecto/Instructivos/MEC_Instructivo6 - Movimientos-Educacion.pptx
+++ b/Documentacion/DocumentacionProyecto/Instructivos/MEC_Instructivo6 - Movimientos-Educacion.pptx
@@ -14,7 +14,7 @@
     <p:sldId id="326" r:id="rId5"/>
     <p:sldId id="327" r:id="rId6"/>
     <p:sldId id="349" r:id="rId7"/>
-    <p:sldId id="350" r:id="rId8"/>
+    <p:sldId id="352" r:id="rId8"/>
     <p:sldId id="257" r:id="rId9"/>
     <p:sldId id="291" r:id="rId10"/>
     <p:sldId id="351" r:id="rId11"/>
@@ -1612,7 +1612,7 @@
     </p:spTree>
     <p:extLst>
       <p:ext uri="{BB962C8B-B14F-4D97-AF65-F5344CB8AC3E}">
-        <p14:creationId xmlns:p14="http://schemas.microsoft.com/office/powerpoint/2010/main" val="3360546575"/>
+        <p14:creationId xmlns:p14="http://schemas.microsoft.com/office/powerpoint/2010/main" val="3830301653"/>
       </p:ext>
     </p:extLst>
   </p:cSld>
@@ -10112,11 +10112,11 @@
   <p:clrMapOvr>
     <a:masterClrMapping/>
   </p:clrMapOvr>
-  <mc:AlternateContent xmlns:mc="http://schemas.openxmlformats.org/markup-compatibility/2006">
-    <mc:Choice xmlns:p14="http://schemas.microsoft.com/office/powerpoint/2010/main" Requires="p14">
+  <mc:AlternateContent xmlns:mc="http://schemas.openxmlformats.org/markup-compatibility/2006" xmlns:p14="http://schemas.microsoft.com/office/powerpoint/2010/main">
+    <mc:Choice Requires="p14">
       <p:transition spd="slow" p14:dur="2000"/>
     </mc:Choice>
-    <mc:Fallback>
+    <mc:Fallback xmlns="">
       <p:transition spd="slow"/>
     </mc:Fallback>
   </mc:AlternateContent>
@@ -10629,7 +10629,7 @@
     </p:spTree>
     <p:extLst>
       <p:ext uri="{BB962C8B-B14F-4D97-AF65-F5344CB8AC3E}">
-        <p14:creationId xmlns:p14="http://schemas.microsoft.com/office/powerpoint/2010/main" val="2927004046"/>
+        <p14:creationId xmlns:p14="http://schemas.microsoft.com/office/powerpoint/2010/main" val="952838825"/>
       </p:ext>
     </p:extLst>
   </p:cSld>
@@ -11456,7 +11456,7 @@
       </p:grpSpPr>
       <p:pic>
         <p:nvPicPr>
-          <p:cNvPr id="9" name="Imagen 8"/>
+          <p:cNvPr id="2" name="Imagen 1"/>
           <p:cNvPicPr>
             <a:picLocks noChangeAspect="1"/>
           </p:cNvPicPr>
@@ -11470,8 +11470,8 @@
         </p:blipFill>
         <p:spPr>
           <a:xfrm>
-            <a:off x="360" y="2348880"/>
-            <a:ext cx="6574999" cy="2160240"/>
+            <a:off x="-36512" y="2348880"/>
+            <a:ext cx="6585129" cy="2195043"/>
           </a:xfrm>
           <a:prstGeom prst="rect">
             <a:avLst/>
@@ -11615,16 +11615,7 @@
                   </a:solidFill>
                   <a:latin typeface="Alfabet ExtraBold"/>
                 </a:rPr>
-                <a:t>Agregar </a:t>
-              </a:r>
-              <a:r>
-                <a:rPr lang="es-MX" sz="2800" spc="-1" smtClean="0">
-                  <a:solidFill>
-                    <a:srgbClr val="FFFFFF"/>
-                  </a:solidFill>
-                  <a:latin typeface="Alfabet ExtraBold"/>
-                </a:rPr>
-                <a:t>Cabecera</a:t>
+                <a:t>Agregar Cabecera</a:t>
               </a:r>
               <a:endParaRPr lang="es-AR" sz="2800" b="0" strike="noStrike" spc="-1" dirty="0">
                 <a:latin typeface="Arial"/>
@@ -11779,11 +11770,11 @@
   <p:clrMapOvr>
     <a:masterClrMapping/>
   </p:clrMapOvr>
-  <mc:AlternateContent xmlns:mc="http://schemas.openxmlformats.org/markup-compatibility/2006">
-    <mc:Choice xmlns:p14="http://schemas.microsoft.com/office/powerpoint/2010/main" Requires="p14">
+  <mc:AlternateContent xmlns:mc="http://schemas.openxmlformats.org/markup-compatibility/2006" xmlns:p14="http://schemas.microsoft.com/office/powerpoint/2010/main">
+    <mc:Choice Requires="p14">
       <p:transition spd="slow" p14:dur="2000"/>
     </mc:Choice>
-    <mc:Fallback>
+    <mc:Fallback xmlns="">
       <p:transition spd="slow"/>
     </mc:Fallback>
   </mc:AlternateContent>
